--- a/Animations/Simple animations using powerpoint/Attention.pptx
+++ b/Animations/Simple animations using powerpoint/Attention.pptx
@@ -6,6 +6,7 @@
   </p:sldMasterIdLst>
   <p:sldIdLst>
     <p:sldId id="265" r:id="rId2"/>
+    <p:sldId id="266" r:id="rId3"/>
   </p:sldIdLst>
   <p:sldSz cx="12192000" cy="6858000"/>
   <p:notesSz cx="6858000" cy="9144000"/>
@@ -261,7 +262,7 @@
           <a:p>
             <a:fld id="{FB92FDD8-7731-4E46-9433-FCBAA3DC8EDF}" type="datetimeFigureOut">
               <a:rPr lang="en-GB" smtClean="0"/>
-              <a:t>11/08/2021</a:t>
+              <a:t>17/08/2021</a:t>
             </a:fld>
             <a:endParaRPr lang="en-GB"/>
           </a:p>
@@ -461,7 +462,7 @@
           <a:p>
             <a:fld id="{FB92FDD8-7731-4E46-9433-FCBAA3DC8EDF}" type="datetimeFigureOut">
               <a:rPr lang="en-GB" smtClean="0"/>
-              <a:t>11/08/2021</a:t>
+              <a:t>17/08/2021</a:t>
             </a:fld>
             <a:endParaRPr lang="en-GB"/>
           </a:p>
@@ -671,7 +672,7 @@
           <a:p>
             <a:fld id="{FB92FDD8-7731-4E46-9433-FCBAA3DC8EDF}" type="datetimeFigureOut">
               <a:rPr lang="en-GB" smtClean="0"/>
-              <a:t>11/08/2021</a:t>
+              <a:t>17/08/2021</a:t>
             </a:fld>
             <a:endParaRPr lang="en-GB"/>
           </a:p>
@@ -871,7 +872,7 @@
           <a:p>
             <a:fld id="{FB92FDD8-7731-4E46-9433-FCBAA3DC8EDF}" type="datetimeFigureOut">
               <a:rPr lang="en-GB" smtClean="0"/>
-              <a:t>11/08/2021</a:t>
+              <a:t>17/08/2021</a:t>
             </a:fld>
             <a:endParaRPr lang="en-GB"/>
           </a:p>
@@ -1147,7 +1148,7 @@
           <a:p>
             <a:fld id="{FB92FDD8-7731-4E46-9433-FCBAA3DC8EDF}" type="datetimeFigureOut">
               <a:rPr lang="en-GB" smtClean="0"/>
-              <a:t>11/08/2021</a:t>
+              <a:t>17/08/2021</a:t>
             </a:fld>
             <a:endParaRPr lang="en-GB"/>
           </a:p>
@@ -1415,7 +1416,7 @@
           <a:p>
             <a:fld id="{FB92FDD8-7731-4E46-9433-FCBAA3DC8EDF}" type="datetimeFigureOut">
               <a:rPr lang="en-GB" smtClean="0"/>
-              <a:t>11/08/2021</a:t>
+              <a:t>17/08/2021</a:t>
             </a:fld>
             <a:endParaRPr lang="en-GB"/>
           </a:p>
@@ -1830,7 +1831,7 @@
           <a:p>
             <a:fld id="{FB92FDD8-7731-4E46-9433-FCBAA3DC8EDF}" type="datetimeFigureOut">
               <a:rPr lang="en-GB" smtClean="0"/>
-              <a:t>11/08/2021</a:t>
+              <a:t>17/08/2021</a:t>
             </a:fld>
             <a:endParaRPr lang="en-GB"/>
           </a:p>
@@ -1972,7 +1973,7 @@
           <a:p>
             <a:fld id="{FB92FDD8-7731-4E46-9433-FCBAA3DC8EDF}" type="datetimeFigureOut">
               <a:rPr lang="en-GB" smtClean="0"/>
-              <a:t>11/08/2021</a:t>
+              <a:t>17/08/2021</a:t>
             </a:fld>
             <a:endParaRPr lang="en-GB"/>
           </a:p>
@@ -2085,7 +2086,7 @@
           <a:p>
             <a:fld id="{FB92FDD8-7731-4E46-9433-FCBAA3DC8EDF}" type="datetimeFigureOut">
               <a:rPr lang="en-GB" smtClean="0"/>
-              <a:t>11/08/2021</a:t>
+              <a:t>17/08/2021</a:t>
             </a:fld>
             <a:endParaRPr lang="en-GB"/>
           </a:p>
@@ -2398,7 +2399,7 @@
           <a:p>
             <a:fld id="{FB92FDD8-7731-4E46-9433-FCBAA3DC8EDF}" type="datetimeFigureOut">
               <a:rPr lang="en-GB" smtClean="0"/>
-              <a:t>11/08/2021</a:t>
+              <a:t>17/08/2021</a:t>
             </a:fld>
             <a:endParaRPr lang="en-GB"/>
           </a:p>
@@ -2687,7 +2688,7 @@
           <a:p>
             <a:fld id="{FB92FDD8-7731-4E46-9433-FCBAA3DC8EDF}" type="datetimeFigureOut">
               <a:rPr lang="en-GB" smtClean="0"/>
-              <a:t>11/08/2021</a:t>
+              <a:t>17/08/2021</a:t>
             </a:fld>
             <a:endParaRPr lang="en-GB"/>
           </a:p>
@@ -2930,7 +2931,7 @@
           <a:p>
             <a:fld id="{FB92FDD8-7731-4E46-9433-FCBAA3DC8EDF}" type="datetimeFigureOut">
               <a:rPr lang="en-GB" smtClean="0"/>
-              <a:t>11/08/2021</a:t>
+              <a:t>17/08/2021</a:t>
             </a:fld>
             <a:endParaRPr lang="en-GB"/>
           </a:p>
@@ -3361,7 +3362,7 @@
         </p:nvSpPr>
         <p:spPr>
           <a:xfrm>
-            <a:off x="5839000" y="2034597"/>
+            <a:off x="6972475" y="2148897"/>
             <a:ext cx="2688772" cy="2525814"/>
           </a:xfrm>
           <a:prstGeom prst="rect">
@@ -3428,7 +3429,7 @@
         </p:nvGrpSpPr>
         <p:grpSpPr>
           <a:xfrm>
-            <a:off x="609600" y="1421728"/>
+            <a:off x="1743075" y="1526503"/>
             <a:ext cx="1561011" cy="261610"/>
             <a:chOff x="609600" y="1421728"/>
             <a:chExt cx="1561011" cy="261610"/>
@@ -3734,7 +3735,7 @@
         </p:nvGrpSpPr>
         <p:grpSpPr>
           <a:xfrm>
-            <a:off x="609600" y="1240790"/>
+            <a:off x="1743075" y="1345565"/>
             <a:ext cx="1561011" cy="261610"/>
             <a:chOff x="609600" y="1240790"/>
             <a:chExt cx="1561011" cy="261610"/>
@@ -4040,7 +4041,7 @@
         </p:nvGrpSpPr>
         <p:grpSpPr>
           <a:xfrm>
-            <a:off x="609600" y="1067403"/>
+            <a:off x="1743075" y="1172178"/>
             <a:ext cx="1561010" cy="261610"/>
             <a:chOff x="609600" y="1069784"/>
             <a:chExt cx="1561010" cy="261610"/>
@@ -4346,7 +4347,7 @@
         </p:nvGrpSpPr>
         <p:grpSpPr>
           <a:xfrm>
-            <a:off x="609600" y="867625"/>
+            <a:off x="1743075" y="972400"/>
             <a:ext cx="1561010" cy="261610"/>
             <a:chOff x="609600" y="867625"/>
             <a:chExt cx="1561010" cy="261610"/>
@@ -4652,7 +4653,7 @@
         </p:nvGrpSpPr>
         <p:grpSpPr>
           <a:xfrm>
-            <a:off x="609600" y="677013"/>
+            <a:off x="1743075" y="781788"/>
             <a:ext cx="1550125" cy="261610"/>
             <a:chOff x="609600" y="677013"/>
             <a:chExt cx="1550125" cy="261610"/>
@@ -4958,7 +4959,7 @@
         </p:nvGrpSpPr>
         <p:grpSpPr>
           <a:xfrm>
-            <a:off x="609600" y="493731"/>
+            <a:off x="1743075" y="598506"/>
             <a:ext cx="1561010" cy="261610"/>
             <a:chOff x="609600" y="493731"/>
             <a:chExt cx="1561010" cy="261610"/>
@@ -5264,7 +5265,7 @@
         </p:nvGrpSpPr>
         <p:grpSpPr>
           <a:xfrm>
-            <a:off x="609600" y="310066"/>
+            <a:off x="1743075" y="414841"/>
             <a:ext cx="1561010" cy="261610"/>
             <a:chOff x="609600" y="310066"/>
             <a:chExt cx="1561010" cy="261610"/>
@@ -5570,7 +5571,7 @@
         </p:nvGrpSpPr>
         <p:grpSpPr>
           <a:xfrm>
-            <a:off x="609600" y="126784"/>
+            <a:off x="1743075" y="231559"/>
             <a:ext cx="1550124" cy="261610"/>
             <a:chOff x="609600" y="126784"/>
             <a:chExt cx="1550124" cy="261610"/>
@@ -5876,7 +5877,7 @@
         </p:nvGrpSpPr>
         <p:grpSpPr>
           <a:xfrm>
-            <a:off x="3805100" y="2776963"/>
+            <a:off x="4938575" y="2881738"/>
             <a:ext cx="1353640" cy="520541"/>
             <a:chOff x="3138350" y="2225040"/>
             <a:chExt cx="1353640" cy="520541"/>
@@ -6150,7 +6151,7 @@
         </p:nvGrpSpPr>
         <p:grpSpPr>
           <a:xfrm>
-            <a:off x="6441620" y="1128639"/>
+            <a:off x="7575095" y="1233414"/>
             <a:ext cx="1287780" cy="520541"/>
             <a:chOff x="3138350" y="2225040"/>
             <a:chExt cx="1287780" cy="520541"/>
@@ -6424,7 +6425,7 @@
         </p:nvGrpSpPr>
         <p:grpSpPr>
           <a:xfrm>
-            <a:off x="6441620" y="1128639"/>
+            <a:off x="7575095" y="1233414"/>
             <a:ext cx="1287780" cy="520541"/>
             <a:chOff x="3138350" y="2225040"/>
             <a:chExt cx="1287780" cy="520541"/>
@@ -6697,7 +6698,7 @@
         </p:nvGrpSpPr>
         <p:grpSpPr>
           <a:xfrm>
-            <a:off x="6441620" y="1128639"/>
+            <a:off x="7575095" y="1233414"/>
             <a:ext cx="1287780" cy="520541"/>
             <a:chOff x="3138350" y="2225040"/>
             <a:chExt cx="1287780" cy="520541"/>
@@ -6970,7 +6971,7 @@
         </p:nvGrpSpPr>
         <p:grpSpPr>
           <a:xfrm>
-            <a:off x="6441620" y="1128639"/>
+            <a:off x="7575095" y="1233414"/>
             <a:ext cx="1287780" cy="520541"/>
             <a:chOff x="3138350" y="2225040"/>
             <a:chExt cx="1287780" cy="520541"/>
@@ -7243,7 +7244,7 @@
         </p:nvGrpSpPr>
         <p:grpSpPr>
           <a:xfrm>
-            <a:off x="6441620" y="1128639"/>
+            <a:off x="7575095" y="1233414"/>
             <a:ext cx="1287780" cy="520541"/>
             <a:chOff x="3138350" y="2225040"/>
             <a:chExt cx="1287780" cy="520541"/>
@@ -7516,7 +7517,7 @@
         </p:nvGrpSpPr>
         <p:grpSpPr>
           <a:xfrm>
-            <a:off x="6441619" y="1128639"/>
+            <a:off x="7575094" y="1233414"/>
             <a:ext cx="1287780" cy="520541"/>
             <a:chOff x="3138350" y="2225040"/>
             <a:chExt cx="1287780" cy="520541"/>
@@ -7789,7 +7790,7 @@
         </p:nvGrpSpPr>
         <p:grpSpPr>
           <a:xfrm>
-            <a:off x="6441619" y="1128639"/>
+            <a:off x="7575094" y="1233414"/>
             <a:ext cx="1287780" cy="520541"/>
             <a:chOff x="3138350" y="2225040"/>
             <a:chExt cx="1287780" cy="520541"/>
@@ -8062,7 +8063,7 @@
         </p:nvGrpSpPr>
         <p:grpSpPr>
           <a:xfrm>
-            <a:off x="6441618" y="1128639"/>
+            <a:off x="7575093" y="1233414"/>
             <a:ext cx="1381228" cy="520541"/>
             <a:chOff x="3138350" y="2225040"/>
             <a:chExt cx="1381228" cy="520541"/>
@@ -8329,112 +8330,6 @@
           </p:txBody>
         </p:sp>
       </p:grpSp>
-      <p:sp>
-        <p:nvSpPr>
-          <p:cNvPr id="41" name="Arrow: Right 40">
-            <a:extLst>
-              <a:ext uri="{FF2B5EF4-FFF2-40B4-BE49-F238E27FC236}">
-                <a16:creationId xmlns:a16="http://schemas.microsoft.com/office/drawing/2014/main" id="{BD43F608-AF6D-4B66-BC3F-22D93FA9D521}"/>
-              </a:ext>
-            </a:extLst>
-          </p:cNvPr>
-          <p:cNvSpPr/>
-          <p:nvPr/>
-        </p:nvSpPr>
-        <p:spPr>
-          <a:xfrm>
-            <a:off x="5092880" y="3699509"/>
-            <a:ext cx="684295" cy="162997"/>
-          </a:xfrm>
-          <a:prstGeom prst="rightArrow">
-            <a:avLst/>
-          </a:prstGeom>
-          <a:solidFill>
-            <a:schemeClr val="tx1"/>
-          </a:solidFill>
-          <a:ln>
-            <a:noFill/>
-          </a:ln>
-        </p:spPr>
-        <p:style>
-          <a:lnRef idx="2">
-            <a:schemeClr val="accent1">
-              <a:shade val="50000"/>
-            </a:schemeClr>
-          </a:lnRef>
-          <a:fillRef idx="1">
-            <a:schemeClr val="accent1"/>
-          </a:fillRef>
-          <a:effectRef idx="0">
-            <a:schemeClr val="accent1"/>
-          </a:effectRef>
-          <a:fontRef idx="minor">
-            <a:schemeClr val="lt1"/>
-          </a:fontRef>
-        </p:style>
-        <p:txBody>
-          <a:bodyPr rtlCol="0" anchor="ctr"/>
-          <a:lstStyle/>
-          <a:p>
-            <a:pPr algn="ctr"/>
-            <a:endParaRPr lang="en-GB"/>
-          </a:p>
-        </p:txBody>
-      </p:sp>
-      <p:sp>
-        <p:nvSpPr>
-          <p:cNvPr id="145" name="Arrow: Right 144">
-            <a:extLst>
-              <a:ext uri="{FF2B5EF4-FFF2-40B4-BE49-F238E27FC236}">
-                <a16:creationId xmlns:a16="http://schemas.microsoft.com/office/drawing/2014/main" id="{FA9A5A3C-DC57-4238-AD4D-733C9618BBB3}"/>
-              </a:ext>
-            </a:extLst>
-          </p:cNvPr>
-          <p:cNvSpPr/>
-          <p:nvPr/>
-        </p:nvSpPr>
-        <p:spPr>
-          <a:xfrm>
-            <a:off x="5092880" y="2812086"/>
-            <a:ext cx="684295" cy="162997"/>
-          </a:xfrm>
-          <a:prstGeom prst="rightArrow">
-            <a:avLst/>
-          </a:prstGeom>
-          <a:solidFill>
-            <a:schemeClr val="bg2">
-              <a:lumMod val="10000"/>
-            </a:schemeClr>
-          </a:solidFill>
-          <a:ln>
-            <a:noFill/>
-          </a:ln>
-        </p:spPr>
-        <p:style>
-          <a:lnRef idx="2">
-            <a:schemeClr val="accent1">
-              <a:shade val="50000"/>
-            </a:schemeClr>
-          </a:lnRef>
-          <a:fillRef idx="1">
-            <a:schemeClr val="accent1"/>
-          </a:fillRef>
-          <a:effectRef idx="0">
-            <a:schemeClr val="accent1"/>
-          </a:effectRef>
-          <a:fontRef idx="minor">
-            <a:schemeClr val="lt1"/>
-          </a:fontRef>
-        </p:style>
-        <p:txBody>
-          <a:bodyPr rtlCol="0" anchor="ctr"/>
-          <a:lstStyle/>
-          <a:p>
-            <a:pPr algn="ctr"/>
-            <a:endParaRPr lang="en-GB"/>
-          </a:p>
-        </p:txBody>
-      </p:sp>
       <p:cxnSp>
         <p:nvCxnSpPr>
           <p:cNvPr id="43" name="Straight Arrow Connector 42">
@@ -8451,8 +8346,8 @@
         </p:nvCxnSpPr>
         <p:spPr>
           <a:xfrm flipV="1">
-            <a:off x="7147556" y="1615497"/>
-            <a:ext cx="0" cy="396240"/>
+            <a:off x="8281031" y="1720271"/>
+            <a:ext cx="0" cy="432000"/>
           </a:xfrm>
           <a:prstGeom prst="straightConnector1">
             <a:avLst/>
@@ -8479,6 +8374,574 @@
           </a:fontRef>
         </p:style>
       </p:cxnSp>
+      <p:cxnSp>
+        <p:nvCxnSpPr>
+          <p:cNvPr id="42" name="Straight Arrow Connector 41">
+            <a:extLst>
+              <a:ext uri="{FF2B5EF4-FFF2-40B4-BE49-F238E27FC236}">
+                <a16:creationId xmlns:a16="http://schemas.microsoft.com/office/drawing/2014/main" id="{D426B757-650D-4EDE-908E-356ECF52731C}"/>
+              </a:ext>
+            </a:extLst>
+          </p:cNvPr>
+          <p:cNvCxnSpPr>
+            <a:cxnSpLocks/>
+          </p:cNvCxnSpPr>
+          <p:nvPr/>
+        </p:nvCxnSpPr>
+        <p:spPr>
+          <a:xfrm>
+            <a:off x="6292215" y="3883025"/>
+            <a:ext cx="680260" cy="0"/>
+          </a:xfrm>
+          <a:prstGeom prst="straightConnector1">
+            <a:avLst/>
+          </a:prstGeom>
+          <a:ln>
+            <a:tailEnd type="triangle"/>
+          </a:ln>
+        </p:spPr>
+        <p:style>
+          <a:lnRef idx="1">
+            <a:schemeClr val="dk1"/>
+          </a:lnRef>
+          <a:fillRef idx="0">
+            <a:schemeClr val="dk1"/>
+          </a:fillRef>
+          <a:effectRef idx="0">
+            <a:schemeClr val="dk1"/>
+          </a:effectRef>
+          <a:fontRef idx="minor">
+            <a:schemeClr val="tx1"/>
+          </a:fontRef>
+        </p:style>
+      </p:cxnSp>
+      <p:cxnSp>
+        <p:nvCxnSpPr>
+          <p:cNvPr id="146" name="Straight Arrow Connector 145">
+            <a:extLst>
+              <a:ext uri="{FF2B5EF4-FFF2-40B4-BE49-F238E27FC236}">
+                <a16:creationId xmlns:a16="http://schemas.microsoft.com/office/drawing/2014/main" id="{928C5D2F-2B5E-40C7-9AD6-37BD046781C2}"/>
+              </a:ext>
+            </a:extLst>
+          </p:cNvPr>
+          <p:cNvCxnSpPr>
+            <a:cxnSpLocks/>
+          </p:cNvCxnSpPr>
+          <p:nvPr/>
+        </p:nvCxnSpPr>
+        <p:spPr>
+          <a:xfrm>
+            <a:off x="6292215" y="2994025"/>
+            <a:ext cx="680260" cy="0"/>
+          </a:xfrm>
+          <a:prstGeom prst="straightConnector1">
+            <a:avLst/>
+          </a:prstGeom>
+          <a:ln>
+            <a:tailEnd type="triangle"/>
+          </a:ln>
+        </p:spPr>
+        <p:style>
+          <a:lnRef idx="1">
+            <a:schemeClr val="dk1"/>
+          </a:lnRef>
+          <a:fillRef idx="0">
+            <a:schemeClr val="dk1"/>
+          </a:fillRef>
+          <a:effectRef idx="0">
+            <a:schemeClr val="dk1"/>
+          </a:effectRef>
+          <a:fontRef idx="minor">
+            <a:schemeClr val="tx1"/>
+          </a:fontRef>
+        </p:style>
+      </p:cxnSp>
+      <p:sp>
+        <p:nvSpPr>
+          <p:cNvPr id="50" name="TextBox 49">
+            <a:extLst>
+              <a:ext uri="{FF2B5EF4-FFF2-40B4-BE49-F238E27FC236}">
+                <a16:creationId xmlns:a16="http://schemas.microsoft.com/office/drawing/2014/main" id="{121335E2-D94F-4FE6-9DBD-F962BCDFFB20}"/>
+              </a:ext>
+            </a:extLst>
+          </p:cNvPr>
+          <p:cNvSpPr txBox="1"/>
+          <p:nvPr/>
+        </p:nvSpPr>
+        <p:spPr>
+          <a:xfrm>
+            <a:off x="7229475" y="4963207"/>
+            <a:ext cx="3257550" cy="523220"/>
+          </a:xfrm>
+          <a:prstGeom prst="rect">
+            <a:avLst/>
+          </a:prstGeom>
+          <a:noFill/>
+        </p:spPr>
+        <p:txBody>
+          <a:bodyPr wrap="square" rtlCol="0">
+            <a:spAutoFit/>
+          </a:bodyPr>
+          <a:lstStyle/>
+          <a:p>
+            <a:r>
+              <a:rPr lang="en-US" sz="1400" dirty="0">
+                <a:latin typeface="Consolas" panose="020B0609020204030204" pitchFamily="49" charset="0"/>
+              </a:rPr>
+              <a:t>t = 1</a:t>
+            </a:r>
+          </a:p>
+          <a:p>
+            <a:r>
+              <a:rPr lang="en-US" sz="1400" dirty="0">
+                <a:latin typeface="Consolas" panose="020B0609020204030204" pitchFamily="49" charset="0"/>
+              </a:rPr>
+              <a:t>h1 = </a:t>
+            </a:r>
+            <a:r>
+              <a:rPr lang="en-US" sz="1400" dirty="0" err="1">
+                <a:latin typeface="Consolas" panose="020B0609020204030204" pitchFamily="49" charset="0"/>
+              </a:rPr>
+              <a:t>encoder_RNN</a:t>
+            </a:r>
+            <a:r>
+              <a:rPr lang="en-US" sz="1400" dirty="0">
+                <a:latin typeface="Consolas" panose="020B0609020204030204" pitchFamily="49" charset="0"/>
+              </a:rPr>
+              <a:t>(x1, h0)</a:t>
+            </a:r>
+            <a:endParaRPr lang="en-GB" sz="1400" dirty="0">
+              <a:latin typeface="Consolas" panose="020B0609020204030204" pitchFamily="49" charset="0"/>
+            </a:endParaRPr>
+          </a:p>
+        </p:txBody>
+      </p:sp>
+      <p:sp>
+        <p:nvSpPr>
+          <p:cNvPr id="147" name="TextBox 146">
+            <a:extLst>
+              <a:ext uri="{FF2B5EF4-FFF2-40B4-BE49-F238E27FC236}">
+                <a16:creationId xmlns:a16="http://schemas.microsoft.com/office/drawing/2014/main" id="{F99C2FAF-546F-4BCE-8B9F-6F7B6DD44007}"/>
+              </a:ext>
+            </a:extLst>
+          </p:cNvPr>
+          <p:cNvSpPr txBox="1"/>
+          <p:nvPr/>
+        </p:nvSpPr>
+        <p:spPr>
+          <a:xfrm>
+            <a:off x="7229475" y="4964367"/>
+            <a:ext cx="3257550" cy="523220"/>
+          </a:xfrm>
+          <a:prstGeom prst="rect">
+            <a:avLst/>
+          </a:prstGeom>
+          <a:noFill/>
+        </p:spPr>
+        <p:txBody>
+          <a:bodyPr wrap="square" rtlCol="0">
+            <a:spAutoFit/>
+          </a:bodyPr>
+          <a:lstStyle/>
+          <a:p>
+            <a:r>
+              <a:rPr lang="en-US" sz="1400" dirty="0">
+                <a:latin typeface="Consolas" panose="020B0609020204030204" pitchFamily="49" charset="0"/>
+              </a:rPr>
+              <a:t>t = 2</a:t>
+            </a:r>
+          </a:p>
+          <a:p>
+            <a:r>
+              <a:rPr lang="en-US" sz="1400" dirty="0">
+                <a:latin typeface="Consolas" panose="020B0609020204030204" pitchFamily="49" charset="0"/>
+              </a:rPr>
+              <a:t>h2 = </a:t>
+            </a:r>
+            <a:r>
+              <a:rPr lang="en-US" sz="1400" dirty="0" err="1">
+                <a:latin typeface="Consolas" panose="020B0609020204030204" pitchFamily="49" charset="0"/>
+              </a:rPr>
+              <a:t>encoder_RNN</a:t>
+            </a:r>
+            <a:r>
+              <a:rPr lang="en-US" sz="1400" dirty="0">
+                <a:latin typeface="Consolas" panose="020B0609020204030204" pitchFamily="49" charset="0"/>
+              </a:rPr>
+              <a:t>(x2, h1)</a:t>
+            </a:r>
+            <a:endParaRPr lang="en-GB" sz="1400" dirty="0">
+              <a:latin typeface="Consolas" panose="020B0609020204030204" pitchFamily="49" charset="0"/>
+            </a:endParaRPr>
+          </a:p>
+        </p:txBody>
+      </p:sp>
+      <p:sp>
+        <p:nvSpPr>
+          <p:cNvPr id="148" name="TextBox 147">
+            <a:extLst>
+              <a:ext uri="{FF2B5EF4-FFF2-40B4-BE49-F238E27FC236}">
+                <a16:creationId xmlns:a16="http://schemas.microsoft.com/office/drawing/2014/main" id="{897A3EF0-A1C5-45B7-8ADC-6D88591E18B6}"/>
+              </a:ext>
+            </a:extLst>
+          </p:cNvPr>
+          <p:cNvSpPr txBox="1"/>
+          <p:nvPr/>
+        </p:nvSpPr>
+        <p:spPr>
+          <a:xfrm>
+            <a:off x="7229475" y="4963207"/>
+            <a:ext cx="3257550" cy="523220"/>
+          </a:xfrm>
+          <a:prstGeom prst="rect">
+            <a:avLst/>
+          </a:prstGeom>
+          <a:noFill/>
+        </p:spPr>
+        <p:txBody>
+          <a:bodyPr wrap="square" rtlCol="0">
+            <a:spAutoFit/>
+          </a:bodyPr>
+          <a:lstStyle/>
+          <a:p>
+            <a:r>
+              <a:rPr lang="en-US" sz="1400" dirty="0">
+                <a:latin typeface="Consolas" panose="020B0609020204030204" pitchFamily="49" charset="0"/>
+              </a:rPr>
+              <a:t>t = 3</a:t>
+            </a:r>
+          </a:p>
+          <a:p>
+            <a:r>
+              <a:rPr lang="en-US" sz="1400" dirty="0">
+                <a:latin typeface="Consolas" panose="020B0609020204030204" pitchFamily="49" charset="0"/>
+              </a:rPr>
+              <a:t>h3 = </a:t>
+            </a:r>
+            <a:r>
+              <a:rPr lang="en-US" sz="1400" dirty="0" err="1">
+                <a:latin typeface="Consolas" panose="020B0609020204030204" pitchFamily="49" charset="0"/>
+              </a:rPr>
+              <a:t>encoder_RNN</a:t>
+            </a:r>
+            <a:r>
+              <a:rPr lang="en-US" sz="1400" dirty="0">
+                <a:latin typeface="Consolas" panose="020B0609020204030204" pitchFamily="49" charset="0"/>
+              </a:rPr>
+              <a:t>(x3, h2)</a:t>
+            </a:r>
+            <a:endParaRPr lang="en-GB" sz="1400" dirty="0">
+              <a:latin typeface="Consolas" panose="020B0609020204030204" pitchFamily="49" charset="0"/>
+            </a:endParaRPr>
+          </a:p>
+        </p:txBody>
+      </p:sp>
+      <p:sp>
+        <p:nvSpPr>
+          <p:cNvPr id="149" name="TextBox 148">
+            <a:extLst>
+              <a:ext uri="{FF2B5EF4-FFF2-40B4-BE49-F238E27FC236}">
+                <a16:creationId xmlns:a16="http://schemas.microsoft.com/office/drawing/2014/main" id="{67B23FCD-E99A-4A08-BBCD-8888026B7AFB}"/>
+              </a:ext>
+            </a:extLst>
+          </p:cNvPr>
+          <p:cNvSpPr txBox="1"/>
+          <p:nvPr/>
+        </p:nvSpPr>
+        <p:spPr>
+          <a:xfrm>
+            <a:off x="7229475" y="4962047"/>
+            <a:ext cx="3257550" cy="523220"/>
+          </a:xfrm>
+          <a:prstGeom prst="rect">
+            <a:avLst/>
+          </a:prstGeom>
+          <a:noFill/>
+        </p:spPr>
+        <p:txBody>
+          <a:bodyPr wrap="square" rtlCol="0">
+            <a:spAutoFit/>
+          </a:bodyPr>
+          <a:lstStyle/>
+          <a:p>
+            <a:r>
+              <a:rPr lang="en-US" sz="1400" dirty="0">
+                <a:latin typeface="Consolas" panose="020B0609020204030204" pitchFamily="49" charset="0"/>
+              </a:rPr>
+              <a:t>t = 4</a:t>
+            </a:r>
+          </a:p>
+          <a:p>
+            <a:r>
+              <a:rPr lang="en-US" sz="1400" dirty="0">
+                <a:latin typeface="Consolas" panose="020B0609020204030204" pitchFamily="49" charset="0"/>
+              </a:rPr>
+              <a:t>h4 = </a:t>
+            </a:r>
+            <a:r>
+              <a:rPr lang="en-US" sz="1400" dirty="0" err="1">
+                <a:latin typeface="Consolas" panose="020B0609020204030204" pitchFamily="49" charset="0"/>
+              </a:rPr>
+              <a:t>encoder_RNN</a:t>
+            </a:r>
+            <a:r>
+              <a:rPr lang="en-US" sz="1400" dirty="0">
+                <a:latin typeface="Consolas" panose="020B0609020204030204" pitchFamily="49" charset="0"/>
+              </a:rPr>
+              <a:t>(x4, h3)</a:t>
+            </a:r>
+            <a:endParaRPr lang="en-GB" sz="1400" dirty="0">
+              <a:latin typeface="Consolas" panose="020B0609020204030204" pitchFamily="49" charset="0"/>
+            </a:endParaRPr>
+          </a:p>
+        </p:txBody>
+      </p:sp>
+      <p:sp>
+        <p:nvSpPr>
+          <p:cNvPr id="150" name="TextBox 149">
+            <a:extLst>
+              <a:ext uri="{FF2B5EF4-FFF2-40B4-BE49-F238E27FC236}">
+                <a16:creationId xmlns:a16="http://schemas.microsoft.com/office/drawing/2014/main" id="{396F67B7-13E3-4056-90FD-250B27F7B158}"/>
+              </a:ext>
+            </a:extLst>
+          </p:cNvPr>
+          <p:cNvSpPr txBox="1"/>
+          <p:nvPr/>
+        </p:nvSpPr>
+        <p:spPr>
+          <a:xfrm>
+            <a:off x="7229475" y="4962047"/>
+            <a:ext cx="3257550" cy="523220"/>
+          </a:xfrm>
+          <a:prstGeom prst="rect">
+            <a:avLst/>
+          </a:prstGeom>
+          <a:noFill/>
+        </p:spPr>
+        <p:txBody>
+          <a:bodyPr wrap="square" rtlCol="0">
+            <a:spAutoFit/>
+          </a:bodyPr>
+          <a:lstStyle/>
+          <a:p>
+            <a:r>
+              <a:rPr lang="en-US" sz="1400" dirty="0">
+                <a:latin typeface="Consolas" panose="020B0609020204030204" pitchFamily="49" charset="0"/>
+              </a:rPr>
+              <a:t>t = 5</a:t>
+            </a:r>
+          </a:p>
+          <a:p>
+            <a:r>
+              <a:rPr lang="en-US" sz="1400" dirty="0">
+                <a:latin typeface="Consolas" panose="020B0609020204030204" pitchFamily="49" charset="0"/>
+              </a:rPr>
+              <a:t>h5 = </a:t>
+            </a:r>
+            <a:r>
+              <a:rPr lang="en-US" sz="1400" dirty="0" err="1">
+                <a:latin typeface="Consolas" panose="020B0609020204030204" pitchFamily="49" charset="0"/>
+              </a:rPr>
+              <a:t>encoder_RNN</a:t>
+            </a:r>
+            <a:r>
+              <a:rPr lang="en-US" sz="1400" dirty="0">
+                <a:latin typeface="Consolas" panose="020B0609020204030204" pitchFamily="49" charset="0"/>
+              </a:rPr>
+              <a:t>(x5, h4)</a:t>
+            </a:r>
+            <a:endParaRPr lang="en-GB" sz="1400" dirty="0">
+              <a:latin typeface="Consolas" panose="020B0609020204030204" pitchFamily="49" charset="0"/>
+            </a:endParaRPr>
+          </a:p>
+        </p:txBody>
+      </p:sp>
+      <p:sp>
+        <p:nvSpPr>
+          <p:cNvPr id="151" name="TextBox 150">
+            <a:extLst>
+              <a:ext uri="{FF2B5EF4-FFF2-40B4-BE49-F238E27FC236}">
+                <a16:creationId xmlns:a16="http://schemas.microsoft.com/office/drawing/2014/main" id="{7C2EF024-A46E-417D-B553-CCF191F1B247}"/>
+              </a:ext>
+            </a:extLst>
+          </p:cNvPr>
+          <p:cNvSpPr txBox="1"/>
+          <p:nvPr/>
+        </p:nvSpPr>
+        <p:spPr>
+          <a:xfrm>
+            <a:off x="7229475" y="4962047"/>
+            <a:ext cx="3257550" cy="523220"/>
+          </a:xfrm>
+          <a:prstGeom prst="rect">
+            <a:avLst/>
+          </a:prstGeom>
+          <a:noFill/>
+        </p:spPr>
+        <p:txBody>
+          <a:bodyPr wrap="square" rtlCol="0">
+            <a:spAutoFit/>
+          </a:bodyPr>
+          <a:lstStyle/>
+          <a:p>
+            <a:r>
+              <a:rPr lang="en-US" sz="1400" dirty="0">
+                <a:latin typeface="Consolas" panose="020B0609020204030204" pitchFamily="49" charset="0"/>
+              </a:rPr>
+              <a:t>t = 6</a:t>
+            </a:r>
+          </a:p>
+          <a:p>
+            <a:r>
+              <a:rPr lang="en-US" sz="1400" dirty="0">
+                <a:latin typeface="Consolas" panose="020B0609020204030204" pitchFamily="49" charset="0"/>
+              </a:rPr>
+              <a:t>h6 = </a:t>
+            </a:r>
+            <a:r>
+              <a:rPr lang="en-US" sz="1400" dirty="0" err="1">
+                <a:latin typeface="Consolas" panose="020B0609020204030204" pitchFamily="49" charset="0"/>
+              </a:rPr>
+              <a:t>encoder_RNN</a:t>
+            </a:r>
+            <a:r>
+              <a:rPr lang="en-US" sz="1400" dirty="0">
+                <a:latin typeface="Consolas" panose="020B0609020204030204" pitchFamily="49" charset="0"/>
+              </a:rPr>
+              <a:t>(x6, h5)</a:t>
+            </a:r>
+            <a:endParaRPr lang="en-GB" sz="1400" dirty="0">
+              <a:latin typeface="Consolas" panose="020B0609020204030204" pitchFamily="49" charset="0"/>
+            </a:endParaRPr>
+          </a:p>
+        </p:txBody>
+      </p:sp>
+      <p:sp>
+        <p:nvSpPr>
+          <p:cNvPr id="152" name="TextBox 151">
+            <a:extLst>
+              <a:ext uri="{FF2B5EF4-FFF2-40B4-BE49-F238E27FC236}">
+                <a16:creationId xmlns:a16="http://schemas.microsoft.com/office/drawing/2014/main" id="{508EAF12-DEF2-4559-BDA1-65C214A2169D}"/>
+              </a:ext>
+            </a:extLst>
+          </p:cNvPr>
+          <p:cNvSpPr txBox="1"/>
+          <p:nvPr/>
+        </p:nvSpPr>
+        <p:spPr>
+          <a:xfrm>
+            <a:off x="7229475" y="4960887"/>
+            <a:ext cx="3257550" cy="523220"/>
+          </a:xfrm>
+          <a:prstGeom prst="rect">
+            <a:avLst/>
+          </a:prstGeom>
+          <a:noFill/>
+        </p:spPr>
+        <p:txBody>
+          <a:bodyPr wrap="square" rtlCol="0">
+            <a:spAutoFit/>
+          </a:bodyPr>
+          <a:lstStyle/>
+          <a:p>
+            <a:r>
+              <a:rPr lang="en-US" sz="1400" dirty="0">
+                <a:latin typeface="Consolas" panose="020B0609020204030204" pitchFamily="49" charset="0"/>
+              </a:rPr>
+              <a:t>t = 7</a:t>
+            </a:r>
+          </a:p>
+          <a:p>
+            <a:r>
+              <a:rPr lang="en-US" sz="1400" dirty="0">
+                <a:latin typeface="Consolas" panose="020B0609020204030204" pitchFamily="49" charset="0"/>
+              </a:rPr>
+              <a:t>h7 = </a:t>
+            </a:r>
+            <a:r>
+              <a:rPr lang="en-US" sz="1400" dirty="0" err="1">
+                <a:latin typeface="Consolas" panose="020B0609020204030204" pitchFamily="49" charset="0"/>
+              </a:rPr>
+              <a:t>encoder_RNN</a:t>
+            </a:r>
+            <a:r>
+              <a:rPr lang="en-US" sz="1400" dirty="0">
+                <a:latin typeface="Consolas" panose="020B0609020204030204" pitchFamily="49" charset="0"/>
+              </a:rPr>
+              <a:t>(x7, h6)</a:t>
+            </a:r>
+            <a:endParaRPr lang="en-GB" sz="1400" dirty="0">
+              <a:latin typeface="Consolas" panose="020B0609020204030204" pitchFamily="49" charset="0"/>
+            </a:endParaRPr>
+          </a:p>
+        </p:txBody>
+      </p:sp>
+      <p:sp>
+        <p:nvSpPr>
+          <p:cNvPr id="153" name="TextBox 152">
+            <a:extLst>
+              <a:ext uri="{FF2B5EF4-FFF2-40B4-BE49-F238E27FC236}">
+                <a16:creationId xmlns:a16="http://schemas.microsoft.com/office/drawing/2014/main" id="{414CF170-8C05-46B8-B9FA-F2ACB3EF7C63}"/>
+              </a:ext>
+            </a:extLst>
+          </p:cNvPr>
+          <p:cNvSpPr txBox="1"/>
+          <p:nvPr/>
+        </p:nvSpPr>
+        <p:spPr>
+          <a:xfrm>
+            <a:off x="7229475" y="4959727"/>
+            <a:ext cx="3257550" cy="523220"/>
+          </a:xfrm>
+          <a:prstGeom prst="rect">
+            <a:avLst/>
+          </a:prstGeom>
+          <a:noFill/>
+        </p:spPr>
+        <p:txBody>
+          <a:bodyPr wrap="square" rtlCol="0">
+            <a:spAutoFit/>
+          </a:bodyPr>
+          <a:lstStyle/>
+          <a:p>
+            <a:r>
+              <a:rPr lang="en-US" sz="1400" dirty="0">
+                <a:latin typeface="Consolas" panose="020B0609020204030204" pitchFamily="49" charset="0"/>
+              </a:rPr>
+              <a:t>t = 8</a:t>
+            </a:r>
+          </a:p>
+          <a:p>
+            <a:r>
+              <a:rPr lang="en-US" sz="1400" b="1" u="sng" dirty="0">
+                <a:latin typeface="Consolas" panose="020B0609020204030204" pitchFamily="49" charset="0"/>
+              </a:rPr>
+              <a:t>h8</a:t>
+            </a:r>
+            <a:r>
+              <a:rPr lang="en-US" sz="1400" dirty="0">
+                <a:latin typeface="Consolas" panose="020B0609020204030204" pitchFamily="49" charset="0"/>
+              </a:rPr>
+              <a:t> = </a:t>
+            </a:r>
+            <a:r>
+              <a:rPr lang="en-US" sz="1400" dirty="0" err="1">
+                <a:latin typeface="Consolas" panose="020B0609020204030204" pitchFamily="49" charset="0"/>
+              </a:rPr>
+              <a:t>encoder_RNN</a:t>
+            </a:r>
+            <a:r>
+              <a:rPr lang="en-US" sz="1400" dirty="0">
+                <a:latin typeface="Consolas" panose="020B0609020204030204" pitchFamily="49" charset="0"/>
+              </a:rPr>
+              <a:t>(x8, h7)</a:t>
+            </a:r>
+            <a:endParaRPr lang="en-GB" sz="1400" dirty="0">
+              <a:latin typeface="Consolas" panose="020B0609020204030204" pitchFamily="49" charset="0"/>
+            </a:endParaRPr>
+          </a:p>
+        </p:txBody>
+      </p:sp>
     </p:spTree>
     <p:extLst>
       <p:ext uri="{BB962C8B-B14F-4D97-AF65-F5344CB8AC3E}">
@@ -8489,11 +8952,11 @@
   <p:clrMapOvr>
     <a:masterClrMapping/>
   </p:clrMapOvr>
-  <mc:AlternateContent xmlns:mc="http://schemas.openxmlformats.org/markup-compatibility/2006">
-    <mc:Choice xmlns:p14="http://schemas.microsoft.com/office/powerpoint/2010/main" Requires="p14">
+  <mc:AlternateContent xmlns:mc="http://schemas.openxmlformats.org/markup-compatibility/2006" xmlns:p14="http://schemas.microsoft.com/office/powerpoint/2010/main">
+    <mc:Choice Requires="p14">
       <p:transition spd="slow" p14:dur="2000" advTm="47315"/>
     </mc:Choice>
-    <mc:Fallback>
+    <mc:Fallback xmlns="">
       <p:transition spd="slow" advTm="47315"/>
     </mc:Fallback>
   </mc:AlternateContent>
@@ -8526,7 +8989,7 @@
                                     <p:cond delay="0"/>
                                   </p:stCondLst>
                                   <p:childTnLst>
-                                    <p:animMotion origin="layout" path="M -0.00026 -0.02755 L -0.00026 -0.02755 C -0.00247 -0.02685 -0.00495 -0.02685 -0.00716 -0.02546 C -0.01484 -0.0206 -0.01289 -0.02037 -0.01771 -0.01435 C -0.02409 -0.00625 -0.02982 -0.00185 -0.03528 0.01018 C -0.03789 0.01597 -0.04153 0.02106 -0.04336 0.02801 C -0.04674 0.04005 -0.05091 0.05162 -0.05338 0.06458 C -0.05534 0.075 -0.05703 0.08356 -0.05833 0.09467 C -0.05963 0.10532 -0.06041 0.11597 -0.06146 0.12685 C -0.06263 0.16597 -0.06315 0.17037 -0.06028 0.22685 C -0.05976 0.23588 -0.05794 0.24467 -0.05651 0.25347 C -0.05482 0.26389 -0.05234 0.27477 -0.04961 0.28472 C -0.04765 0.29167 -0.04583 0.29907 -0.04336 0.30579 C -0.0375 0.32106 -0.03216 0.33727 -0.02461 0.35023 C -0.00989 0.37523 -0.01094 0.37523 0.00482 0.39583 C 0.01094 0.4037 0.0168 0.4125 0.02357 0.41898 C 0.0431 0.43819 0.0392 0.43009 0.05664 0.43796 C 0.06302 0.44074 0.06901 0.44583 0.07539 0.44792 C 0.09232 0.45347 0.13151 0.46296 0.15417 0.4669 C 0.15977 0.46782 0.16537 0.46829 0.17097 0.46921 C 0.18542 0.46505 0.19388 0.46829 0.20417 0.45579 C 0.20508 0.45463 0.20586 0.45278 0.20664 0.45139 C 0.21198 0.44097 0.2125 0.44097 0.21602 0.42917 C 0.21654 0.42731 0.21667 0.42523 0.21732 0.42361 C 0.22058 0.41435 0.22435 0.40579 0.22787 0.39676 C 0.22917 0.39375 0.23021 0.39051 0.23164 0.38796 C 0.23334 0.38495 0.23516 0.38217 0.23659 0.37917 C 0.2375 0.37755 0.23776 0.37523 0.23854 0.37361 C 0.24115 0.36782 0.24284 0.36481 0.24545 0.36018 C 0.24558 0.35764 0.24584 0.35509 0.24597 0.35231 C 0.24623 0.34954 0.24636 0.34653 0.24662 0.34352 C 0.24675 0.34236 0.24714 0.34143 0.24727 0.34028 C 0.24753 0.33796 0.24766 0.33565 0.24792 0.33356 C 0.24922 0.32222 0.24909 0.32801 0.24909 0.32245 " pathEditMode="relative" ptsTypes="AAAAAAAAAAAAAAAAAAAAAAAAAAAAAAAAAA">
+                                    <p:animMotion origin="layout" path="M -0.00026 -0.02755 L -0.00026 -0.02732 C -0.00247 -0.02686 -0.00495 -0.02686 -0.00716 -0.02547 C -0.01484 -0.02061 -0.01289 -0.02037 -0.01771 -0.01436 C -0.02409 -0.00625 -0.02982 -0.00186 -0.03529 0.01018 C -0.03789 0.01597 -0.04154 0.02106 -0.04336 0.02801 C -0.04674 0.04004 -0.05091 0.05162 -0.05338 0.06458 C -0.05534 0.075 -0.05703 0.08356 -0.05833 0.09467 C -0.05963 0.10532 -0.06042 0.11597 -0.06146 0.12685 C -0.06263 0.16597 -0.06315 0.17037 -0.06029 0.22685 C -0.05976 0.23588 -0.05794 0.24444 -0.05651 0.25347 C -0.05482 0.26389 -0.05234 0.27477 -0.04961 0.28472 C -0.04766 0.29166 -0.04583 0.29907 -0.04336 0.30578 C -0.0375 0.32106 -0.03216 0.33727 -0.02461 0.35023 C -0.00989 0.37523 -0.01094 0.37523 0.00482 0.39583 C 0.01094 0.4037 0.0168 0.4125 0.02357 0.41898 C 0.0431 0.43819 0.03919 0.43009 0.05664 0.43796 C 0.06302 0.44074 0.06901 0.44583 0.07539 0.44791 C 0.09232 0.45347 0.13151 0.46296 0.15417 0.46689 C 0.15977 0.46782 0.16537 0.46828 0.17096 0.46921 C 0.18542 0.46504 0.19388 0.46828 0.20417 0.45578 C 0.20508 0.45463 0.20586 0.45277 0.20664 0.45139 C 0.21198 0.44097 0.2125 0.44097 0.21602 0.42916 C 0.21654 0.42731 0.21667 0.42523 0.21732 0.42361 C 0.22057 0.41435 0.22435 0.40578 0.22787 0.39676 C 0.22917 0.39375 0.23021 0.39051 0.23164 0.38796 C 0.23333 0.38495 0.23516 0.38217 0.23659 0.37916 C 0.2375 0.37754 0.23776 0.37523 0.23854 0.37361 C 0.24115 0.36782 0.24284 0.36481 0.24544 0.36018 C 0.24557 0.35764 0.24583 0.35509 0.24596 0.35231 C 0.24623 0.34953 0.24636 0.34652 0.24662 0.34352 C 0.24675 0.34236 0.24714 0.34143 0.24727 0.34027 C 0.24753 0.33796 0.24766 0.33564 0.24792 0.33356 C 0.24922 0.32222 0.24909 0.32801 0.24909 0.32245 " pathEditMode="relative" rAng="0" ptsTypes="AAAAAAAAAAAAAAAAAAAAAAAAAAAAAAAAAA">
                                       <p:cBhvr>
                                         <p:cTn id="6" dur="2000" fill="hold"/>
                                         <p:tgtEl>
@@ -8537,6 +9000,7 @@
                                           <p:attrName>ppt_y</p:attrName>
                                         </p:attrNameLst>
                                       </p:cBhvr>
+                                      <p:rCtr x="9349" y="24838"/>
                                     </p:animMotion>
                                   </p:childTnLst>
                                 </p:cTn>
@@ -8551,14 +9015,241 @@
                             </p:stCondLst>
                             <p:childTnLst>
                               <p:par>
-                                <p:cTn id="8" presetID="27" presetClass="emph" presetSubtype="0" fill="remove" grpId="0" nodeType="afterEffect">
+                                <p:cTn id="8" presetID="10" presetClass="entr" presetSubtype="0" fill="hold" grpId="0" nodeType="afterEffect">
+                                  <p:stCondLst>
+                                    <p:cond delay="0"/>
+                                  </p:stCondLst>
+                                  <p:iterate type="lt">
+                                    <p:tmPct val="10000"/>
+                                  </p:iterate>
+                                  <p:childTnLst>
+                                    <p:set>
+                                      <p:cBhvr>
+                                        <p:cTn id="9" dur="1" fill="hold">
+                                          <p:stCondLst>
+                                            <p:cond delay="0"/>
+                                          </p:stCondLst>
+                                        </p:cTn>
+                                        <p:tgtEl>
+                                          <p:spTgt spid="50"/>
+                                        </p:tgtEl>
+                                        <p:attrNameLst>
+                                          <p:attrName>style.visibility</p:attrName>
+                                        </p:attrNameLst>
+                                      </p:cBhvr>
+                                      <p:to>
+                                        <p:strVal val="visible"/>
+                                      </p:to>
+                                    </p:set>
+                                    <p:animEffect transition="in" filter="fade">
+                                      <p:cBhvr>
+                                        <p:cTn id="10" dur="500"/>
+                                        <p:tgtEl>
+                                          <p:spTgt spid="50"/>
+                                        </p:tgtEl>
+                                      </p:cBhvr>
+                                    </p:animEffect>
+                                  </p:childTnLst>
+                                </p:cTn>
+                              </p:par>
+                            </p:childTnLst>
+                          </p:cTn>
+                        </p:par>
+                        <p:par>
+                          <p:cTn id="11" fill="hold">
+                            <p:stCondLst>
+                              <p:cond delay="3650"/>
+                            </p:stCondLst>
+                            <p:childTnLst>
+                              <p:par>
+                                <p:cTn id="12" presetID="53" presetClass="entr" presetSubtype="16" fill="hold" nodeType="afterEffect">
+                                  <p:stCondLst>
+                                    <p:cond delay="0"/>
+                                  </p:stCondLst>
+                                  <p:childTnLst>
+                                    <p:set>
+                                      <p:cBhvr>
+                                        <p:cTn id="13" dur="1" fill="hold">
+                                          <p:stCondLst>
+                                            <p:cond delay="0"/>
+                                          </p:stCondLst>
+                                        </p:cTn>
+                                        <p:tgtEl>
+                                          <p:spTgt spid="146"/>
+                                        </p:tgtEl>
+                                        <p:attrNameLst>
+                                          <p:attrName>style.visibility</p:attrName>
+                                        </p:attrNameLst>
+                                      </p:cBhvr>
+                                      <p:to>
+                                        <p:strVal val="visible"/>
+                                      </p:to>
+                                    </p:set>
+                                    <p:anim calcmode="lin" valueType="num">
+                                      <p:cBhvr>
+                                        <p:cTn id="14" dur="500" fill="hold"/>
+                                        <p:tgtEl>
+                                          <p:spTgt spid="146"/>
+                                        </p:tgtEl>
+                                        <p:attrNameLst>
+                                          <p:attrName>ppt_w</p:attrName>
+                                        </p:attrNameLst>
+                                      </p:cBhvr>
+                                      <p:tavLst>
+                                        <p:tav tm="0">
+                                          <p:val>
+                                            <p:fltVal val="0"/>
+                                          </p:val>
+                                        </p:tav>
+                                        <p:tav tm="100000">
+                                          <p:val>
+                                            <p:strVal val="#ppt_w"/>
+                                          </p:val>
+                                        </p:tav>
+                                      </p:tavLst>
+                                    </p:anim>
+                                    <p:anim calcmode="lin" valueType="num">
+                                      <p:cBhvr>
+                                        <p:cTn id="15" dur="500" fill="hold"/>
+                                        <p:tgtEl>
+                                          <p:spTgt spid="146"/>
+                                        </p:tgtEl>
+                                        <p:attrNameLst>
+                                          <p:attrName>ppt_h</p:attrName>
+                                        </p:attrNameLst>
+                                      </p:cBhvr>
+                                      <p:tavLst>
+                                        <p:tav tm="0">
+                                          <p:val>
+                                            <p:fltVal val="0"/>
+                                          </p:val>
+                                        </p:tav>
+                                        <p:tav tm="100000">
+                                          <p:val>
+                                            <p:strVal val="#ppt_h"/>
+                                          </p:val>
+                                        </p:tav>
+                                      </p:tavLst>
+                                    </p:anim>
+                                    <p:animEffect transition="in" filter="fade">
+                                      <p:cBhvr>
+                                        <p:cTn id="16" dur="500"/>
+                                        <p:tgtEl>
+                                          <p:spTgt spid="146"/>
+                                        </p:tgtEl>
+                                      </p:cBhvr>
+                                    </p:animEffect>
+                                  </p:childTnLst>
+                                </p:cTn>
+                              </p:par>
+                            </p:childTnLst>
+                          </p:cTn>
+                        </p:par>
+                        <p:par>
+                          <p:cTn id="17" fill="hold">
+                            <p:stCondLst>
+                              <p:cond delay="4150"/>
+                            </p:stCondLst>
+                            <p:childTnLst>
+                              <p:par>
+                                <p:cTn id="18" presetID="53" presetClass="entr" presetSubtype="16" fill="hold" nodeType="afterEffect">
+                                  <p:stCondLst>
+                                    <p:cond delay="0"/>
+                                  </p:stCondLst>
+                                  <p:childTnLst>
+                                    <p:set>
+                                      <p:cBhvr>
+                                        <p:cTn id="19" dur="1" fill="hold">
+                                          <p:stCondLst>
+                                            <p:cond delay="0"/>
+                                          </p:stCondLst>
+                                        </p:cTn>
+                                        <p:tgtEl>
+                                          <p:spTgt spid="42"/>
+                                        </p:tgtEl>
+                                        <p:attrNameLst>
+                                          <p:attrName>style.visibility</p:attrName>
+                                        </p:attrNameLst>
+                                      </p:cBhvr>
+                                      <p:to>
+                                        <p:strVal val="visible"/>
+                                      </p:to>
+                                    </p:set>
+                                    <p:anim calcmode="lin" valueType="num">
+                                      <p:cBhvr>
+                                        <p:cTn id="20" dur="500" fill="hold"/>
+                                        <p:tgtEl>
+                                          <p:spTgt spid="42"/>
+                                        </p:tgtEl>
+                                        <p:attrNameLst>
+                                          <p:attrName>ppt_w</p:attrName>
+                                        </p:attrNameLst>
+                                      </p:cBhvr>
+                                      <p:tavLst>
+                                        <p:tav tm="0">
+                                          <p:val>
+                                            <p:fltVal val="0"/>
+                                          </p:val>
+                                        </p:tav>
+                                        <p:tav tm="100000">
+                                          <p:val>
+                                            <p:strVal val="#ppt_w"/>
+                                          </p:val>
+                                        </p:tav>
+                                      </p:tavLst>
+                                    </p:anim>
+                                    <p:anim calcmode="lin" valueType="num">
+                                      <p:cBhvr>
+                                        <p:cTn id="21" dur="500" fill="hold"/>
+                                        <p:tgtEl>
+                                          <p:spTgt spid="42"/>
+                                        </p:tgtEl>
+                                        <p:attrNameLst>
+                                          <p:attrName>ppt_h</p:attrName>
+                                        </p:attrNameLst>
+                                      </p:cBhvr>
+                                      <p:tavLst>
+                                        <p:tav tm="0">
+                                          <p:val>
+                                            <p:fltVal val="0"/>
+                                          </p:val>
+                                        </p:tav>
+                                        <p:tav tm="100000">
+                                          <p:val>
+                                            <p:strVal val="#ppt_h"/>
+                                          </p:val>
+                                        </p:tav>
+                                      </p:tavLst>
+                                    </p:anim>
+                                    <p:animEffect transition="in" filter="fade">
+                                      <p:cBhvr>
+                                        <p:cTn id="22" dur="500"/>
+                                        <p:tgtEl>
+                                          <p:spTgt spid="42"/>
+                                        </p:tgtEl>
+                                      </p:cBhvr>
+                                    </p:animEffect>
+                                  </p:childTnLst>
+                                </p:cTn>
+                              </p:par>
+                            </p:childTnLst>
+                          </p:cTn>
+                        </p:par>
+                        <p:par>
+                          <p:cTn id="23" fill="hold">
+                            <p:stCondLst>
+                              <p:cond delay="4650"/>
+                            </p:stCondLst>
+                            <p:childTnLst>
+                              <p:par>
+                                <p:cTn id="24" presetID="27" presetClass="emph" presetSubtype="0" fill="remove" grpId="0" nodeType="afterEffect">
                                   <p:stCondLst>
                                     <p:cond delay="0"/>
                                   </p:stCondLst>
                                   <p:childTnLst>
                                     <p:animClr clrSpc="rgb" dir="cw">
                                       <p:cBhvr override="childStyle">
-                                        <p:cTn id="9" dur="250" autoRev="1" fill="remove"/>
+                                        <p:cTn id="25" dur="250" autoRev="1" fill="remove"/>
                                         <p:tgtEl>
                                           <p:spTgt spid="4"/>
                                         </p:tgtEl>
@@ -8572,7 +9263,7 @@
                                     </p:animClr>
                                     <p:animClr clrSpc="rgb" dir="cw">
                                       <p:cBhvr>
-                                        <p:cTn id="10" dur="250" autoRev="1" fill="remove"/>
+                                        <p:cTn id="26" dur="250" autoRev="1" fill="remove"/>
                                         <p:tgtEl>
                                           <p:spTgt spid="4"/>
                                         </p:tgtEl>
@@ -8586,7 +9277,7 @@
                                     </p:animClr>
                                     <p:set>
                                       <p:cBhvr>
-                                        <p:cTn id="11" dur="250" autoRev="1" fill="remove"/>
+                                        <p:cTn id="27" dur="250" autoRev="1" fill="remove"/>
                                         <p:tgtEl>
                                           <p:spTgt spid="4"/>
                                         </p:tgtEl>
@@ -8600,7 +9291,7 @@
                                     </p:set>
                                     <p:set>
                                       <p:cBhvr>
-                                        <p:cTn id="12" dur="250" autoRev="1" fill="remove"/>
+                                        <p:cTn id="28" dur="250" autoRev="1" fill="remove"/>
                                         <p:tgtEl>
                                           <p:spTgt spid="4"/>
                                         </p:tgtEl>
@@ -8619,20 +9310,20 @@
                           </p:cTn>
                         </p:par>
                         <p:par>
-                          <p:cTn id="13" fill="hold">
+                          <p:cTn id="29" fill="hold">
                             <p:stCondLst>
-                              <p:cond delay="2500"/>
+                              <p:cond delay="5150"/>
                             </p:stCondLst>
                             <p:childTnLst>
                               <p:par>
-                                <p:cTn id="14" presetID="10" presetClass="exit" presetSubtype="0" fill="hold" nodeType="afterEffect">
+                                <p:cTn id="30" presetID="10" presetClass="exit" presetSubtype="0" fill="hold" nodeType="afterEffect">
                                   <p:stCondLst>
                                     <p:cond delay="0"/>
                                   </p:stCondLst>
                                   <p:childTnLst>
                                     <p:animEffect transition="out" filter="fade">
                                       <p:cBhvr>
-                                        <p:cTn id="15" dur="500"/>
+                                        <p:cTn id="31" dur="500"/>
                                         <p:tgtEl>
                                           <p:spTgt spid="54"/>
                                         </p:tgtEl>
@@ -8640,7 +9331,7 @@
                                     </p:animEffect>
                                     <p:set>
                                       <p:cBhvr>
-                                        <p:cTn id="16" dur="1" fill="hold">
+                                        <p:cTn id="32" dur="1" fill="hold">
                                           <p:stCondLst>
                                             <p:cond delay="499"/>
                                           </p:stCondLst>
@@ -8663,20 +9354,110 @@
                           </p:cTn>
                         </p:par>
                         <p:par>
-                          <p:cTn id="17" fill="hold">
+                          <p:cTn id="33" fill="hold">
                             <p:stCondLst>
-                              <p:cond delay="3000"/>
+                              <p:cond delay="5650"/>
                             </p:stCondLst>
                             <p:childTnLst>
                               <p:par>
-                                <p:cTn id="18" presetID="10" presetClass="entr" presetSubtype="0" fill="hold" nodeType="afterEffect">
+                                <p:cTn id="34" presetID="53" presetClass="entr" presetSubtype="16" fill="hold" nodeType="afterEffect">
                                   <p:stCondLst>
                                     <p:cond delay="0"/>
                                   </p:stCondLst>
                                   <p:childTnLst>
                                     <p:set>
                                       <p:cBhvr>
-                                        <p:cTn id="19" dur="1" fill="hold">
+                                        <p:cTn id="35" dur="1" fill="hold">
+                                          <p:stCondLst>
+                                            <p:cond delay="0"/>
+                                          </p:stCondLst>
+                                        </p:cTn>
+                                        <p:tgtEl>
+                                          <p:spTgt spid="43"/>
+                                        </p:tgtEl>
+                                        <p:attrNameLst>
+                                          <p:attrName>style.visibility</p:attrName>
+                                        </p:attrNameLst>
+                                      </p:cBhvr>
+                                      <p:to>
+                                        <p:strVal val="visible"/>
+                                      </p:to>
+                                    </p:set>
+                                    <p:anim calcmode="lin" valueType="num">
+                                      <p:cBhvr>
+                                        <p:cTn id="36" dur="500" fill="hold"/>
+                                        <p:tgtEl>
+                                          <p:spTgt spid="43"/>
+                                        </p:tgtEl>
+                                        <p:attrNameLst>
+                                          <p:attrName>ppt_w</p:attrName>
+                                        </p:attrNameLst>
+                                      </p:cBhvr>
+                                      <p:tavLst>
+                                        <p:tav tm="0">
+                                          <p:val>
+                                            <p:fltVal val="0"/>
+                                          </p:val>
+                                        </p:tav>
+                                        <p:tav tm="100000">
+                                          <p:val>
+                                            <p:strVal val="#ppt_w"/>
+                                          </p:val>
+                                        </p:tav>
+                                      </p:tavLst>
+                                    </p:anim>
+                                    <p:anim calcmode="lin" valueType="num">
+                                      <p:cBhvr>
+                                        <p:cTn id="37" dur="500" fill="hold"/>
+                                        <p:tgtEl>
+                                          <p:spTgt spid="43"/>
+                                        </p:tgtEl>
+                                        <p:attrNameLst>
+                                          <p:attrName>ppt_h</p:attrName>
+                                        </p:attrNameLst>
+                                      </p:cBhvr>
+                                      <p:tavLst>
+                                        <p:tav tm="0">
+                                          <p:val>
+                                            <p:fltVal val="0"/>
+                                          </p:val>
+                                        </p:tav>
+                                        <p:tav tm="100000">
+                                          <p:val>
+                                            <p:strVal val="#ppt_h"/>
+                                          </p:val>
+                                        </p:tav>
+                                      </p:tavLst>
+                                    </p:anim>
+                                    <p:animEffect transition="in" filter="fade">
+                                      <p:cBhvr>
+                                        <p:cTn id="38" dur="500"/>
+                                        <p:tgtEl>
+                                          <p:spTgt spid="43"/>
+                                        </p:tgtEl>
+                                      </p:cBhvr>
+                                    </p:animEffect>
+                                  </p:childTnLst>
+                                </p:cTn>
+                              </p:par>
+                            </p:childTnLst>
+                          </p:cTn>
+                        </p:par>
+                        <p:par>
+                          <p:cTn id="39" fill="hold">
+                            <p:stCondLst>
+                              <p:cond delay="6150"/>
+                            </p:stCondLst>
+                            <p:childTnLst>
+                              <p:par>
+                                <p:cTn id="40" presetID="10" presetClass="entr" presetSubtype="0" fill="hold" nodeType="afterEffect">
+                                  <p:stCondLst>
+                                    <p:cond delay="0"/>
+                                  </p:stCondLst>
+                                  <p:childTnLst>
+                                    <p:set>
+                                      <p:cBhvr>
+                                        <p:cTn id="41" dur="1" fill="hold">
                                           <p:stCondLst>
                                             <p:cond delay="0"/>
                                           </p:stCondLst>
@@ -8694,7 +9475,7 @@
                                     </p:set>
                                     <p:animEffect transition="in" filter="fade">
                                       <p:cBhvr>
-                                        <p:cTn id="20" dur="500"/>
+                                        <p:cTn id="42" dur="500"/>
                                         <p:tgtEl>
                                           <p:spTgt spid="99"/>
                                         </p:tgtEl>
@@ -8703,15 +9484,24 @@
                                   </p:childTnLst>
                                 </p:cTn>
                               </p:par>
+                            </p:childTnLst>
+                          </p:cTn>
+                        </p:par>
+                        <p:par>
+                          <p:cTn id="43" fill="hold">
+                            <p:stCondLst>
+                              <p:cond delay="6650"/>
+                            </p:stCondLst>
+                            <p:childTnLst>
                               <p:par>
-                                <p:cTn id="21" presetID="0" presetClass="path" presetSubtype="0" accel="50000" decel="50000" fill="hold" nodeType="withEffect">
+                                <p:cTn id="44" presetID="0" presetClass="path" presetSubtype="0" accel="50000" decel="50000" fill="hold" nodeType="afterEffect">
                                   <p:stCondLst>
                                     <p:cond delay="0"/>
                                   </p:stCondLst>
                                   <p:childTnLst>
-                                    <p:animMotion origin="layout" path="M 0.00078 -0.04838 L 0.00078 -0.04838 C -0.00156 -0.05764 -0.00352 -0.06713 -0.00612 -0.07616 C -0.0069 -0.07871 -0.00794 -0.08102 -0.00924 -0.08264 C -0.01081 -0.08473 -0.0125 -0.08611 -0.01432 -0.08727 C -0.0207 -0.09098 -0.02708 -0.09468 -0.03372 -0.09723 C -0.03776 -0.09885 -0.04206 -0.09861 -0.04622 -0.09931 L -0.11927 -0.09167 C -0.12292 -0.09121 -0.12656 -0.09074 -0.12995 -0.0882 C -0.13997 -0.08125 -0.15924 -0.06389 -0.15924 -0.06389 C -0.16901 -0.04653 -0.15794 -0.06574 -0.1849 -0.02824 C -0.19219 -0.01829 -0.20169 0.00139 -0.2056 0.0118 C -0.20833 0.01921 -0.20977 0.02801 -0.21185 0.03611 C -0.21198 0.03796 -0.21211 0.03981 -0.21237 0.04166 C -0.21471 0.05578 -0.21771 0.06944 -0.21927 0.08402 C -0.22057 0.09537 -0.22148 0.10694 -0.22305 0.11828 C -0.22448 0.12824 -0.22513 0.13287 -0.22617 0.14398 C -0.22734 0.15671 -0.22747 0.16365 -0.22799 0.17615 C -0.22747 0.19051 -0.22708 0.20509 -0.22617 0.21944 C -0.22604 0.22083 -0.22539 0.22176 -0.22487 0.22291 C -0.22409 0.22476 -0.22318 0.22639 -0.2224 0.22847 C -0.22201 0.22939 -0.22174 0.23078 -0.22122 0.23171 C -0.22044 0.2331 -0.21953 0.23402 -0.21862 0.23495 C -0.21849 0.23611 -0.21836 0.2375 -0.2181 0.23842 C -0.21758 0.23981 -0.2168 0.24051 -0.21615 0.24166 L -0.21367 0.24629 " pathEditMode="relative" ptsTypes="AAAAAAAAAAAAAAAAAAAAAAAAAA">
+                                    <p:animMotion origin="layout" path="M 0.00078 -0.04838 L 0.00078 -0.04814 C -0.00156 -0.05763 -0.00352 -0.06713 -0.00612 -0.07615 C -0.0069 -0.0787 -0.00794 -0.08101 -0.00925 -0.08263 C -0.01081 -0.08472 -0.0125 -0.08611 -0.01432 -0.08726 C -0.0207 -0.09097 -0.02708 -0.09467 -0.03373 -0.09722 C -0.03776 -0.09884 -0.04206 -0.09861 -0.04623 -0.0993 L -0.11927 -0.09166 C -0.12292 -0.0912 -0.12656 -0.09074 -0.12995 -0.08819 C -0.13998 -0.08125 -0.15925 -0.06388 -0.15925 -0.06365 C -0.16901 -0.04652 -0.15794 -0.06574 -0.1849 -0.02824 C -0.19219 -0.01828 -0.20169 0.00139 -0.2056 0.01181 C -0.20833 0.01922 -0.20977 0.02801 -0.21185 0.03612 C -0.21198 0.03797 -0.21211 0.03982 -0.21237 0.04167 C -0.21471 0.05579 -0.21771 0.06945 -0.21927 0.08403 C -0.22057 0.09537 -0.22149 0.10695 -0.22305 0.11829 C -0.22448 0.12824 -0.22513 0.13287 -0.22617 0.14399 C -0.22735 0.15672 -0.22748 0.16366 -0.228 0.17616 C -0.22748 0.19051 -0.22708 0.2051 -0.22617 0.21945 C -0.22604 0.22037 -0.22539 0.22176 -0.22487 0.22292 C -0.22409 0.22477 -0.22318 0.22639 -0.2224 0.22848 C -0.22201 0.2294 -0.22175 0.23079 -0.22123 0.23172 C -0.22044 0.23311 -0.21953 0.23403 -0.21862 0.23449 C -0.21849 0.23612 -0.21836 0.2375 -0.2181 0.23797 C -0.21758 0.23982 -0.2168 0.24051 -0.21615 0.24144 L -0.21367 0.2463 " pathEditMode="relative" rAng="0" ptsTypes="AAAAAAAAAAAAAAAAAAAAAAAAAA">
                                       <p:cBhvr>
-                                        <p:cTn id="22" dur="2000" fill="hold"/>
+                                        <p:cTn id="45" dur="2000" fill="hold"/>
                                         <p:tgtEl>
                                           <p:spTgt spid="99"/>
                                         </p:tgtEl>
@@ -8720,6 +9510,7 @@
                                           <p:attrName>ppt_y</p:attrName>
                                         </p:attrNameLst>
                                       </p:cBhvr>
+                                      <p:rCtr x="-11445" y="12176"/>
                                     </p:animMotion>
                                   </p:childTnLst>
                                 </p:cTn>
@@ -8728,20 +9519,20 @@
                           </p:cTn>
                         </p:par>
                         <p:par>
-                          <p:cTn id="23" fill="hold">
+                          <p:cTn id="46" fill="hold">
                             <p:stCondLst>
-                              <p:cond delay="5000"/>
+                              <p:cond delay="8650"/>
                             </p:stCondLst>
                             <p:childTnLst>
                               <p:par>
-                                <p:cTn id="24" presetID="10" presetClass="exit" presetSubtype="0" fill="hold" nodeType="afterEffect">
+                                <p:cTn id="47" presetID="10" presetClass="exit" presetSubtype="0" fill="hold" nodeType="afterEffect">
                                   <p:stCondLst>
                                     <p:cond delay="0"/>
                                   </p:stCondLst>
                                   <p:childTnLst>
                                     <p:animEffect transition="out" filter="fade">
                                       <p:cBhvr>
-                                        <p:cTn id="25" dur="500"/>
+                                        <p:cTn id="48" dur="500"/>
                                         <p:tgtEl>
                                           <p:spTgt spid="46"/>
                                         </p:tgtEl>
@@ -8749,7 +9540,7 @@
                                     </p:animEffect>
                                     <p:set>
                                       <p:cBhvr>
-                                        <p:cTn id="26" dur="1" fill="hold">
+                                        <p:cTn id="49" dur="1" fill="hold">
                                           <p:stCondLst>
                                             <p:cond delay="499"/>
                                           </p:stCondLst>
@@ -8772,20 +9563,67 @@
                           </p:cTn>
                         </p:par>
                         <p:par>
-                          <p:cTn id="27" fill="hold">
+                          <p:cTn id="50" fill="hold">
                             <p:stCondLst>
-                              <p:cond delay="5500"/>
+                              <p:cond delay="9150"/>
                             </p:stCondLst>
                             <p:childTnLst>
                               <p:par>
-                                <p:cTn id="28" presetID="0" presetClass="path" presetSubtype="0" accel="50000" decel="50000" fill="hold" nodeType="afterEffect">
+                                <p:cTn id="51" presetID="10" presetClass="exit" presetSubtype="0" fill="hold" grpId="1" nodeType="afterEffect">
+                                  <p:stCondLst>
+                                    <p:cond delay="0"/>
+                                  </p:stCondLst>
+                                  <p:iterate type="lt">
+                                    <p:tmPct val="0"/>
+                                  </p:iterate>
+                                  <p:childTnLst>
+                                    <p:animEffect transition="out" filter="fade">
+                                      <p:cBhvr>
+                                        <p:cTn id="52" dur="500"/>
+                                        <p:tgtEl>
+                                          <p:spTgt spid="50"/>
+                                        </p:tgtEl>
+                                      </p:cBhvr>
+                                    </p:animEffect>
+                                    <p:set>
+                                      <p:cBhvr>
+                                        <p:cTn id="53" dur="1" fill="hold">
+                                          <p:stCondLst>
+                                            <p:cond delay="499"/>
+                                          </p:stCondLst>
+                                        </p:cTn>
+                                        <p:tgtEl>
+                                          <p:spTgt spid="50"/>
+                                        </p:tgtEl>
+                                        <p:attrNameLst>
+                                          <p:attrName>style.visibility</p:attrName>
+                                        </p:attrNameLst>
+                                      </p:cBhvr>
+                                      <p:to>
+                                        <p:strVal val="hidden"/>
+                                      </p:to>
+                                    </p:set>
+                                  </p:childTnLst>
+                                </p:cTn>
+                              </p:par>
+                            </p:childTnLst>
+                          </p:cTn>
+                        </p:par>
+                        <p:par>
+                          <p:cTn id="54" fill="hold">
+                            <p:stCondLst>
+                              <p:cond delay="9650"/>
+                            </p:stCondLst>
+                            <p:childTnLst>
+                              <p:par>
+                                <p:cTn id="55" presetID="0" presetClass="path" presetSubtype="0" accel="50000" decel="50000" fill="hold" nodeType="afterEffect">
                                   <p:stCondLst>
                                     <p:cond delay="0"/>
                                   </p:stCondLst>
                                   <p:childTnLst>
-                                    <p:animMotion origin="layout" path="M 0.00091 -0.03102 L 0.00091 -0.03102 C -0.0095 -0.02176 -0.00234 -0.02917 -0.01471 -0.01227 C -0.01875 -0.00671 -0.0237 -0.00255 -0.02721 0.0044 C -0.02995 0.00995 -0.03672 0.02338 -0.03971 0.03102 C -0.04453 0.04398 -0.05052 0.05579 -0.05403 0.06991 C -0.05677 0.08079 -0.05976 0.0912 -0.06211 0.10208 C -0.06953 0.13634 -0.07018 0.14722 -0.07461 0.18218 C -0.07526 0.19699 -0.07604 0.21181 -0.07656 0.22662 C -0.07695 0.23958 -0.07695 0.25255 -0.07721 0.26551 C -0.07734 0.27431 -0.0776 0.2831 -0.07773 0.29213 C -0.07513 0.3294 -0.07617 0.35903 -0.06653 0.39097 C -0.06041 0.41111 -0.05104 0.43287 -0.04153 0.44861 C -0.0375 0.45556 -0.0332 0.4625 -0.02838 0.46759 C -0.01211 0.48519 0.0224 0.50648 0.03659 0.51435 C 0.05326 0.52338 0.10117 0.54074 0.11654 0.54421 C 0.12878 0.54699 0.14115 0.54653 0.15352 0.54745 C 0.16537 0.54676 0.17735 0.54792 0.18906 0.54537 C 0.19089 0.54491 0.19167 0.54097 0.19284 0.53866 C 0.19688 0.53032 0.20156 0.52269 0.20469 0.51319 C 0.20742 0.50509 0.21016 0.49606 0.21341 0.48866 C 0.21654 0.48194 0.22005 0.47593 0.22279 0.46875 C 0.22435 0.46505 0.22565 0.46111 0.22722 0.45764 C 0.22839 0.45486 0.22982 0.45255 0.23099 0.44977 C 0.24271 0.42106 0.22982 0.45139 0.23789 0.4287 C 0.24388 0.41181 0.24545 0.4162 0.24844 0.39097 L 0.25104 0.36991 C 0.24948 0.3581 0.24974 0.36319 0.24974 0.3544 " pathEditMode="relative" ptsTypes="AAAAAAAAAAAAAAAAAAAAAAAAAAAA">
+                                    <p:animMotion origin="layout" path="M 0.00091 -0.03102 L 0.00091 -0.03079 C -0.0095 -0.02176 -0.00234 -0.02917 -0.01471 -0.01227 C -0.01875 -0.00672 -0.0237 -0.00255 -0.02721 0.0044 C -0.02995 0.00995 -0.03672 0.02338 -0.03971 0.03102 C -0.04453 0.04398 -0.05052 0.05578 -0.05404 0.06991 C -0.05677 0.08078 -0.05976 0.0912 -0.06211 0.10208 C -0.06953 0.13634 -0.07018 0.14722 -0.07461 0.18217 C -0.07526 0.19699 -0.07604 0.2118 -0.07656 0.22662 C -0.07695 0.23958 -0.07695 0.25254 -0.07721 0.26551 C -0.07734 0.2743 -0.0776 0.2831 -0.07773 0.29213 C -0.07513 0.3294 -0.07617 0.35903 -0.06654 0.39097 C -0.06042 0.41111 -0.05104 0.43287 -0.04154 0.44861 C -0.0375 0.45555 -0.0332 0.4625 -0.02838 0.46759 C -0.01211 0.48518 0.0224 0.50648 0.03659 0.51435 C 0.05326 0.52338 0.10117 0.54074 0.11654 0.54421 C 0.12878 0.54699 0.14115 0.54653 0.15352 0.54745 C 0.16537 0.54676 0.17734 0.54791 0.18906 0.54537 C 0.19089 0.54491 0.19167 0.54097 0.19284 0.53866 C 0.19688 0.53032 0.20156 0.52268 0.20469 0.51319 C 0.20742 0.50509 0.21016 0.49606 0.21341 0.48866 C 0.21654 0.48194 0.22005 0.47592 0.22279 0.46875 C 0.22435 0.46504 0.22565 0.46111 0.22721 0.45764 C 0.22839 0.45486 0.22982 0.45254 0.23099 0.44977 C 0.24271 0.42106 0.22982 0.45139 0.23789 0.4287 C 0.24388 0.4118 0.24544 0.4162 0.24844 0.39097 L 0.25104 0.36991 C 0.24948 0.3581 0.24974 0.36319 0.24974 0.3544 " pathEditMode="relative" rAng="0" ptsTypes="AAAAAAAAAAAAAAAAAAAAAAAAAAAA">
                                       <p:cBhvr>
-                                        <p:cTn id="29" dur="2000" fill="hold"/>
+                                        <p:cTn id="56" dur="2000" fill="hold"/>
                                         <p:tgtEl>
                                           <p:spTgt spid="81"/>
                                         </p:tgtEl>
@@ -8794,6 +9632,7 @@
                                           <p:attrName>ppt_y</p:attrName>
                                         </p:attrNameLst>
                                       </p:cBhvr>
+                                      <p:rCtr x="8568" y="28912"/>
                                     </p:animMotion>
                                   </p:childTnLst>
                                 </p:cTn>
@@ -8802,20 +9641,67 @@
                           </p:cTn>
                         </p:par>
                         <p:par>
-                          <p:cTn id="30" fill="hold">
+                          <p:cTn id="57" fill="hold">
                             <p:stCondLst>
-                              <p:cond delay="7500"/>
+                              <p:cond delay="11650"/>
                             </p:stCondLst>
                             <p:childTnLst>
                               <p:par>
-                                <p:cTn id="31" presetID="26" presetClass="emph" presetSubtype="0" fill="hold" grpId="1" nodeType="afterEffect">
+                                <p:cTn id="58" presetID="10" presetClass="entr" presetSubtype="0" fill="hold" grpId="0" nodeType="afterEffect">
+                                  <p:stCondLst>
+                                    <p:cond delay="0"/>
+                                  </p:stCondLst>
+                                  <p:iterate type="lt">
+                                    <p:tmPct val="10000"/>
+                                  </p:iterate>
+                                  <p:childTnLst>
+                                    <p:set>
+                                      <p:cBhvr>
+                                        <p:cTn id="59" dur="1" fill="hold">
+                                          <p:stCondLst>
+                                            <p:cond delay="0"/>
+                                          </p:stCondLst>
+                                        </p:cTn>
+                                        <p:tgtEl>
+                                          <p:spTgt spid="147"/>
+                                        </p:tgtEl>
+                                        <p:attrNameLst>
+                                          <p:attrName>style.visibility</p:attrName>
+                                        </p:attrNameLst>
+                                      </p:cBhvr>
+                                      <p:to>
+                                        <p:strVal val="visible"/>
+                                      </p:to>
+                                    </p:set>
+                                    <p:animEffect transition="in" filter="fade">
+                                      <p:cBhvr>
+                                        <p:cTn id="60" dur="500"/>
+                                        <p:tgtEl>
+                                          <p:spTgt spid="147"/>
+                                        </p:tgtEl>
+                                      </p:cBhvr>
+                                    </p:animEffect>
+                                  </p:childTnLst>
+                                </p:cTn>
+                              </p:par>
+                            </p:childTnLst>
+                          </p:cTn>
+                        </p:par>
+                        <p:par>
+                          <p:cTn id="61" fill="hold">
+                            <p:stCondLst>
+                              <p:cond delay="13300"/>
+                            </p:stCondLst>
+                            <p:childTnLst>
+                              <p:par>
+                                <p:cTn id="62" presetID="26" presetClass="emph" presetSubtype="0" fill="hold" grpId="1" nodeType="afterEffect">
                                   <p:stCondLst>
                                     <p:cond delay="0"/>
                                   </p:stCondLst>
                                   <p:childTnLst>
                                     <p:animEffect transition="out" filter="fade">
                                       <p:cBhvr>
-                                        <p:cTn id="32" dur="500" tmFilter="0, 0; .2, .5; .8, .5; 1, 0"/>
+                                        <p:cTn id="63" dur="500" tmFilter="0, 0; .2, .5; .8, .5; 1, 0"/>
                                         <p:tgtEl>
                                           <p:spTgt spid="4"/>
                                         </p:tgtEl>
@@ -8823,7 +9709,7 @@
                                     </p:animEffect>
                                     <p:animScale>
                                       <p:cBhvr>
-                                        <p:cTn id="33" dur="250" autoRev="1" fill="hold"/>
+                                        <p:cTn id="64" dur="250" autoRev="1" fill="hold"/>
                                         <p:tgtEl>
                                           <p:spTgt spid="4"/>
                                         </p:tgtEl>
@@ -8837,20 +9723,20 @@
                           </p:cTn>
                         </p:par>
                         <p:par>
-                          <p:cTn id="34" fill="hold">
+                          <p:cTn id="65" fill="hold">
                             <p:stCondLst>
-                              <p:cond delay="8000"/>
+                              <p:cond delay="13800"/>
                             </p:stCondLst>
                             <p:childTnLst>
                               <p:par>
-                                <p:cTn id="35" presetID="10" presetClass="exit" presetSubtype="0" fill="hold" nodeType="afterEffect">
+                                <p:cTn id="66" presetID="10" presetClass="exit" presetSubtype="0" fill="hold" nodeType="afterEffect">
                                   <p:stCondLst>
                                     <p:cond delay="0"/>
                                   </p:stCondLst>
                                   <p:childTnLst>
                                     <p:animEffect transition="out" filter="fade">
                                       <p:cBhvr>
-                                        <p:cTn id="36" dur="500"/>
+                                        <p:cTn id="67" dur="500"/>
                                         <p:tgtEl>
                                           <p:spTgt spid="99"/>
                                         </p:tgtEl>
@@ -8858,7 +9744,7 @@
                                     </p:animEffect>
                                     <p:set>
                                       <p:cBhvr>
-                                        <p:cTn id="37" dur="1" fill="hold">
+                                        <p:cTn id="68" dur="1" fill="hold">
                                           <p:stCondLst>
                                             <p:cond delay="499"/>
                                           </p:stCondLst>
@@ -8881,20 +9767,20 @@
                           </p:cTn>
                         </p:par>
                         <p:par>
-                          <p:cTn id="38" fill="hold">
+                          <p:cTn id="69" fill="hold">
                             <p:stCondLst>
-                              <p:cond delay="8500"/>
+                              <p:cond delay="14300"/>
                             </p:stCondLst>
                             <p:childTnLst>
                               <p:par>
-                                <p:cTn id="39" presetID="10" presetClass="entr" presetSubtype="0" fill="hold" nodeType="afterEffect">
+                                <p:cTn id="70" presetID="10" presetClass="entr" presetSubtype="0" fill="hold" nodeType="afterEffect">
                                   <p:stCondLst>
                                     <p:cond delay="0"/>
                                   </p:stCondLst>
                                   <p:childTnLst>
                                     <p:set>
                                       <p:cBhvr>
-                                        <p:cTn id="40" dur="1" fill="hold">
+                                        <p:cTn id="71" dur="1" fill="hold">
                                           <p:stCondLst>
                                             <p:cond delay="0"/>
                                           </p:stCondLst>
@@ -8912,7 +9798,7 @@
                                     </p:set>
                                     <p:animEffect transition="in" filter="fade">
                                       <p:cBhvr>
-                                        <p:cTn id="41" dur="500"/>
+                                        <p:cTn id="72" dur="500"/>
                                         <p:tgtEl>
                                           <p:spTgt spid="94"/>
                                         </p:tgtEl>
@@ -8921,15 +9807,24 @@
                                   </p:childTnLst>
                                 </p:cTn>
                               </p:par>
+                            </p:childTnLst>
+                          </p:cTn>
+                        </p:par>
+                        <p:par>
+                          <p:cTn id="73" fill="hold">
+                            <p:stCondLst>
+                              <p:cond delay="14800"/>
+                            </p:stCondLst>
+                            <p:childTnLst>
                               <p:par>
-                                <p:cTn id="42" presetID="0" presetClass="path" presetSubtype="0" accel="50000" decel="50000" fill="hold" nodeType="withEffect">
+                                <p:cTn id="74" presetID="0" presetClass="path" presetSubtype="0" accel="50000" decel="50000" fill="hold" nodeType="afterEffect">
                                   <p:stCondLst>
                                     <p:cond delay="0"/>
                                   </p:stCondLst>
                                   <p:childTnLst>
-                                    <p:animMotion origin="layout" path="M -0.00052 -0.04792 L -0.00052 -0.04792 C -0.00091 -0.05348 -0.00052 -0.05926 -0.00156 -0.06436 C -0.00273 -0.07084 -0.00495 -0.07686 -0.00703 -0.08241 C -0.00951 -0.08889 -0.0125 -0.09468 -0.01536 -0.1007 C -0.01628 -0.10232 -0.01706 -0.1044 -0.01823 -0.10556 C -0.02917 -0.11713 -0.03984 -0.1294 -0.05156 -0.13843 C -0.05612 -0.14213 -0.06146 -0.14167 -0.06641 -0.14352 C -0.07865 -0.14283 -0.09128 -0.1463 -0.10339 -0.14167 C -0.12461 -0.13403 -0.16549 -0.10718 -0.16549 -0.10718 C -0.17409 -0.0919 -0.16419 -0.1088 -0.18216 -0.08426 C -0.18867 -0.075 -0.19674 -0.06829 -0.20156 -0.05625 C -0.2056 -0.0463 -0.21003 -0.03681 -0.21367 -0.02662 C -0.22031 -0.00741 -0.22435 0.01064 -0.2293 0.03101 C -0.2319 0.05347 -0.2276 0.01828 -0.2349 0.06064 C -0.23581 0.06597 -0.23607 0.07176 -0.23672 0.07708 C -0.23698 0.07893 -0.23737 0.08055 -0.23763 0.08217 C -0.23737 0.12338 -0.23789 0.16458 -0.23672 0.20555 C -0.23672 0.20764 -0.23203 0.21875 -0.23125 0.22037 C -0.22852 0.22592 -0.22578 0.23171 -0.22292 0.2368 C -0.22214 0.23819 -0.22109 0.23958 -0.22005 0.24027 C -0.21927 0.24074 -0.21823 0.24027 -0.21732 0.24027 " pathEditMode="relative" ptsTypes="AAAAAAAAAAAAAAAAAAAAAA">
+                                    <p:animMotion origin="layout" path="M -0.00052 -0.04791 L -0.00052 -0.04768 C -0.00091 -0.05347 -0.00052 -0.05926 -0.00156 -0.06435 C -0.00274 -0.07083 -0.00495 -0.07685 -0.00703 -0.0824 C -0.00951 -0.08888 -0.0125 -0.09467 -0.01537 -0.10069 C -0.01628 -0.10231 -0.01706 -0.10439 -0.01823 -0.10555 C -0.02917 -0.11713 -0.03985 -0.12939 -0.05156 -0.13842 C -0.05612 -0.14213 -0.06146 -0.14166 -0.06641 -0.14351 C -0.07865 -0.14282 -0.09128 -0.14629 -0.10339 -0.14166 C -0.12461 -0.13402 -0.1655 -0.10717 -0.1655 -0.10694 C -0.17409 -0.09189 -0.16419 -0.10879 -0.18216 -0.08426 C -0.18867 -0.075 -0.19675 -0.06828 -0.20156 -0.05625 C -0.2056 -0.04629 -0.21003 -0.0368 -0.21367 -0.02662 C -0.22031 -0.0074 -0.22435 0.01065 -0.2293 0.03102 C -0.2319 0.05348 -0.22761 0.01829 -0.2349 0.06065 C -0.23581 0.06598 -0.23607 0.07176 -0.23672 0.07709 C -0.23698 0.07894 -0.23737 0.08056 -0.23763 0.08218 C -0.23737 0.12338 -0.23789 0.16459 -0.23672 0.20556 C -0.23672 0.20764 -0.23203 0.21875 -0.23125 0.22037 C -0.22852 0.22593 -0.22578 0.23172 -0.22292 0.23681 C -0.22214 0.2382 -0.2211 0.23959 -0.22005 0.24028 C -0.21927 0.24051 -0.21823 0.24028 -0.21732 0.24028 " pathEditMode="relative" rAng="0" ptsTypes="AAAAAAAAAAAAAAAAAAAAAA">
                                       <p:cBhvr>
-                                        <p:cTn id="43" dur="2000" fill="hold"/>
+                                        <p:cTn id="75" dur="2000" fill="hold"/>
                                         <p:tgtEl>
                                           <p:spTgt spid="94"/>
                                         </p:tgtEl>
@@ -8938,6 +9833,7 @@
                                           <p:attrName>ppt_y</p:attrName>
                                         </p:attrNameLst>
                                       </p:cBhvr>
+                                      <p:rCtr x="-11862" y="9583"/>
                                     </p:animMotion>
                                   </p:childTnLst>
                                 </p:cTn>
@@ -8946,20 +9842,20 @@
                           </p:cTn>
                         </p:par>
                         <p:par>
-                          <p:cTn id="44" fill="hold">
+                          <p:cTn id="76" fill="hold">
                             <p:stCondLst>
-                              <p:cond delay="10500"/>
+                              <p:cond delay="16800"/>
                             </p:stCondLst>
                             <p:childTnLst>
                               <p:par>
-                                <p:cTn id="45" presetID="10" presetClass="exit" presetSubtype="0" fill="hold" nodeType="afterEffect">
+                                <p:cTn id="77" presetID="10" presetClass="exit" presetSubtype="0" fill="hold" nodeType="afterEffect">
                                   <p:stCondLst>
                                     <p:cond delay="0"/>
                                   </p:stCondLst>
                                   <p:childTnLst>
                                     <p:animEffect transition="out" filter="fade">
                                       <p:cBhvr>
-                                        <p:cTn id="46" dur="500"/>
+                                        <p:cTn id="78" dur="500"/>
                                         <p:tgtEl>
                                           <p:spTgt spid="81"/>
                                         </p:tgtEl>
@@ -8967,7 +9863,7 @@
                                     </p:animEffect>
                                     <p:set>
                                       <p:cBhvr>
-                                        <p:cTn id="47" dur="1" fill="hold">
+                                        <p:cTn id="79" dur="1" fill="hold">
                                           <p:stCondLst>
                                             <p:cond delay="499"/>
                                           </p:stCondLst>
@@ -8990,20 +9886,67 @@
                           </p:cTn>
                         </p:par>
                         <p:par>
-                          <p:cTn id="48" fill="hold">
+                          <p:cTn id="80" fill="hold">
                             <p:stCondLst>
-                              <p:cond delay="11000"/>
+                              <p:cond delay="17300"/>
                             </p:stCondLst>
                             <p:childTnLst>
                               <p:par>
-                                <p:cTn id="49" presetID="0" presetClass="path" presetSubtype="0" accel="50000" decel="50000" fill="hold" nodeType="afterEffect">
+                                <p:cTn id="81" presetID="10" presetClass="exit" presetSubtype="0" fill="hold" grpId="1" nodeType="afterEffect">
+                                  <p:stCondLst>
+                                    <p:cond delay="0"/>
+                                  </p:stCondLst>
+                                  <p:iterate type="lt">
+                                    <p:tmPct val="0"/>
+                                  </p:iterate>
+                                  <p:childTnLst>
+                                    <p:animEffect transition="out" filter="fade">
+                                      <p:cBhvr>
+                                        <p:cTn id="82" dur="500"/>
+                                        <p:tgtEl>
+                                          <p:spTgt spid="147"/>
+                                        </p:tgtEl>
+                                      </p:cBhvr>
+                                    </p:animEffect>
+                                    <p:set>
+                                      <p:cBhvr>
+                                        <p:cTn id="83" dur="1" fill="hold">
+                                          <p:stCondLst>
+                                            <p:cond delay="499"/>
+                                          </p:stCondLst>
+                                        </p:cTn>
+                                        <p:tgtEl>
+                                          <p:spTgt spid="147"/>
+                                        </p:tgtEl>
+                                        <p:attrNameLst>
+                                          <p:attrName>style.visibility</p:attrName>
+                                        </p:attrNameLst>
+                                      </p:cBhvr>
+                                      <p:to>
+                                        <p:strVal val="hidden"/>
+                                      </p:to>
+                                    </p:set>
+                                  </p:childTnLst>
+                                </p:cTn>
+                              </p:par>
+                            </p:childTnLst>
+                          </p:cTn>
+                        </p:par>
+                        <p:par>
+                          <p:cTn id="84" fill="hold">
+                            <p:stCondLst>
+                              <p:cond delay="17800"/>
+                            </p:stCondLst>
+                            <p:childTnLst>
+                              <p:par>
+                                <p:cTn id="85" presetID="0" presetClass="path" presetSubtype="0" accel="50000" decel="50000" fill="hold" nodeType="afterEffect">
                                   <p:stCondLst>
                                     <p:cond delay="0"/>
                                   </p:stCondLst>
                                   <p:childTnLst>
-                                    <p:animMotion origin="layout" path="M 0.00104 -0.03056 L 0.00104 -0.03033 C -0.01849 0.0294 0.01276 -0.0632 -0.02278 0.02384 C -0.03229 0.04722 -0.03776 0.05879 -0.04518 0.08379 C -0.04804 0.09305 -0.05039 0.10301 -0.05273 0.11273 C -0.05599 0.12592 -0.0612 0.15069 -0.06341 0.16365 C -0.06484 0.17291 -0.06601 0.18217 -0.06705 0.19143 C -0.0707 0.22014 -0.07135 0.22777 -0.07396 0.2537 C -0.07422 0.26597 -0.07487 0.27801 -0.07461 0.29027 C -0.07409 0.31088 -0.07291 0.32986 -0.06966 0.3493 C -0.06836 0.35671 -0.06719 0.36435 -0.06523 0.37152 C -0.06067 0.38819 -0.05403 0.4044 -0.04713 0.41805 C -0.04127 0.42963 -0.0358 0.44213 -0.02903 0.45139 C -0.02109 0.46227 -0.01211 0.46967 -0.00338 0.47824 C 0.0069 0.48796 0.01693 0.49884 0.02787 0.50578 C 0.04232 0.51527 0.07956 0.53078 0.09727 0.53356 C 0.10742 0.53541 0.11771 0.53449 0.12787 0.53472 C 0.13412 0.53634 0.14024 0.53912 0.14662 0.53912 C 0.15456 0.53912 0.1625 0.5368 0.17031 0.53356 C 0.1763 0.53148 0.18893 0.51828 0.19349 0.51365 C 0.19584 0.51134 0.19831 0.50902 0.20039 0.50578 C 0.20209 0.50347 0.20326 0.5 0.20469 0.49699 C 0.20586 0.49467 0.20729 0.49259 0.20847 0.49027 C 0.21042 0.4868 0.21211 0.48287 0.21406 0.47916 C 0.21576 0.47615 0.21745 0.47338 0.21914 0.47037 C 0.22084 0.46713 0.2224 0.46365 0.22409 0.46041 C 0.22904 0.45092 0.22865 0.45301 0.23281 0.44375 C 0.23399 0.4412 0.2349 0.43842 0.23594 0.43588 C 0.24167 0.42315 0.24024 0.42963 0.24597 0.4125 C 0.2487 0.40463 0.25352 0.38819 0.25352 0.38842 L 0.25222 0.37477 " pathEditMode="relative" rAng="0" ptsTypes="AAAAAAAAAAAAAAAAAAAAAAAAAAAAAAA">
+                                    <p:animMotion origin="layout" path="M 0.00104 -0.03055 L 0.00104 -0.03032 C -0.01849 0.0294 0.01276 -0.06319 -0.02279 0.02385 C -0.03229 0.04723 -0.03776 0.0588 -0.04518 0.0838 C -0.04805 0.09306 -0.05039 0.10301 -0.05273 0.11274 C -0.05599 0.12593 -0.0612 0.1507 -0.06341 0.16366 C -0.06484 0.17292 -0.06601 0.18218 -0.06706 0.19144 C -0.0707 0.22014 -0.07135 0.22778 -0.07396 0.25371 C -0.07422 0.26598 -0.07487 0.27801 -0.07461 0.29028 C -0.07409 0.31088 -0.07292 0.32987 -0.06966 0.34931 C -0.06836 0.35672 -0.06719 0.36436 -0.06523 0.37153 C -0.06068 0.3882 -0.05404 0.4044 -0.04713 0.41806 C -0.04127 0.42963 -0.03581 0.44213 -0.02904 0.45139 C -0.02109 0.46227 -0.01211 0.46968 -0.00338 0.47825 C 0.0069 0.48797 0.01693 0.49885 0.02787 0.50579 C 0.04232 0.51528 0.07956 0.53079 0.09727 0.53357 C 0.10742 0.53542 0.11771 0.5345 0.12787 0.53473 C 0.13412 0.53635 0.14024 0.53913 0.14662 0.53913 C 0.15456 0.53913 0.1625 0.53681 0.17031 0.53357 C 0.1763 0.53149 0.18893 0.51829 0.19349 0.51366 C 0.19583 0.51135 0.19831 0.50903 0.20039 0.50579 C 0.20208 0.50348 0.20326 0.5 0.20469 0.497 C 0.20586 0.49468 0.20729 0.4926 0.20846 0.49028 C 0.21042 0.48681 0.21211 0.48288 0.21406 0.47917 C 0.21576 0.47616 0.21745 0.47338 0.21914 0.47038 C 0.22083 0.46713 0.2224 0.46366 0.22409 0.46042 C 0.22904 0.45093 0.22865 0.45301 0.23281 0.44375 C 0.23399 0.44121 0.2349 0.43843 0.23594 0.43588 C 0.24167 0.42315 0.24024 0.42963 0.24596 0.4125 C 0.2487 0.40463 0.25352 0.3882 0.25352 0.38843 L 0.25221 0.37477 " pathEditMode="relative" rAng="0" ptsTypes="AAAAAAAAAAAAAAAAAAAAAAAAAAAAAAA">
                                       <p:cBhvr>
-                                        <p:cTn id="50" dur="2000" fill="hold"/>
+                                        <p:cTn id="86" dur="2000" fill="hold"/>
                                         <p:tgtEl>
                                           <p:spTgt spid="82"/>
                                         </p:tgtEl>
@@ -9021,20 +9964,67 @@
                           </p:cTn>
                         </p:par>
                         <p:par>
-                          <p:cTn id="51" fill="hold">
+                          <p:cTn id="87" fill="hold">
                             <p:stCondLst>
-                              <p:cond delay="13000"/>
+                              <p:cond delay="19800"/>
                             </p:stCondLst>
                             <p:childTnLst>
                               <p:par>
-                                <p:cTn id="52" presetID="26" presetClass="emph" presetSubtype="0" fill="hold" grpId="2" nodeType="afterEffect">
+                                <p:cTn id="88" presetID="10" presetClass="entr" presetSubtype="0" fill="hold" grpId="0" nodeType="afterEffect">
+                                  <p:stCondLst>
+                                    <p:cond delay="0"/>
+                                  </p:stCondLst>
+                                  <p:iterate type="lt">
+                                    <p:tmPct val="10000"/>
+                                  </p:iterate>
+                                  <p:childTnLst>
+                                    <p:set>
+                                      <p:cBhvr>
+                                        <p:cTn id="89" dur="1" fill="hold">
+                                          <p:stCondLst>
+                                            <p:cond delay="0"/>
+                                          </p:stCondLst>
+                                        </p:cTn>
+                                        <p:tgtEl>
+                                          <p:spTgt spid="148"/>
+                                        </p:tgtEl>
+                                        <p:attrNameLst>
+                                          <p:attrName>style.visibility</p:attrName>
+                                        </p:attrNameLst>
+                                      </p:cBhvr>
+                                      <p:to>
+                                        <p:strVal val="visible"/>
+                                      </p:to>
+                                    </p:set>
+                                    <p:animEffect transition="in" filter="fade">
+                                      <p:cBhvr>
+                                        <p:cTn id="90" dur="500"/>
+                                        <p:tgtEl>
+                                          <p:spTgt spid="148"/>
+                                        </p:tgtEl>
+                                      </p:cBhvr>
+                                    </p:animEffect>
+                                  </p:childTnLst>
+                                </p:cTn>
+                              </p:par>
+                            </p:childTnLst>
+                          </p:cTn>
+                        </p:par>
+                        <p:par>
+                          <p:cTn id="91" fill="hold">
+                            <p:stCondLst>
+                              <p:cond delay="21450"/>
+                            </p:stCondLst>
+                            <p:childTnLst>
+                              <p:par>
+                                <p:cTn id="92" presetID="26" presetClass="emph" presetSubtype="0" fill="hold" grpId="2" nodeType="afterEffect">
                                   <p:stCondLst>
                                     <p:cond delay="0"/>
                                   </p:stCondLst>
                                   <p:childTnLst>
                                     <p:animEffect transition="out" filter="fade">
                                       <p:cBhvr>
-                                        <p:cTn id="53" dur="500" tmFilter="0, 0; .2, .5; .8, .5; 1, 0"/>
+                                        <p:cTn id="93" dur="500" tmFilter="0, 0; .2, .5; .8, .5; 1, 0"/>
                                         <p:tgtEl>
                                           <p:spTgt spid="4"/>
                                         </p:tgtEl>
@@ -9042,7 +10032,7 @@
                                     </p:animEffect>
                                     <p:animScale>
                                       <p:cBhvr>
-                                        <p:cTn id="54" dur="250" autoRev="1" fill="hold"/>
+                                        <p:cTn id="94" dur="250" autoRev="1" fill="hold"/>
                                         <p:tgtEl>
                                           <p:spTgt spid="4"/>
                                         </p:tgtEl>
@@ -9056,20 +10046,20 @@
                           </p:cTn>
                         </p:par>
                         <p:par>
-                          <p:cTn id="55" fill="hold">
+                          <p:cTn id="95" fill="hold">
                             <p:stCondLst>
-                              <p:cond delay="13500"/>
+                              <p:cond delay="21950"/>
                             </p:stCondLst>
                             <p:childTnLst>
                               <p:par>
-                                <p:cTn id="56" presetID="10" presetClass="exit" presetSubtype="0" fill="hold" nodeType="afterEffect">
+                                <p:cTn id="96" presetID="10" presetClass="exit" presetSubtype="0" fill="hold" nodeType="afterEffect">
                                   <p:stCondLst>
                                     <p:cond delay="0"/>
                                   </p:stCondLst>
                                   <p:childTnLst>
                                     <p:animEffect transition="out" filter="fade">
                                       <p:cBhvr>
-                                        <p:cTn id="57" dur="500"/>
+                                        <p:cTn id="97" dur="500"/>
                                         <p:tgtEl>
                                           <p:spTgt spid="94"/>
                                         </p:tgtEl>
@@ -9077,7 +10067,7 @@
                                     </p:animEffect>
                                     <p:set>
                                       <p:cBhvr>
-                                        <p:cTn id="58" dur="1" fill="hold">
+                                        <p:cTn id="98" dur="1" fill="hold">
                                           <p:stCondLst>
                                             <p:cond delay="499"/>
                                           </p:stCondLst>
@@ -9100,20 +10090,20 @@
                           </p:cTn>
                         </p:par>
                         <p:par>
-                          <p:cTn id="59" fill="hold">
+                          <p:cTn id="99" fill="hold">
                             <p:stCondLst>
-                              <p:cond delay="14000"/>
+                              <p:cond delay="22450"/>
                             </p:stCondLst>
                             <p:childTnLst>
                               <p:par>
-                                <p:cTn id="60" presetID="10" presetClass="entr" presetSubtype="0" fill="hold" nodeType="afterEffect">
+                                <p:cTn id="100" presetID="10" presetClass="entr" presetSubtype="0" fill="hold" nodeType="afterEffect">
                                   <p:stCondLst>
                                     <p:cond delay="0"/>
                                   </p:stCondLst>
                                   <p:childTnLst>
                                     <p:set>
                                       <p:cBhvr>
-                                        <p:cTn id="61" dur="1" fill="hold">
+                                        <p:cTn id="101" dur="1" fill="hold">
                                           <p:stCondLst>
                                             <p:cond delay="0"/>
                                           </p:stCondLst>
@@ -9131,7 +10121,7 @@
                                     </p:set>
                                     <p:animEffect transition="in" filter="fade">
                                       <p:cBhvr>
-                                        <p:cTn id="62" dur="500"/>
+                                        <p:cTn id="102" dur="500"/>
                                         <p:tgtEl>
                                           <p:spTgt spid="109"/>
                                         </p:tgtEl>
@@ -9140,15 +10130,24 @@
                                   </p:childTnLst>
                                 </p:cTn>
                               </p:par>
+                            </p:childTnLst>
+                          </p:cTn>
+                        </p:par>
+                        <p:par>
+                          <p:cTn id="103" fill="hold">
+                            <p:stCondLst>
+                              <p:cond delay="22950"/>
+                            </p:stCondLst>
+                            <p:childTnLst>
                               <p:par>
-                                <p:cTn id="63" presetID="0" presetClass="path" presetSubtype="0" accel="50000" decel="50000" fill="hold" nodeType="withEffect">
+                                <p:cTn id="104" presetID="0" presetClass="path" presetSubtype="0" accel="50000" decel="50000" fill="hold" nodeType="afterEffect">
                                   <p:stCondLst>
                                     <p:cond delay="0"/>
                                   </p:stCondLst>
                                   <p:childTnLst>
-                                    <p:animMotion origin="layout" path="M 0.00039 -0.04792 L 0.00039 -0.04792 C -0.01654 -0.05949 -0.02331 -0.06505 -0.04141 -0.07269 C -0.05508 -0.07848 -0.06797 -0.07894 -0.08216 -0.08079 L -0.14049 -0.06945 C -0.14453 -0.06829 -0.14844 -0.06598 -0.15247 -0.06436 C -0.1556 -0.06181 -0.15859 -0.0588 -0.16172 -0.05625 C -0.16914 -0.05024 -0.18268 -0.04236 -0.19049 -0.03149 C -0.19596 -0.02385 -0.19701 -0.01829 -0.20156 -0.00834 C -0.20677 0.00277 -0.21328 0.01203 -0.21732 0.02453 C -0.22682 0.05416 -0.22747 0.05277 -0.23307 0.07893 C -0.23411 0.08379 -0.23516 0.08865 -0.23581 0.09375 C -0.23698 0.10231 -0.23763 0.11111 -0.23854 0.1199 C -0.23828 0.13912 -0.23841 0.15856 -0.23763 0.17754 C -0.2375 0.18101 -0.23633 0.18426 -0.23581 0.1875 C -0.2349 0.19351 -0.23464 0.19814 -0.23307 0.20393 C -0.23203 0.20764 -0.2306 0.21064 -0.2293 0.21389 C -0.2276 0.22639 -0.22969 0.21435 -0.22565 0.2287 C -0.22487 0.23125 -0.22461 0.23703 -0.22292 0.23865 C -0.22174 0.23958 -0.22044 0.23865 -0.21914 0.23865 " pathEditMode="relative" ptsTypes="AAAAAAAAAAAAAAAAAAAA">
+                                    <p:animMotion origin="layout" path="M 0.00039 -0.04791 L 0.00039 -0.04768 C -0.01654 -0.05949 -0.02331 -0.06504 -0.04141 -0.07268 C -0.05508 -0.07847 -0.06797 -0.07893 -0.08216 -0.08078 L -0.1405 -0.06944 C -0.14453 -0.06828 -0.14844 -0.06597 -0.15248 -0.06435 C -0.1556 -0.0618 -0.1586 -0.05879 -0.16172 -0.05625 C -0.16914 -0.05023 -0.18268 -0.04236 -0.1905 -0.03148 C -0.19596 -0.02384 -0.19701 -0.01828 -0.20156 -0.00833 C -0.20677 0.00278 -0.21328 0.01204 -0.21732 0.02454 C -0.22682 0.05417 -0.22748 0.05278 -0.23307 0.07894 C -0.23412 0.0838 -0.23516 0.08866 -0.23581 0.09375 C -0.23698 0.10232 -0.23763 0.11112 -0.23854 0.11991 C -0.23828 0.13912 -0.23841 0.15857 -0.23763 0.17755 C -0.2375 0.18056 -0.23633 0.18426 -0.23581 0.1875 C -0.2349 0.19352 -0.23464 0.19815 -0.23307 0.20394 C -0.23203 0.20764 -0.2306 0.21065 -0.2293 0.21389 C -0.22761 0.22639 -0.22969 0.21436 -0.22565 0.22871 C -0.22487 0.23079 -0.22461 0.23704 -0.22292 0.2382 C -0.22175 0.23959 -0.22044 0.2382 -0.21914 0.2382 " pathEditMode="relative" rAng="0" ptsTypes="AAAAAAAAAAAAAAAAAAAA">
                                       <p:cBhvr>
-                                        <p:cTn id="64" dur="2000" fill="hold"/>
+                                        <p:cTn id="105" dur="2000" fill="hold"/>
                                         <p:tgtEl>
                                           <p:spTgt spid="109"/>
                                         </p:tgtEl>
@@ -9157,6 +10156,7 @@
                                           <p:attrName>ppt_y</p:attrName>
                                         </p:attrNameLst>
                                       </p:cBhvr>
+                                      <p:rCtr x="-11953" y="12685"/>
                                     </p:animMotion>
                                   </p:childTnLst>
                                 </p:cTn>
@@ -9165,20 +10165,20 @@
                           </p:cTn>
                         </p:par>
                         <p:par>
-                          <p:cTn id="65" fill="hold">
+                          <p:cTn id="106" fill="hold">
                             <p:stCondLst>
-                              <p:cond delay="16000"/>
+                              <p:cond delay="24950"/>
                             </p:stCondLst>
                             <p:childTnLst>
                               <p:par>
-                                <p:cTn id="66" presetID="10" presetClass="exit" presetSubtype="0" fill="hold" nodeType="afterEffect">
+                                <p:cTn id="107" presetID="10" presetClass="exit" presetSubtype="0" fill="hold" nodeType="afterEffect">
                                   <p:stCondLst>
                                     <p:cond delay="0"/>
                                   </p:stCondLst>
                                   <p:childTnLst>
                                     <p:animEffect transition="out" filter="fade">
                                       <p:cBhvr>
-                                        <p:cTn id="67" dur="500"/>
+                                        <p:cTn id="108" dur="500"/>
                                         <p:tgtEl>
                                           <p:spTgt spid="82"/>
                                         </p:tgtEl>
@@ -9186,7 +10186,7 @@
                                     </p:animEffect>
                                     <p:set>
                                       <p:cBhvr>
-                                        <p:cTn id="68" dur="1" fill="hold">
+                                        <p:cTn id="109" dur="1" fill="hold">
                                           <p:stCondLst>
                                             <p:cond delay="499"/>
                                           </p:stCondLst>
@@ -9209,20 +10209,67 @@
                           </p:cTn>
                         </p:par>
                         <p:par>
-                          <p:cTn id="69" fill="hold">
+                          <p:cTn id="110" fill="hold">
                             <p:stCondLst>
-                              <p:cond delay="16500"/>
+                              <p:cond delay="25450"/>
                             </p:stCondLst>
                             <p:childTnLst>
                               <p:par>
-                                <p:cTn id="70" presetID="0" presetClass="path" presetSubtype="0" accel="50000" decel="50000" fill="hold" nodeType="afterEffect">
+                                <p:cTn id="111" presetID="10" presetClass="exit" presetSubtype="0" fill="hold" grpId="1" nodeType="afterEffect">
+                                  <p:stCondLst>
+                                    <p:cond delay="0"/>
+                                  </p:stCondLst>
+                                  <p:iterate type="lt">
+                                    <p:tmPct val="0"/>
+                                  </p:iterate>
+                                  <p:childTnLst>
+                                    <p:animEffect transition="out" filter="fade">
+                                      <p:cBhvr>
+                                        <p:cTn id="112" dur="500"/>
+                                        <p:tgtEl>
+                                          <p:spTgt spid="148"/>
+                                        </p:tgtEl>
+                                      </p:cBhvr>
+                                    </p:animEffect>
+                                    <p:set>
+                                      <p:cBhvr>
+                                        <p:cTn id="113" dur="1" fill="hold">
+                                          <p:stCondLst>
+                                            <p:cond delay="499"/>
+                                          </p:stCondLst>
+                                        </p:cTn>
+                                        <p:tgtEl>
+                                          <p:spTgt spid="148"/>
+                                        </p:tgtEl>
+                                        <p:attrNameLst>
+                                          <p:attrName>style.visibility</p:attrName>
+                                        </p:attrNameLst>
+                                      </p:cBhvr>
+                                      <p:to>
+                                        <p:strVal val="hidden"/>
+                                      </p:to>
+                                    </p:set>
+                                  </p:childTnLst>
+                                </p:cTn>
+                              </p:par>
+                            </p:childTnLst>
+                          </p:cTn>
+                        </p:par>
+                        <p:par>
+                          <p:cTn id="114" fill="hold">
+                            <p:stCondLst>
+                              <p:cond delay="25950"/>
+                            </p:stCondLst>
+                            <p:childTnLst>
+                              <p:par>
+                                <p:cTn id="115" presetID="0" presetClass="path" presetSubtype="0" accel="50000" decel="50000" fill="hold" nodeType="afterEffect">
                                   <p:stCondLst>
                                     <p:cond delay="0"/>
                                   </p:stCondLst>
                                   <p:childTnLst>
-                                    <p:animMotion origin="layout" path="M -0.00091 -0.02662 L -0.00091 -0.02662 C -0.00247 -0.02569 -0.00429 -0.025 -0.00586 -0.02338 C -0.01107 -0.01829 -0.01484 -0.01088 -0.01966 -0.0044 C -0.02226 -0.00092 -0.025 0.00209 -0.02773 0.00556 C -0.04205 0.04167 -0.04219 0.0382 -0.05273 0.08658 C -0.05455 0.09514 -0.05534 0.1044 -0.05651 0.1132 C -0.06471 0.18125 -0.05547 0.11412 -0.06211 0.16111 C -0.06328 0.18102 -0.0651 0.20093 -0.06588 0.22107 C -0.06679 0.24769 -0.06614 0.23287 -0.06771 0.26551 C -0.06745 0.3044 -0.06888 0.34329 -0.06705 0.38218 C -0.06549 0.41574 -0.05534 0.44514 -0.04336 0.46991 C -0.03698 0.4831 -0.03164 0.49352 -0.0233 0.50209 C -0.01028 0.51597 0.00104 0.52222 0.01602 0.52986 C 0.02071 0.53241 0.02565 0.53357 0.03034 0.53542 C 0.03711 0.5382 0.04362 0.5419 0.05039 0.54445 C 0.0668 0.55046 0.06667 0.54977 0.08099 0.55093 C 0.0836 0.5507 0.09453 0.55 0.09857 0.54884 C 0.10026 0.54838 0.10183 0.54722 0.10352 0.54653 C 0.10664 0.54537 0.10977 0.54421 0.11289 0.54329 C 0.11459 0.54283 0.11628 0.54259 0.11784 0.54213 C 0.11953 0.54167 0.12123 0.54051 0.12292 0.54005 C 0.13021 0.53704 0.12279 0.54144 0.13659 0.53426 C 0.16771 0.51852 0.14727 0.52685 0.16224 0.52107 C 0.1724 0.51088 0.16055 0.52246 0.17162 0.51204 C 0.1763 0.50764 0.17852 0.50486 0.18347 0.50116 C 0.18906 0.49676 0.18581 0.50139 0.19167 0.49445 C 0.19362 0.4919 0.19531 0.48912 0.19727 0.48658 C 0.19844 0.48496 0.19987 0.4838 0.20104 0.48218 C 0.20586 0.47454 0.21068 0.46667 0.21537 0.4588 C 0.21693 0.45625 0.21862 0.45417 0.21979 0.45116 C 0.22018 0.45 0.22045 0.44884 0.22097 0.44769 C 0.22149 0.44653 0.22227 0.4456 0.22292 0.44445 C 0.22565 0.43843 0.228 0.43195 0.23099 0.42662 C 0.23242 0.42408 0.23412 0.42176 0.23542 0.41875 C 0.2362 0.4169 0.23711 0.41505 0.23789 0.4132 C 0.23828 0.41227 0.23854 0.41088 0.23906 0.40996 C 0.24024 0.40764 0.24128 0.40486 0.24284 0.40324 C 0.2444 0.40185 0.24792 0.40116 0.24792 0.40116 " pathEditMode="relative" ptsTypes="AAAAAAAAAAAAAAAAAAAAAAAAAAAAAAAAAAAAAAA">
+                                    <p:animMotion origin="layout" path="M -0.00091 -0.02662 L -0.00091 -0.02639 C -0.00247 -0.02569 -0.0043 -0.025 -0.00586 -0.02338 C -0.01107 -0.01829 -0.01484 -0.01088 -0.01966 -0.0044 C -0.02226 -0.00093 -0.025 0.00208 -0.02773 0.00556 C -0.04206 0.04167 -0.04219 0.03819 -0.05273 0.08657 C -0.05456 0.09514 -0.05534 0.1044 -0.05651 0.11319 C -0.06471 0.18125 -0.05547 0.11412 -0.06211 0.16111 C -0.06328 0.18102 -0.0651 0.20093 -0.06588 0.22106 C -0.0668 0.24768 -0.06614 0.23287 -0.06771 0.26551 C -0.06745 0.3044 -0.06888 0.34329 -0.06706 0.38218 C -0.06549 0.41574 -0.05534 0.44514 -0.04336 0.46991 C -0.03698 0.4831 -0.03164 0.49352 -0.02331 0.50208 C -0.01029 0.51597 0.00104 0.52222 0.01602 0.52986 C 0.0207 0.53241 0.02565 0.53356 0.03034 0.53542 C 0.03711 0.53819 0.04362 0.5419 0.05039 0.54444 C 0.0668 0.55046 0.06667 0.54977 0.08099 0.55093 C 0.08359 0.55069 0.09453 0.55 0.09857 0.54884 C 0.10026 0.54838 0.10182 0.54722 0.10352 0.54653 C 0.10664 0.54537 0.10977 0.54421 0.11289 0.54329 C 0.11458 0.54282 0.11628 0.54259 0.11784 0.54213 C 0.11953 0.54167 0.12123 0.54051 0.12279 0.54005 C 0.13021 0.53704 0.12279 0.54143 0.13659 0.53426 C 0.16771 0.51852 0.14727 0.52685 0.16224 0.52106 C 0.1724 0.51088 0.16055 0.52245 0.17162 0.51204 C 0.1763 0.50764 0.17852 0.50486 0.18346 0.50116 C 0.18906 0.49676 0.18581 0.50139 0.19167 0.49444 C 0.19362 0.4919 0.19531 0.48912 0.19727 0.48657 C 0.19844 0.48495 0.19987 0.4838 0.20104 0.48218 C 0.20586 0.47454 0.21068 0.46667 0.21537 0.4588 C 0.21693 0.45625 0.21862 0.45417 0.21979 0.45116 C 0.22018 0.45 0.22044 0.44884 0.22096 0.44768 C 0.22149 0.44653 0.22227 0.4456 0.22292 0.44444 C 0.22565 0.43843 0.228 0.43194 0.23099 0.42662 C 0.23242 0.42407 0.23412 0.42176 0.23542 0.41875 C 0.2362 0.4169 0.23711 0.41505 0.23789 0.41319 C 0.23828 0.41227 0.23854 0.41088 0.23906 0.40995 C 0.24024 0.40764 0.24128 0.40486 0.24284 0.40324 C 0.2444 0.40185 0.24792 0.40116 0.24792 0.40139 " pathEditMode="relative" rAng="0" ptsTypes="AAAAAAAAAAAAAAAAAAAAAAAAAAAAAAAAAAAAAAA">
                                       <p:cBhvr>
-                                        <p:cTn id="71" dur="2000" fill="hold"/>
+                                        <p:cTn id="116" dur="2000" fill="hold"/>
                                         <p:tgtEl>
                                           <p:spTgt spid="83"/>
                                         </p:tgtEl>
@@ -9231,6 +10278,7 @@
                                           <p:attrName>ppt_y</p:attrName>
                                         </p:attrNameLst>
                                       </p:cBhvr>
+                                      <p:rCtr x="9076" y="28866"/>
                                     </p:animMotion>
                                   </p:childTnLst>
                                 </p:cTn>
@@ -9239,20 +10287,67 @@
                           </p:cTn>
                         </p:par>
                         <p:par>
-                          <p:cTn id="72" fill="hold">
+                          <p:cTn id="117" fill="hold">
                             <p:stCondLst>
-                              <p:cond delay="18500"/>
+                              <p:cond delay="27950"/>
                             </p:stCondLst>
                             <p:childTnLst>
                               <p:par>
-                                <p:cTn id="73" presetID="26" presetClass="emph" presetSubtype="0" fill="hold" grpId="3" nodeType="afterEffect">
+                                <p:cTn id="118" presetID="10" presetClass="entr" presetSubtype="0" fill="hold" grpId="0" nodeType="afterEffect">
+                                  <p:stCondLst>
+                                    <p:cond delay="0"/>
+                                  </p:stCondLst>
+                                  <p:iterate type="lt">
+                                    <p:tmPct val="10000"/>
+                                  </p:iterate>
+                                  <p:childTnLst>
+                                    <p:set>
+                                      <p:cBhvr>
+                                        <p:cTn id="119" dur="1" fill="hold">
+                                          <p:stCondLst>
+                                            <p:cond delay="0"/>
+                                          </p:stCondLst>
+                                        </p:cTn>
+                                        <p:tgtEl>
+                                          <p:spTgt spid="149"/>
+                                        </p:tgtEl>
+                                        <p:attrNameLst>
+                                          <p:attrName>style.visibility</p:attrName>
+                                        </p:attrNameLst>
+                                      </p:cBhvr>
+                                      <p:to>
+                                        <p:strVal val="visible"/>
+                                      </p:to>
+                                    </p:set>
+                                    <p:animEffect transition="in" filter="fade">
+                                      <p:cBhvr>
+                                        <p:cTn id="120" dur="500"/>
+                                        <p:tgtEl>
+                                          <p:spTgt spid="149"/>
+                                        </p:tgtEl>
+                                      </p:cBhvr>
+                                    </p:animEffect>
+                                  </p:childTnLst>
+                                </p:cTn>
+                              </p:par>
+                            </p:childTnLst>
+                          </p:cTn>
+                        </p:par>
+                        <p:par>
+                          <p:cTn id="121" fill="hold">
+                            <p:stCondLst>
+                              <p:cond delay="29600"/>
+                            </p:stCondLst>
+                            <p:childTnLst>
+                              <p:par>
+                                <p:cTn id="122" presetID="26" presetClass="emph" presetSubtype="0" fill="hold" grpId="3" nodeType="afterEffect">
                                   <p:stCondLst>
                                     <p:cond delay="0"/>
                                   </p:stCondLst>
                                   <p:childTnLst>
                                     <p:animEffect transition="out" filter="fade">
                                       <p:cBhvr>
-                                        <p:cTn id="74" dur="500" tmFilter="0, 0; .2, .5; .8, .5; 1, 0"/>
+                                        <p:cTn id="123" dur="500" tmFilter="0, 0; .2, .5; .8, .5; 1, 0"/>
                                         <p:tgtEl>
                                           <p:spTgt spid="4"/>
                                         </p:tgtEl>
@@ -9260,7 +10355,7 @@
                                     </p:animEffect>
                                     <p:animScale>
                                       <p:cBhvr>
-                                        <p:cTn id="75" dur="250" autoRev="1" fill="hold"/>
+                                        <p:cTn id="124" dur="250" autoRev="1" fill="hold"/>
                                         <p:tgtEl>
                                           <p:spTgt spid="4"/>
                                         </p:tgtEl>
@@ -9274,20 +10369,20 @@
                           </p:cTn>
                         </p:par>
                         <p:par>
-                          <p:cTn id="76" fill="hold">
+                          <p:cTn id="125" fill="hold">
                             <p:stCondLst>
-                              <p:cond delay="19000"/>
+                              <p:cond delay="30100"/>
                             </p:stCondLst>
                             <p:childTnLst>
                               <p:par>
-                                <p:cTn id="77" presetID="10" presetClass="exit" presetSubtype="0" fill="hold" nodeType="afterEffect">
+                                <p:cTn id="126" presetID="10" presetClass="exit" presetSubtype="0" fill="hold" nodeType="afterEffect">
                                   <p:stCondLst>
                                     <p:cond delay="0"/>
                                   </p:stCondLst>
                                   <p:childTnLst>
                                     <p:animEffect transition="out" filter="fade">
                                       <p:cBhvr>
-                                        <p:cTn id="78" dur="500"/>
+                                        <p:cTn id="127" dur="500"/>
                                         <p:tgtEl>
                                           <p:spTgt spid="109"/>
                                         </p:tgtEl>
@@ -9295,7 +10390,7 @@
                                     </p:animEffect>
                                     <p:set>
                                       <p:cBhvr>
-                                        <p:cTn id="79" dur="1" fill="hold">
+                                        <p:cTn id="128" dur="1" fill="hold">
                                           <p:stCondLst>
                                             <p:cond delay="499"/>
                                           </p:stCondLst>
@@ -9318,20 +10413,20 @@
                           </p:cTn>
                         </p:par>
                         <p:par>
-                          <p:cTn id="80" fill="hold">
+                          <p:cTn id="129" fill="hold">
                             <p:stCondLst>
-                              <p:cond delay="19500"/>
+                              <p:cond delay="30600"/>
                             </p:stCondLst>
                             <p:childTnLst>
                               <p:par>
-                                <p:cTn id="81" presetID="10" presetClass="entr" presetSubtype="0" fill="hold" nodeType="afterEffect">
+                                <p:cTn id="130" presetID="10" presetClass="entr" presetSubtype="0" fill="hold" nodeType="afterEffect">
                                   <p:stCondLst>
                                     <p:cond delay="0"/>
                                   </p:stCondLst>
                                   <p:childTnLst>
                                     <p:set>
                                       <p:cBhvr>
-                                        <p:cTn id="82" dur="1" fill="hold">
+                                        <p:cTn id="131" dur="1" fill="hold">
                                           <p:stCondLst>
                                             <p:cond delay="0"/>
                                           </p:stCondLst>
@@ -9349,7 +10444,7 @@
                                     </p:set>
                                     <p:animEffect transition="in" filter="fade">
                                       <p:cBhvr>
-                                        <p:cTn id="83" dur="500"/>
+                                        <p:cTn id="132" dur="500"/>
                                         <p:tgtEl>
                                           <p:spTgt spid="115"/>
                                         </p:tgtEl>
@@ -9358,15 +10453,24 @@
                                   </p:childTnLst>
                                 </p:cTn>
                               </p:par>
+                            </p:childTnLst>
+                          </p:cTn>
+                        </p:par>
+                        <p:par>
+                          <p:cTn id="133" fill="hold">
+                            <p:stCondLst>
+                              <p:cond delay="31100"/>
+                            </p:stCondLst>
+                            <p:childTnLst>
                               <p:par>
-                                <p:cTn id="84" presetID="0" presetClass="path" presetSubtype="0" accel="50000" decel="50000" fill="hold" nodeType="withEffect">
+                                <p:cTn id="134" presetID="0" presetClass="path" presetSubtype="0" accel="50000" decel="50000" fill="hold" nodeType="afterEffect">
                                   <p:stCondLst>
                                     <p:cond delay="0"/>
                                   </p:stCondLst>
                                   <p:childTnLst>
-                                    <p:animMotion origin="layout" path="M -0.00078 -0.05024 L -0.00078 -0.05024 C -0.00299 -0.06551 -0.0026 -0.07431 -0.00794 -0.08519 C -0.01289 -0.09491 -0.03086 -0.10787 -0.03203 -0.10903 C -0.06211 -0.13172 -0.05703 -0.12338 -0.09727 -0.12477 C -0.10638 -0.11991 -0.13164 -0.10787 -0.14284 -0.09792 C -0.14375 -0.09699 -0.14362 -0.09399 -0.14453 -0.09306 C -0.14883 -0.08912 -0.15352 -0.08704 -0.15794 -0.08357 C -0.16979 -0.07431 -0.16341 -0.07871 -0.17135 -0.07084 C -0.17318 -0.06922 -0.175 -0.06783 -0.17669 -0.06621 C -0.18464 -0.05811 -0.18776 -0.0551 -0.19375 -0.04561 C -0.19557 -0.04236 -0.19753 -0.03959 -0.19909 -0.03588 C -0.20352 -0.02477 -0.20742 -0.01274 -0.21159 -0.00116 C -0.21302 0.00324 -0.2151 0.00694 -0.21602 0.01157 C -0.2181 0.02314 -0.21979 0.03518 -0.22227 0.04652 C -0.22318 0.05069 -0.22409 0.05486 -0.225 0.05926 C -0.22813 0.07615 -0.22565 0.06851 -0.22943 0.09097 C -0.23034 0.09699 -0.23177 0.10254 -0.23294 0.10833 C -0.23385 0.11944 -0.2349 0.13055 -0.23568 0.14166 C -0.23633 0.15115 -0.23737 0.17037 -0.23737 0.17037 C -0.23711 0.18889 -0.23737 0.2074 -0.23659 0.22569 C -0.23646 0.22777 -0.23529 0.22893 -0.23477 0.23055 C -0.23125 0.24143 -0.23503 0.23333 -0.23034 0.24004 C -0.22969 0.24097 -0.2293 0.24305 -0.22852 0.24328 C -0.22591 0.24421 -0.22318 0.24328 -0.22044 0.24328 " pathEditMode="relative" ptsTypes="AAAAAAAAAAAAAAAAAAAAAAAAA">
+                                    <p:animMotion origin="layout" path="M -0.00078 -0.05023 L -0.00078 -0.05 C -0.003 -0.06551 -0.00261 -0.0743 -0.00794 -0.08518 C -0.01289 -0.0949 -0.03086 -0.10787 -0.03203 -0.10902 C -0.06211 -0.13171 -0.05703 -0.12338 -0.09727 -0.12476 C -0.10638 -0.1199 -0.13164 -0.10787 -0.14284 -0.09791 C -0.14375 -0.09699 -0.14362 -0.09398 -0.14453 -0.09305 C -0.14883 -0.08912 -0.15352 -0.08703 -0.15794 -0.08356 C -0.16979 -0.0743 -0.16341 -0.0787 -0.17136 -0.07083 C -0.17318 -0.06921 -0.175 -0.06782 -0.17669 -0.0662 C -0.18464 -0.0581 -0.18776 -0.05509 -0.19375 -0.0456 C -0.19557 -0.04236 -0.19753 -0.03958 -0.19909 -0.03588 C -0.20352 -0.02476 -0.20742 -0.01273 -0.21159 -0.00115 C -0.21302 0.00324 -0.21511 0.00695 -0.21602 0.01158 C -0.2181 0.02315 -0.21979 0.03519 -0.22227 0.04653 C -0.22318 0.0507 -0.22409 0.05487 -0.225 0.05926 C -0.22813 0.07616 -0.22565 0.06852 -0.22943 0.09098 C -0.23034 0.09699 -0.23177 0.10255 -0.23294 0.10834 C -0.23386 0.11945 -0.2349 0.13056 -0.23568 0.14167 C -0.23633 0.15116 -0.23737 0.17037 -0.23737 0.17061 C -0.23711 0.18889 -0.23737 0.20741 -0.23659 0.2257 C -0.23646 0.22778 -0.23529 0.22894 -0.23477 0.23056 C -0.23125 0.24144 -0.23503 0.23334 -0.23034 0.24005 C -0.22969 0.24098 -0.2293 0.24306 -0.22852 0.24329 C -0.22591 0.24422 -0.22318 0.24329 -0.22044 0.24329 " pathEditMode="relative" rAng="0" ptsTypes="AAAAAAAAAAAAAAAAAAAAAAAAA">
                                       <p:cBhvr>
-                                        <p:cTn id="85" dur="2000" fill="hold"/>
+                                        <p:cTn id="135" dur="2000" fill="hold"/>
                                         <p:tgtEl>
                                           <p:spTgt spid="115"/>
                                         </p:tgtEl>
@@ -9375,6 +10479,7 @@
                                           <p:attrName>ppt_y</p:attrName>
                                         </p:attrNameLst>
                                       </p:cBhvr>
+                                      <p:rCtr x="-11836" y="10926"/>
                                     </p:animMotion>
                                   </p:childTnLst>
                                 </p:cTn>
@@ -9383,20 +10488,20 @@
                           </p:cTn>
                         </p:par>
                         <p:par>
-                          <p:cTn id="86" fill="hold">
+                          <p:cTn id="136" fill="hold">
                             <p:stCondLst>
-                              <p:cond delay="21500"/>
+                              <p:cond delay="33100"/>
                             </p:stCondLst>
                             <p:childTnLst>
                               <p:par>
-                                <p:cTn id="87" presetID="10" presetClass="exit" presetSubtype="0" fill="hold" nodeType="afterEffect">
+                                <p:cTn id="137" presetID="10" presetClass="exit" presetSubtype="0" fill="hold" nodeType="afterEffect">
                                   <p:stCondLst>
                                     <p:cond delay="0"/>
                                   </p:stCondLst>
                                   <p:childTnLst>
                                     <p:animEffect transition="out" filter="fade">
                                       <p:cBhvr>
-                                        <p:cTn id="88" dur="500"/>
+                                        <p:cTn id="138" dur="500"/>
                                         <p:tgtEl>
                                           <p:spTgt spid="83"/>
                                         </p:tgtEl>
@@ -9404,7 +10509,7 @@
                                     </p:animEffect>
                                     <p:set>
                                       <p:cBhvr>
-                                        <p:cTn id="89" dur="1" fill="hold">
+                                        <p:cTn id="139" dur="1" fill="hold">
                                           <p:stCondLst>
                                             <p:cond delay="499"/>
                                           </p:stCondLst>
@@ -9427,20 +10532,67 @@
                           </p:cTn>
                         </p:par>
                         <p:par>
-                          <p:cTn id="90" fill="hold">
+                          <p:cTn id="140" fill="hold">
                             <p:stCondLst>
-                              <p:cond delay="22000"/>
+                              <p:cond delay="33600"/>
                             </p:stCondLst>
                             <p:childTnLst>
                               <p:par>
-                                <p:cTn id="91" presetID="0" presetClass="path" presetSubtype="0" accel="50000" decel="50000" fill="hold" nodeType="afterEffect">
+                                <p:cTn id="141" presetID="10" presetClass="exit" presetSubtype="0" fill="hold" grpId="1" nodeType="afterEffect">
+                                  <p:stCondLst>
+                                    <p:cond delay="0"/>
+                                  </p:stCondLst>
+                                  <p:iterate type="lt">
+                                    <p:tmPct val="0"/>
+                                  </p:iterate>
+                                  <p:childTnLst>
+                                    <p:animEffect transition="out" filter="fade">
+                                      <p:cBhvr>
+                                        <p:cTn id="142" dur="500"/>
+                                        <p:tgtEl>
+                                          <p:spTgt spid="149"/>
+                                        </p:tgtEl>
+                                      </p:cBhvr>
+                                    </p:animEffect>
+                                    <p:set>
+                                      <p:cBhvr>
+                                        <p:cTn id="143" dur="1" fill="hold">
+                                          <p:stCondLst>
+                                            <p:cond delay="499"/>
+                                          </p:stCondLst>
+                                        </p:cTn>
+                                        <p:tgtEl>
+                                          <p:spTgt spid="149"/>
+                                        </p:tgtEl>
+                                        <p:attrNameLst>
+                                          <p:attrName>style.visibility</p:attrName>
+                                        </p:attrNameLst>
+                                      </p:cBhvr>
+                                      <p:to>
+                                        <p:strVal val="hidden"/>
+                                      </p:to>
+                                    </p:set>
+                                  </p:childTnLst>
+                                </p:cTn>
+                              </p:par>
+                            </p:childTnLst>
+                          </p:cTn>
+                        </p:par>
+                        <p:par>
+                          <p:cTn id="144" fill="hold">
+                            <p:stCondLst>
+                              <p:cond delay="34100"/>
+                            </p:stCondLst>
+                            <p:childTnLst>
+                              <p:par>
+                                <p:cTn id="145" presetID="0" presetClass="path" presetSubtype="0" accel="50000" decel="50000" fill="hold" nodeType="afterEffect">
                                   <p:stCondLst>
                                     <p:cond delay="0"/>
                                   </p:stCondLst>
                                   <p:childTnLst>
-                                    <p:animMotion origin="layout" path="M -0.00039 -0.02754 L -0.00039 -0.02754 C -0.00677 -0.02037 -0.01875 -0.0074 -0.02291 0.00116 C -0.02851 0.01273 -0.03555 0.02246 -0.03984 0.03565 C -0.04166 0.04167 -0.04349 0.04769 -0.04544 0.05347 C -0.04778 0.06065 -0.05052 0.06736 -0.05286 0.07454 C -0.05742 0.08843 -0.06172 0.10278 -0.06601 0.11667 C -0.07396 0.1426 -0.07656 0.15 -0.08359 0.1801 C -0.08594 0.19028 -0.08763 0.20093 -0.08984 0.21111 C -0.09101 0.2169 -0.09258 0.22222 -0.09349 0.22778 C -0.09661 0.2463 -0.09713 0.25787 -0.09857 0.27685 C -0.0987 0.2838 -0.09883 0.29074 -0.09922 0.29792 C -0.09948 0.30301 -0.10039 0.3081 -0.10039 0.31343 C -0.10052 0.33195 -0.10013 0.35047 -0.09974 0.36898 C -0.09961 0.37709 -0.09883 0.39005 -0.09791 0.39792 C -0.097 0.40486 -0.09635 0.41227 -0.09479 0.41898 C -0.09193 0.43195 -0.08828 0.44422 -0.08476 0.45672 C -0.08398 0.45972 -0.0832 0.46273 -0.08229 0.46551 C -0.07747 0.48125 -0.07161 0.49699 -0.06484 0.50996 C -0.05573 0.52732 -0.04297 0.54653 -0.03099 0.55903 C -0.02122 0.56922 -0.01146 0.5794 -0.00104 0.58773 C 0.00755 0.59468 0.0168 0.59954 0.02578 0.6044 C 0.03959 0.61204 0.05404 0.61829 0.06836 0.62222 C 0.0737 0.62385 0.07917 0.62454 0.08464 0.6257 C 0.12826 0.6176 0.07813 0.62616 0.11953 0.62107 C 0.12018 0.62107 0.12084 0.62037 0.12149 0.62014 C 0.12604 0.61806 0.1306 0.61644 0.13516 0.61459 C 0.13789 0.61227 0.1405 0.60949 0.14336 0.60787 C 0.14987 0.60417 0.15664 0.60209 0.16328 0.59885 C 0.16524 0.59792 0.16732 0.59746 0.16888 0.5956 L 0.17774 0.58565 C 0.18034 0.58264 0.1836 0.58079 0.18581 0.57662 C 0.18724 0.57408 0.18854 0.5713 0.19024 0.56898 C 0.19427 0.56297 0.19896 0.5588 0.20274 0.55232 C 0.20352 0.5507 0.2043 0.54908 0.20521 0.54792 C 0.20807 0.54352 0.21133 0.54028 0.21393 0.53565 C 0.21797 0.52824 0.22357 0.51412 0.22774 0.5044 C 0.22917 0.50116 0.23112 0.49838 0.23203 0.49445 C 0.23347 0.48866 0.23438 0.48218 0.23646 0.47662 C 0.24011 0.4669 0.23425 0.48241 0.24024 0.46783 C 0.24662 0.45209 0.23893 0.46968 0.24518 0.45556 C 0.24597 0.45185 0.24649 0.44861 0.24701 0.44445 C 0.2474 0.44236 0.24753 0.44005 0.24766 0.43773 C 0.24779 0.43681 0.24766 0.43565 0.24766 0.43449 " pathEditMode="relative" ptsTypes="AAAAAAAAAAAAAAAAAAAAAAAAAAAAAAAAAAAAAAAAAAAA">
+                                    <p:animMotion origin="layout" path="M -0.00039 -0.02755 L -0.00039 -0.02731 C -0.00677 -0.02037 -0.01875 -0.00741 -0.02292 0.00116 C -0.02852 0.01273 -0.03555 0.02245 -0.03984 0.03565 C -0.04167 0.04167 -0.04349 0.04769 -0.04544 0.05347 C -0.04779 0.06065 -0.05052 0.06736 -0.05286 0.07454 C -0.05742 0.08843 -0.06172 0.10278 -0.06602 0.11667 C -0.07396 0.14259 -0.07656 0.15 -0.08359 0.18009 C -0.08594 0.19028 -0.08763 0.20093 -0.08984 0.21111 C -0.09102 0.2169 -0.09258 0.22222 -0.09349 0.22778 C -0.09661 0.2463 -0.09713 0.25787 -0.09857 0.27685 C -0.0987 0.2838 -0.09883 0.29074 -0.09922 0.29792 C -0.09948 0.30301 -0.10039 0.3081 -0.10039 0.31343 C -0.10052 0.33194 -0.10013 0.35046 -0.09974 0.36898 C -0.09961 0.37708 -0.09883 0.39005 -0.09792 0.39792 C -0.097 0.40486 -0.09635 0.41227 -0.09479 0.41898 C -0.09193 0.43194 -0.08828 0.44421 -0.08477 0.45671 C -0.08398 0.45972 -0.0832 0.46273 -0.08229 0.46551 C -0.07747 0.48125 -0.07161 0.49699 -0.06484 0.50995 C -0.05586 0.52732 -0.04297 0.54653 -0.03099 0.55903 C -0.02122 0.56921 -0.01146 0.5794 -0.00104 0.58773 C 0.00755 0.59468 0.0168 0.59954 0.02578 0.6044 C 0.03958 0.61204 0.05404 0.61829 0.06836 0.62222 C 0.0737 0.62384 0.07917 0.62454 0.08464 0.62569 C 0.12813 0.61759 0.07813 0.62616 0.11953 0.62107 C 0.12018 0.62107 0.12083 0.62037 0.12148 0.62014 C 0.12604 0.61806 0.1306 0.61644 0.13503 0.61458 C 0.13789 0.61227 0.1405 0.60949 0.14323 0.60787 C 0.14987 0.60417 0.15664 0.60208 0.16328 0.59884 C 0.16523 0.59792 0.16732 0.59745 0.16888 0.5956 L 0.17773 0.58565 C 0.18034 0.58264 0.18359 0.58079 0.18581 0.57662 C 0.18724 0.57407 0.18854 0.5713 0.19023 0.56898 C 0.19427 0.56296 0.19896 0.5588 0.20273 0.55232 C 0.20352 0.55069 0.2043 0.54907 0.20521 0.54792 C 0.20807 0.54352 0.21133 0.54028 0.21393 0.53565 C 0.21797 0.52824 0.22357 0.51412 0.22773 0.5044 C 0.22917 0.50116 0.23112 0.49838 0.23203 0.49444 C 0.23346 0.48866 0.23438 0.48218 0.23646 0.47662 C 0.2401 0.4669 0.23425 0.48241 0.24023 0.46782 C 0.24662 0.45208 0.23893 0.46968 0.24518 0.45556 C 0.24596 0.45185 0.24648 0.44861 0.24701 0.44444 C 0.2474 0.44236 0.24753 0.44005 0.24766 0.43773 C 0.24779 0.43681 0.24766 0.43565 0.24766 0.43449 " pathEditMode="relative" rAng="0" ptsTypes="AAAAAAAAAAAAAAAAAAAAAAAAAAAAAAAAAAAAAAAAAAAA">
                                       <p:cBhvr>
-                                        <p:cTn id="92" dur="2000" fill="hold"/>
+                                        <p:cTn id="146" dur="2000" fill="hold"/>
                                         <p:tgtEl>
                                           <p:spTgt spid="84"/>
                                         </p:tgtEl>
@@ -9449,6 +10601,7 @@
                                           <p:attrName>ppt_y</p:attrName>
                                         </p:attrNameLst>
                                       </p:cBhvr>
+                                      <p:rCtr x="7396" y="32662"/>
                                     </p:animMotion>
                                   </p:childTnLst>
                                 </p:cTn>
@@ -9457,20 +10610,67 @@
                           </p:cTn>
                         </p:par>
                         <p:par>
-                          <p:cTn id="93" fill="hold">
+                          <p:cTn id="147" fill="hold">
                             <p:stCondLst>
-                              <p:cond delay="24000"/>
+                              <p:cond delay="36100"/>
                             </p:stCondLst>
                             <p:childTnLst>
                               <p:par>
-                                <p:cTn id="94" presetID="26" presetClass="emph" presetSubtype="0" fill="hold" grpId="4" nodeType="afterEffect">
+                                <p:cTn id="148" presetID="10" presetClass="entr" presetSubtype="0" fill="hold" grpId="0" nodeType="afterEffect">
+                                  <p:stCondLst>
+                                    <p:cond delay="0"/>
+                                  </p:stCondLst>
+                                  <p:iterate type="lt">
+                                    <p:tmPct val="10000"/>
+                                  </p:iterate>
+                                  <p:childTnLst>
+                                    <p:set>
+                                      <p:cBhvr>
+                                        <p:cTn id="149" dur="1" fill="hold">
+                                          <p:stCondLst>
+                                            <p:cond delay="0"/>
+                                          </p:stCondLst>
+                                        </p:cTn>
+                                        <p:tgtEl>
+                                          <p:spTgt spid="150"/>
+                                        </p:tgtEl>
+                                        <p:attrNameLst>
+                                          <p:attrName>style.visibility</p:attrName>
+                                        </p:attrNameLst>
+                                      </p:cBhvr>
+                                      <p:to>
+                                        <p:strVal val="visible"/>
+                                      </p:to>
+                                    </p:set>
+                                    <p:animEffect transition="in" filter="fade">
+                                      <p:cBhvr>
+                                        <p:cTn id="150" dur="500"/>
+                                        <p:tgtEl>
+                                          <p:spTgt spid="150"/>
+                                        </p:tgtEl>
+                                      </p:cBhvr>
+                                    </p:animEffect>
+                                  </p:childTnLst>
+                                </p:cTn>
+                              </p:par>
+                            </p:childTnLst>
+                          </p:cTn>
+                        </p:par>
+                        <p:par>
+                          <p:cTn id="151" fill="hold">
+                            <p:stCondLst>
+                              <p:cond delay="37750"/>
+                            </p:stCondLst>
+                            <p:childTnLst>
+                              <p:par>
+                                <p:cTn id="152" presetID="26" presetClass="emph" presetSubtype="0" fill="hold" grpId="4" nodeType="afterEffect">
                                   <p:stCondLst>
                                     <p:cond delay="0"/>
                                   </p:stCondLst>
                                   <p:childTnLst>
                                     <p:animEffect transition="out" filter="fade">
                                       <p:cBhvr>
-                                        <p:cTn id="95" dur="500" tmFilter="0, 0; .2, .5; .8, .5; 1, 0"/>
+                                        <p:cTn id="153" dur="500" tmFilter="0, 0; .2, .5; .8, .5; 1, 0"/>
                                         <p:tgtEl>
                                           <p:spTgt spid="4"/>
                                         </p:tgtEl>
@@ -9478,7 +10678,7 @@
                                     </p:animEffect>
                                     <p:animScale>
                                       <p:cBhvr>
-                                        <p:cTn id="96" dur="250" autoRev="1" fill="hold"/>
+                                        <p:cTn id="154" dur="250" autoRev="1" fill="hold"/>
                                         <p:tgtEl>
                                           <p:spTgt spid="4"/>
                                         </p:tgtEl>
@@ -9492,20 +10692,20 @@
                           </p:cTn>
                         </p:par>
                         <p:par>
-                          <p:cTn id="97" fill="hold">
+                          <p:cTn id="155" fill="hold">
                             <p:stCondLst>
-                              <p:cond delay="24500"/>
+                              <p:cond delay="38250"/>
                             </p:stCondLst>
                             <p:childTnLst>
                               <p:par>
-                                <p:cTn id="98" presetID="10" presetClass="exit" presetSubtype="0" fill="hold" nodeType="afterEffect">
+                                <p:cTn id="156" presetID="10" presetClass="exit" presetSubtype="0" fill="hold" nodeType="afterEffect">
                                   <p:stCondLst>
                                     <p:cond delay="0"/>
                                   </p:stCondLst>
                                   <p:childTnLst>
                                     <p:animEffect transition="out" filter="fade">
                                       <p:cBhvr>
-                                        <p:cTn id="99" dur="500"/>
+                                        <p:cTn id="157" dur="500"/>
                                         <p:tgtEl>
                                           <p:spTgt spid="115"/>
                                         </p:tgtEl>
@@ -9513,7 +10713,7 @@
                                     </p:animEffect>
                                     <p:set>
                                       <p:cBhvr>
-                                        <p:cTn id="100" dur="1" fill="hold">
+                                        <p:cTn id="158" dur="1" fill="hold">
                                           <p:stCondLst>
                                             <p:cond delay="499"/>
                                           </p:stCondLst>
@@ -9536,20 +10736,20 @@
                           </p:cTn>
                         </p:par>
                         <p:par>
-                          <p:cTn id="101" fill="hold">
+                          <p:cTn id="159" fill="hold">
                             <p:stCondLst>
-                              <p:cond delay="25000"/>
+                              <p:cond delay="38750"/>
                             </p:stCondLst>
                             <p:childTnLst>
                               <p:par>
-                                <p:cTn id="102" presetID="10" presetClass="entr" presetSubtype="0" fill="hold" nodeType="afterEffect">
+                                <p:cTn id="160" presetID="10" presetClass="entr" presetSubtype="0" fill="hold" nodeType="afterEffect">
                                   <p:stCondLst>
                                     <p:cond delay="0"/>
                                   </p:stCondLst>
                                   <p:childTnLst>
                                     <p:set>
                                       <p:cBhvr>
-                                        <p:cTn id="103" dur="1" fill="hold">
+                                        <p:cTn id="161" dur="1" fill="hold">
                                           <p:stCondLst>
                                             <p:cond delay="0"/>
                                           </p:stCondLst>
@@ -9567,7 +10767,7 @@
                                     </p:set>
                                     <p:animEffect transition="in" filter="fade">
                                       <p:cBhvr>
-                                        <p:cTn id="104" dur="500"/>
+                                        <p:cTn id="162" dur="500"/>
                                         <p:tgtEl>
                                           <p:spTgt spid="121"/>
                                         </p:tgtEl>
@@ -9576,15 +10776,24 @@
                                   </p:childTnLst>
                                 </p:cTn>
                               </p:par>
+                            </p:childTnLst>
+                          </p:cTn>
+                        </p:par>
+                        <p:par>
+                          <p:cTn id="163" fill="hold">
+                            <p:stCondLst>
+                              <p:cond delay="39250"/>
+                            </p:stCondLst>
+                            <p:childTnLst>
                               <p:par>
-                                <p:cTn id="105" presetID="0" presetClass="path" presetSubtype="0" accel="50000" decel="50000" fill="hold" nodeType="withEffect">
+                                <p:cTn id="164" presetID="0" presetClass="path" presetSubtype="0" accel="50000" decel="50000" fill="hold" nodeType="afterEffect">
                                   <p:stCondLst>
                                     <p:cond delay="0"/>
                                   </p:stCondLst>
                                   <p:childTnLst>
-                                    <p:animMotion origin="layout" path="M 0.00156 -0.05255 L 0.00156 -0.05255 C -0.00039 -0.06042 -0.00143 -0.06922 -0.00404 -0.07639 C -0.0099 -0.0926 -0.01823 -0.10139 -0.02695 -0.11158 C -0.02786 -0.11274 -0.02891 -0.11389 -0.03008 -0.11436 C -0.04167 -0.11852 -0.06484 -0.12547 -0.06484 -0.12547 L -0.09727 -0.12408 C -0.09883 -0.12408 -0.10039 -0.12315 -0.10195 -0.12269 C -0.11667 -0.11899 -0.11875 -0.11991 -0.1319 -0.11297 C -0.13307 -0.11227 -0.13411 -0.11111 -0.13516 -0.11019 C -0.15026 -0.09422 -0.14063 -0.1051 -0.15169 -0.08912 C -0.15638 -0.08241 -0.16081 -0.075 -0.16589 -0.06945 C -0.17292 -0.06181 -0.16719 -0.06875 -0.17227 -0.06111 C -0.17344 -0.05903 -0.175 -0.05764 -0.17617 -0.05533 C -0.17956 -0.04908 -0.1832 -0.04329 -0.18568 -0.03565 C -0.19518 -0.00649 -0.19076 -0.01713 -0.19753 -0.00209 C -0.19779 -0.00024 -0.19779 0.00185 -0.19831 0.00347 C -0.20026 0.01111 -0.20339 0.01805 -0.20456 0.02615 C -0.20638 0.03773 -0.20742 0.05 -0.21016 0.06111 C -0.21094 0.06435 -0.21185 0.06759 -0.2125 0.07106 C -0.21602 0.09004 -0.21484 0.08634 -0.21719 0.10185 C -0.21797 0.10648 -0.21875 0.11111 -0.21953 0.11597 C -0.21927 0.14814 -0.21927 0.18055 -0.21875 0.21273 C -0.21875 0.21412 -0.21758 0.22361 -0.21719 0.22546 C -0.21654 0.22963 -0.21484 0.23356 -0.21484 0.23796 L -0.21484 0.24236 " pathEditMode="relative" ptsTypes="AAAAAAAAAAAAAAAAAAAAAAAAAA">
+                                    <p:animMotion origin="layout" path="M 0.00156 -0.05254 L 0.00156 -0.05231 C -0.00039 -0.06041 -0.00143 -0.06921 -0.00404 -0.07638 C -0.0099 -0.09259 -0.01823 -0.10138 -0.02695 -0.11157 C -0.02787 -0.11273 -0.02891 -0.11388 -0.03008 -0.11435 C -0.04167 -0.11851 -0.06485 -0.12546 -0.06485 -0.12523 L -0.09727 -0.12407 C -0.09883 -0.12407 -0.10039 -0.12314 -0.10195 -0.12268 C -0.11667 -0.11898 -0.11875 -0.1199 -0.1319 -0.11296 C -0.13307 -0.11226 -0.13412 -0.11111 -0.13516 -0.11018 C -0.15026 -0.09421 -0.14063 -0.10509 -0.15169 -0.08912 C -0.15638 -0.0824 -0.16081 -0.075 -0.16589 -0.06944 C -0.17292 -0.0618 -0.16719 -0.06875 -0.17227 -0.06111 C -0.17344 -0.05902 -0.175 -0.05763 -0.17617 -0.05532 C -0.17956 -0.04907 -0.1832 -0.04328 -0.18568 -0.03564 C -0.19518 -0.00648 -0.19076 -0.01713 -0.19753 -0.00208 C -0.19779 -0.00023 -0.19779 0.00186 -0.19831 0.00348 C -0.20026 0.01112 -0.20339 0.01806 -0.20456 0.02616 C -0.20638 0.03774 -0.20742 0.05 -0.21016 0.06112 C -0.21094 0.06436 -0.21185 0.0676 -0.2125 0.07107 C -0.21602 0.09005 -0.21485 0.08635 -0.21719 0.10186 C -0.21797 0.10649 -0.21875 0.11112 -0.21953 0.11598 C -0.21927 0.14815 -0.21927 0.18056 -0.21875 0.21274 C -0.21875 0.21412 -0.21758 0.22362 -0.21719 0.22547 C -0.21654 0.22963 -0.21485 0.23357 -0.21485 0.23797 L -0.21485 0.24237 " pathEditMode="relative" rAng="0" ptsTypes="AAAAAAAAAAAAAAAAAAAAAAAAAA">
                                       <p:cBhvr>
-                                        <p:cTn id="106" dur="2000" fill="hold"/>
+                                        <p:cTn id="165" dur="2000" fill="hold"/>
                                         <p:tgtEl>
                                           <p:spTgt spid="121"/>
                                         </p:tgtEl>
@@ -9593,6 +10802,7 @@
                                           <p:attrName>ppt_y</p:attrName>
                                         </p:attrNameLst>
                                       </p:cBhvr>
+                                      <p:rCtr x="-11055" y="11088"/>
                                     </p:animMotion>
                                   </p:childTnLst>
                                 </p:cTn>
@@ -9601,20 +10811,20 @@
                           </p:cTn>
                         </p:par>
                         <p:par>
-                          <p:cTn id="107" fill="hold">
+                          <p:cTn id="166" fill="hold">
                             <p:stCondLst>
-                              <p:cond delay="27000"/>
+                              <p:cond delay="41250"/>
                             </p:stCondLst>
                             <p:childTnLst>
                               <p:par>
-                                <p:cTn id="108" presetID="10" presetClass="exit" presetSubtype="0" fill="hold" nodeType="afterEffect">
+                                <p:cTn id="167" presetID="10" presetClass="exit" presetSubtype="0" fill="hold" nodeType="afterEffect">
                                   <p:stCondLst>
                                     <p:cond delay="0"/>
                                   </p:stCondLst>
                                   <p:childTnLst>
                                     <p:animEffect transition="out" filter="fade">
                                       <p:cBhvr>
-                                        <p:cTn id="109" dur="500"/>
+                                        <p:cTn id="168" dur="500"/>
                                         <p:tgtEl>
                                           <p:spTgt spid="84"/>
                                         </p:tgtEl>
@@ -9622,7 +10832,7 @@
                                     </p:animEffect>
                                     <p:set>
                                       <p:cBhvr>
-                                        <p:cTn id="110" dur="1" fill="hold">
+                                        <p:cTn id="169" dur="1" fill="hold">
                                           <p:stCondLst>
                                             <p:cond delay="499"/>
                                           </p:stCondLst>
@@ -9645,20 +10855,67 @@
                           </p:cTn>
                         </p:par>
                         <p:par>
-                          <p:cTn id="111" fill="hold">
+                          <p:cTn id="170" fill="hold">
                             <p:stCondLst>
-                              <p:cond delay="27500"/>
+                              <p:cond delay="41750"/>
                             </p:stCondLst>
                             <p:childTnLst>
                               <p:par>
-                                <p:cTn id="112" presetID="0" presetClass="path" presetSubtype="0" accel="50000" decel="50000" fill="hold" nodeType="afterEffect">
+                                <p:cTn id="171" presetID="10" presetClass="exit" presetSubtype="0" fill="hold" grpId="1" nodeType="afterEffect">
+                                  <p:stCondLst>
+                                    <p:cond delay="0"/>
+                                  </p:stCondLst>
+                                  <p:iterate type="lt">
+                                    <p:tmPct val="0"/>
+                                  </p:iterate>
+                                  <p:childTnLst>
+                                    <p:animEffect transition="out" filter="fade">
+                                      <p:cBhvr>
+                                        <p:cTn id="172" dur="500"/>
+                                        <p:tgtEl>
+                                          <p:spTgt spid="150"/>
+                                        </p:tgtEl>
+                                      </p:cBhvr>
+                                    </p:animEffect>
+                                    <p:set>
+                                      <p:cBhvr>
+                                        <p:cTn id="173" dur="1" fill="hold">
+                                          <p:stCondLst>
+                                            <p:cond delay="499"/>
+                                          </p:stCondLst>
+                                        </p:cTn>
+                                        <p:tgtEl>
+                                          <p:spTgt spid="150"/>
+                                        </p:tgtEl>
+                                        <p:attrNameLst>
+                                          <p:attrName>style.visibility</p:attrName>
+                                        </p:attrNameLst>
+                                      </p:cBhvr>
+                                      <p:to>
+                                        <p:strVal val="hidden"/>
+                                      </p:to>
+                                    </p:set>
+                                  </p:childTnLst>
+                                </p:cTn>
+                              </p:par>
+                            </p:childTnLst>
+                          </p:cTn>
+                        </p:par>
+                        <p:par>
+                          <p:cTn id="174" fill="hold">
+                            <p:stCondLst>
+                              <p:cond delay="42250"/>
+                            </p:stCondLst>
+                            <p:childTnLst>
+                              <p:par>
+                                <p:cTn id="175" presetID="0" presetClass="path" presetSubtype="0" accel="50000" decel="50000" fill="hold" nodeType="afterEffect">
                                   <p:stCondLst>
                                     <p:cond delay="0"/>
                                   </p:stCondLst>
                                   <p:childTnLst>
-                                    <p:animMotion origin="layout" path="M -0.00026 -0.03217 L -0.00026 -0.03217 C -0.00416 -0.02268 -0.00768 -0.0125 -0.01211 -0.00347 C -0.01328 -0.00069 -0.01471 0.00162 -0.01588 0.0044 C -0.02057 0.01597 -0.025 0.02801 -0.02955 0.04005 C -0.03164 0.04537 -0.03398 0.0507 -0.0358 0.05672 C -0.03958 0.06852 -0.04349 0.08009 -0.04713 0.09213 C -0.04896 0.09861 -0.05052 0.10533 -0.05208 0.11227 C -0.05403 0.12107 -0.05612 0.12986 -0.05768 0.13889 C -0.05976 0.15139 -0.06432 0.18449 -0.06588 0.20116 C -0.06679 0.21181 -0.06732 0.22269 -0.06836 0.23334 C -0.06966 0.24746 -0.07161 0.26134 -0.07265 0.27547 C -0.0737 0.28843 -0.07487 0.30139 -0.07578 0.31435 C -0.07747 0.33866 -0.0776 0.34468 -0.07825 0.36551 C -0.07773 0.38403 -0.0776 0.40278 -0.07643 0.42107 C -0.07604 0.42801 -0.07031 0.46019 -0.06901 0.46551 C -0.06705 0.47292 -0.06432 0.47963 -0.06211 0.48658 C -0.05963 0.49445 -0.05794 0.50278 -0.05521 0.50996 C -0.05052 0.52246 -0.04349 0.53611 -0.03711 0.54676 C -0.02799 0.56158 -0.02409 0.56829 -0.01328 0.57894 C -0.00117 0.59097 0.0112 0.60209 0.02357 0.61343 C 0.03933 0.62778 0.03321 0.62547 0.04349 0.62778 C 0.05183 0.63218 0.06055 0.63727 0.06914 0.64005 C 0.07305 0.64121 0.07709 0.64144 0.08099 0.64236 L 0.13789 0.64121 C 0.13998 0.64097 0.14857 0.63611 0.15104 0.63449 C 0.15456 0.63195 0.15821 0.6294 0.16159 0.62662 C 0.16289 0.6257 0.1642 0.62477 0.16537 0.62338 C 0.16797 0.62037 0.17031 0.61667 0.17292 0.61343 C 0.17474 0.61111 0.1767 0.60903 0.17852 0.60672 C 0.18112 0.60324 0.18347 0.59908 0.18607 0.5956 C 0.1918 0.58797 0.19779 0.58079 0.20352 0.57338 C 0.20482 0.57153 0.20612 0.56991 0.20729 0.56783 C 0.22058 0.5419 0.21133 0.55556 0.21914 0.54445 C 0.22552 0.52176 0.21862 0.54537 0.2267 0.52107 C 0.22735 0.51898 0.22787 0.51667 0.22852 0.51435 C 0.23216 0.50347 0.2349 0.49676 0.2392 0.48658 C 0.23998 0.48472 0.24089 0.4831 0.24167 0.48102 C 0.24271 0.47847 0.24362 0.4757 0.24479 0.47338 C 0.24883 0.46459 0.24727 0.4713 0.24974 0.46111 C 0.24987 0.46088 0.24974 0.46042 0.24974 0.45996 " pathEditMode="relative" ptsTypes="AAAAAAAAAAAAAAAAAAAAAAAAAAAAAAAAAAAAAAAAA">
+                                    <p:animMotion origin="layout" path="M -0.00026 -0.03218 L -0.00026 -0.03194 C -0.00417 -0.02269 -0.00768 -0.0125 -0.01211 -0.00347 C -0.01328 -0.00069 -0.01471 0.00162 -0.01588 0.0044 C -0.02057 0.01597 -0.025 0.02801 -0.02956 0.04005 C -0.03164 0.04537 -0.03398 0.05069 -0.03581 0.05671 C -0.03958 0.06852 -0.04349 0.08009 -0.04713 0.09213 C -0.04896 0.09861 -0.05052 0.10532 -0.05208 0.11204 C -0.05404 0.12106 -0.05612 0.12986 -0.05768 0.13866 C -0.05976 0.15139 -0.06432 0.18449 -0.06588 0.20116 C -0.0668 0.21181 -0.06732 0.22269 -0.06836 0.23333 C -0.06966 0.24745 -0.07161 0.26134 -0.07266 0.27523 C -0.0737 0.28843 -0.07487 0.30139 -0.07578 0.31435 C -0.07747 0.33866 -0.0776 0.34421 -0.07825 0.36551 C -0.07773 0.38403 -0.0776 0.40278 -0.07643 0.42106 C -0.07604 0.42801 -0.07031 0.46019 -0.06901 0.46551 C -0.06706 0.47292 -0.06432 0.47963 -0.06211 0.48657 C -0.05963 0.49444 -0.05794 0.50255 -0.05521 0.50995 C -0.05052 0.52245 -0.04349 0.53611 -0.03711 0.54676 C -0.02799 0.56157 -0.02409 0.56829 -0.01328 0.57894 C -0.00117 0.59097 0.0112 0.60208 0.02357 0.61343 C 0.03932 0.62778 0.0332 0.62546 0.04349 0.62778 C 0.05182 0.63218 0.06055 0.63727 0.06914 0.64005 C 0.07305 0.6412 0.07708 0.64144 0.08099 0.64236 L 0.13789 0.6412 C 0.13998 0.64097 0.14857 0.63611 0.15091 0.63449 C 0.15456 0.63194 0.1582 0.6294 0.16159 0.62662 C 0.16289 0.62569 0.16419 0.62477 0.16537 0.62338 C 0.16797 0.62037 0.17031 0.61667 0.17292 0.61343 C 0.17474 0.61111 0.17669 0.60903 0.17852 0.60671 C 0.18112 0.60301 0.18346 0.59907 0.18607 0.5956 C 0.1918 0.58796 0.19779 0.58079 0.20352 0.57338 C 0.20482 0.57153 0.20612 0.56991 0.20729 0.56782 C 0.22057 0.5419 0.21133 0.55556 0.21914 0.54444 C 0.22552 0.52176 0.21862 0.54537 0.22669 0.52106 C 0.22734 0.51898 0.22787 0.51667 0.22852 0.51435 C 0.23216 0.50347 0.2349 0.49676 0.23919 0.48657 C 0.23998 0.48472 0.24089 0.4831 0.24167 0.48102 C 0.24271 0.47847 0.24349 0.47569 0.24479 0.47338 C 0.24883 0.46458 0.24727 0.4713 0.24974 0.46111 C 0.24974 0.46088 0.24974 0.46042 0.24974 0.45972 " pathEditMode="relative" rAng="0" ptsTypes="AAAAAAAAAAAAAAAAAAAAAAAAAAAAAAAAAAAAAAAAA">
                                       <p:cBhvr>
-                                        <p:cTn id="113" dur="2000" fill="hold"/>
+                                        <p:cTn id="176" dur="2000" fill="hold"/>
                                         <p:tgtEl>
                                           <p:spTgt spid="85"/>
                                         </p:tgtEl>
@@ -9667,6 +10924,7 @@
                                           <p:attrName>ppt_y</p:attrName>
                                         </p:attrNameLst>
                                       </p:cBhvr>
+                                      <p:rCtr x="8594" y="33727"/>
                                     </p:animMotion>
                                   </p:childTnLst>
                                 </p:cTn>
@@ -9675,20 +10933,67 @@
                           </p:cTn>
                         </p:par>
                         <p:par>
-                          <p:cTn id="114" fill="hold">
+                          <p:cTn id="177" fill="hold">
                             <p:stCondLst>
-                              <p:cond delay="29500"/>
+                              <p:cond delay="44250"/>
                             </p:stCondLst>
                             <p:childTnLst>
                               <p:par>
-                                <p:cTn id="115" presetID="26" presetClass="emph" presetSubtype="0" fill="hold" grpId="5" nodeType="afterEffect">
+                                <p:cTn id="178" presetID="10" presetClass="entr" presetSubtype="0" fill="hold" grpId="0" nodeType="afterEffect">
+                                  <p:stCondLst>
+                                    <p:cond delay="0"/>
+                                  </p:stCondLst>
+                                  <p:iterate type="lt">
+                                    <p:tmPct val="10000"/>
+                                  </p:iterate>
+                                  <p:childTnLst>
+                                    <p:set>
+                                      <p:cBhvr>
+                                        <p:cTn id="179" dur="1" fill="hold">
+                                          <p:stCondLst>
+                                            <p:cond delay="0"/>
+                                          </p:stCondLst>
+                                        </p:cTn>
+                                        <p:tgtEl>
+                                          <p:spTgt spid="151"/>
+                                        </p:tgtEl>
+                                        <p:attrNameLst>
+                                          <p:attrName>style.visibility</p:attrName>
+                                        </p:attrNameLst>
+                                      </p:cBhvr>
+                                      <p:to>
+                                        <p:strVal val="visible"/>
+                                      </p:to>
+                                    </p:set>
+                                    <p:animEffect transition="in" filter="fade">
+                                      <p:cBhvr>
+                                        <p:cTn id="180" dur="500"/>
+                                        <p:tgtEl>
+                                          <p:spTgt spid="151"/>
+                                        </p:tgtEl>
+                                      </p:cBhvr>
+                                    </p:animEffect>
+                                  </p:childTnLst>
+                                </p:cTn>
+                              </p:par>
+                            </p:childTnLst>
+                          </p:cTn>
+                        </p:par>
+                        <p:par>
+                          <p:cTn id="181" fill="hold">
+                            <p:stCondLst>
+                              <p:cond delay="45900"/>
+                            </p:stCondLst>
+                            <p:childTnLst>
+                              <p:par>
+                                <p:cTn id="182" presetID="26" presetClass="emph" presetSubtype="0" fill="hold" grpId="5" nodeType="afterEffect">
                                   <p:stCondLst>
                                     <p:cond delay="0"/>
                                   </p:stCondLst>
                                   <p:childTnLst>
                                     <p:animEffect transition="out" filter="fade">
                                       <p:cBhvr>
-                                        <p:cTn id="116" dur="500" tmFilter="0, 0; .2, .5; .8, .5; 1, 0"/>
+                                        <p:cTn id="183" dur="500" tmFilter="0, 0; .2, .5; .8, .5; 1, 0"/>
                                         <p:tgtEl>
                                           <p:spTgt spid="4"/>
                                         </p:tgtEl>
@@ -9696,7 +11001,7 @@
                                     </p:animEffect>
                                     <p:animScale>
                                       <p:cBhvr>
-                                        <p:cTn id="117" dur="250" autoRev="1" fill="hold"/>
+                                        <p:cTn id="184" dur="250" autoRev="1" fill="hold"/>
                                         <p:tgtEl>
                                           <p:spTgt spid="4"/>
                                         </p:tgtEl>
@@ -9710,20 +11015,20 @@
                           </p:cTn>
                         </p:par>
                         <p:par>
-                          <p:cTn id="118" fill="hold">
+                          <p:cTn id="185" fill="hold">
                             <p:stCondLst>
-                              <p:cond delay="30000"/>
+                              <p:cond delay="46400"/>
                             </p:stCondLst>
                             <p:childTnLst>
                               <p:par>
-                                <p:cTn id="119" presetID="10" presetClass="exit" presetSubtype="0" fill="hold" nodeType="afterEffect">
+                                <p:cTn id="186" presetID="10" presetClass="exit" presetSubtype="0" fill="hold" nodeType="afterEffect">
                                   <p:stCondLst>
                                     <p:cond delay="0"/>
                                   </p:stCondLst>
                                   <p:childTnLst>
                                     <p:animEffect transition="out" filter="fade">
                                       <p:cBhvr>
-                                        <p:cTn id="120" dur="500"/>
+                                        <p:cTn id="187" dur="500"/>
                                         <p:tgtEl>
                                           <p:spTgt spid="121"/>
                                         </p:tgtEl>
@@ -9731,7 +11036,7 @@
                                     </p:animEffect>
                                     <p:set>
                                       <p:cBhvr>
-                                        <p:cTn id="121" dur="1" fill="hold">
+                                        <p:cTn id="188" dur="1" fill="hold">
                                           <p:stCondLst>
                                             <p:cond delay="499"/>
                                           </p:stCondLst>
@@ -9754,20 +11059,20 @@
                           </p:cTn>
                         </p:par>
                         <p:par>
-                          <p:cTn id="122" fill="hold">
+                          <p:cTn id="189" fill="hold">
                             <p:stCondLst>
-                              <p:cond delay="30500"/>
+                              <p:cond delay="46900"/>
                             </p:stCondLst>
                             <p:childTnLst>
                               <p:par>
-                                <p:cTn id="123" presetID="10" presetClass="entr" presetSubtype="0" fill="hold" nodeType="afterEffect">
+                                <p:cTn id="190" presetID="10" presetClass="entr" presetSubtype="0" fill="hold" nodeType="afterEffect">
                                   <p:stCondLst>
                                     <p:cond delay="0"/>
                                   </p:stCondLst>
                                   <p:childTnLst>
                                     <p:set>
                                       <p:cBhvr>
-                                        <p:cTn id="124" dur="1" fill="hold">
+                                        <p:cTn id="191" dur="1" fill="hold">
                                           <p:stCondLst>
                                             <p:cond delay="0"/>
                                           </p:stCondLst>
@@ -9785,7 +11090,7 @@
                                     </p:set>
                                     <p:animEffect transition="in" filter="fade">
                                       <p:cBhvr>
-                                        <p:cTn id="125" dur="500"/>
+                                        <p:cTn id="192" dur="500"/>
                                         <p:tgtEl>
                                           <p:spTgt spid="127"/>
                                         </p:tgtEl>
@@ -9794,15 +11099,24 @@
                                   </p:childTnLst>
                                 </p:cTn>
                               </p:par>
+                            </p:childTnLst>
+                          </p:cTn>
+                        </p:par>
+                        <p:par>
+                          <p:cTn id="193" fill="hold">
+                            <p:stCondLst>
+                              <p:cond delay="47400"/>
+                            </p:stCondLst>
+                            <p:childTnLst>
                               <p:par>
-                                <p:cTn id="126" presetID="0" presetClass="path" presetSubtype="0" accel="50000" decel="50000" fill="hold" nodeType="withEffect">
+                                <p:cTn id="194" presetID="0" presetClass="path" presetSubtype="0" accel="50000" decel="50000" fill="hold" nodeType="afterEffect">
                                   <p:stCondLst>
                                     <p:cond delay="0"/>
                                   </p:stCondLst>
                                   <p:childTnLst>
-                                    <p:animMotion origin="layout" path="M 0.00156 -0.05255 L 0.00156 -0.05232 C -0.00039 -0.06042 -0.00143 -0.06922 -0.00404 -0.07639 C -0.0099 -0.0926 -0.01823 -0.10139 -0.02695 -0.11158 C -0.02786 -0.11274 -0.02891 -0.11389 -0.03008 -0.11436 C -0.04167 -0.11852 -0.06484 -0.12547 -0.06484 -0.12524 L -0.09727 -0.12408 C -0.09883 -0.12408 -0.10039 -0.12315 -0.10195 -0.12269 C -0.11667 -0.11899 -0.11875 -0.11991 -0.1319 -0.11297 C -0.13307 -0.11227 -0.13411 -0.11111 -0.13516 -0.11019 C -0.15026 -0.09422 -0.14063 -0.1051 -0.15169 -0.08912 C -0.15638 -0.08241 -0.16081 -0.075 -0.16589 -0.06945 C -0.17292 -0.06181 -0.16719 -0.06875 -0.17227 -0.06111 C -0.17344 -0.05903 -0.175 -0.05764 -0.17617 -0.05533 C -0.17956 -0.04908 -0.1832 -0.04329 -0.18568 -0.03565 C -0.19518 -0.00649 -0.19076 -0.01713 -0.19753 -0.00209 C -0.19779 -0.00024 -0.19779 0.00185 -0.19831 0.00347 C -0.20026 0.01111 -0.20339 0.01805 -0.20456 0.02615 C -0.20638 0.03773 -0.20742 0.05 -0.21016 0.06111 C -0.21094 0.06435 -0.21185 0.06759 -0.2125 0.07106 C -0.21602 0.09004 -0.21484 0.08634 -0.21719 0.10185 C -0.21797 0.10648 -0.21875 0.11111 -0.21953 0.11597 C -0.21927 0.14814 -0.21927 0.18055 -0.21875 0.21273 C -0.21875 0.21412 -0.21758 0.22361 -0.21719 0.22546 C -0.21654 0.22963 -0.21484 0.23356 -0.21484 0.23796 L -0.21484 0.24236 " pathEditMode="relative" rAng="0" ptsTypes="AAAAAAAAAAAAAAAAAAAAAAAAAA">
+                                    <p:animMotion origin="layout" path="M 0.00156 -0.05254 L 0.00156 -0.05231 C -0.00039 -0.06041 -0.00143 -0.06921 -0.00404 -0.07638 C -0.0099 -0.09259 -0.01823 -0.10138 -0.02695 -0.11157 C -0.02787 -0.11273 -0.02891 -0.11388 -0.03008 -0.11435 C -0.04167 -0.11851 -0.06485 -0.12546 -0.06485 -0.12523 L -0.09727 -0.12407 C -0.09883 -0.12407 -0.10039 -0.12314 -0.10195 -0.12268 C -0.11667 -0.11898 -0.11875 -0.1199 -0.1319 -0.11296 C -0.13307 -0.11226 -0.13412 -0.11111 -0.13516 -0.11018 C -0.15026 -0.09421 -0.14063 -0.10509 -0.15169 -0.08912 C -0.15638 -0.0824 -0.16081 -0.075 -0.16589 -0.06944 C -0.17292 -0.0618 -0.16719 -0.06875 -0.17227 -0.06111 C -0.17344 -0.05902 -0.175 -0.05763 -0.17617 -0.05532 C -0.17956 -0.04907 -0.1832 -0.04328 -0.18568 -0.03564 C -0.19518 -0.00648 -0.19076 -0.01713 -0.19753 -0.00208 C -0.19779 -0.00023 -0.19779 0.00186 -0.19831 0.00348 C -0.20026 0.01112 -0.20339 0.01806 -0.20456 0.02616 C -0.20638 0.03774 -0.20742 0.05 -0.21016 0.06112 C -0.21094 0.06436 -0.21185 0.0676 -0.2125 0.07107 C -0.21602 0.09005 -0.21485 0.08635 -0.21719 0.10186 C -0.21797 0.10649 -0.21875 0.11112 -0.21953 0.11598 C -0.21927 0.14815 -0.21927 0.18056 -0.21875 0.21274 C -0.21875 0.21412 -0.21758 0.22362 -0.21719 0.22547 C -0.21654 0.22963 -0.21485 0.23357 -0.21485 0.23797 L -0.21485 0.24237 " pathEditMode="relative" rAng="0" ptsTypes="AAAAAAAAAAAAAAAAAAAAAAAAAA">
                                       <p:cBhvr>
-                                        <p:cTn id="127" dur="2000" fill="hold"/>
+                                        <p:cTn id="195" dur="2000" fill="hold"/>
                                         <p:tgtEl>
                                           <p:spTgt spid="127"/>
                                         </p:tgtEl>
@@ -9820,20 +11134,20 @@
                           </p:cTn>
                         </p:par>
                         <p:par>
-                          <p:cTn id="128" fill="hold">
+                          <p:cTn id="196" fill="hold">
                             <p:stCondLst>
-                              <p:cond delay="32500"/>
+                              <p:cond delay="49400"/>
                             </p:stCondLst>
                             <p:childTnLst>
                               <p:par>
-                                <p:cTn id="129" presetID="10" presetClass="exit" presetSubtype="0" fill="hold" nodeType="afterEffect">
+                                <p:cTn id="197" presetID="10" presetClass="exit" presetSubtype="0" fill="hold" nodeType="afterEffect">
                                   <p:stCondLst>
                                     <p:cond delay="0"/>
                                   </p:stCondLst>
                                   <p:childTnLst>
                                     <p:animEffect transition="out" filter="fade">
                                       <p:cBhvr>
-                                        <p:cTn id="130" dur="500"/>
+                                        <p:cTn id="198" dur="500"/>
                                         <p:tgtEl>
                                           <p:spTgt spid="85"/>
                                         </p:tgtEl>
@@ -9841,7 +11155,7 @@
                                     </p:animEffect>
                                     <p:set>
                                       <p:cBhvr>
-                                        <p:cTn id="131" dur="1" fill="hold">
+                                        <p:cTn id="199" dur="1" fill="hold">
                                           <p:stCondLst>
                                             <p:cond delay="499"/>
                                           </p:stCondLst>
@@ -9864,20 +11178,67 @@
                           </p:cTn>
                         </p:par>
                         <p:par>
-                          <p:cTn id="132" fill="hold">
+                          <p:cTn id="200" fill="hold">
                             <p:stCondLst>
-                              <p:cond delay="33000"/>
+                              <p:cond delay="49900"/>
                             </p:stCondLst>
                             <p:childTnLst>
                               <p:par>
-                                <p:cTn id="133" presetID="0" presetClass="path" presetSubtype="0" accel="50000" decel="50000" fill="hold" nodeType="afterEffect">
+                                <p:cTn id="201" presetID="10" presetClass="exit" presetSubtype="0" fill="hold" grpId="1" nodeType="afterEffect">
+                                  <p:stCondLst>
+                                    <p:cond delay="0"/>
+                                  </p:stCondLst>
+                                  <p:iterate type="lt">
+                                    <p:tmPct val="0"/>
+                                  </p:iterate>
+                                  <p:childTnLst>
+                                    <p:animEffect transition="out" filter="fade">
+                                      <p:cBhvr>
+                                        <p:cTn id="202" dur="500"/>
+                                        <p:tgtEl>
+                                          <p:spTgt spid="151"/>
+                                        </p:tgtEl>
+                                      </p:cBhvr>
+                                    </p:animEffect>
+                                    <p:set>
+                                      <p:cBhvr>
+                                        <p:cTn id="203" dur="1" fill="hold">
+                                          <p:stCondLst>
+                                            <p:cond delay="499"/>
+                                          </p:stCondLst>
+                                        </p:cTn>
+                                        <p:tgtEl>
+                                          <p:spTgt spid="151"/>
+                                        </p:tgtEl>
+                                        <p:attrNameLst>
+                                          <p:attrName>style.visibility</p:attrName>
+                                        </p:attrNameLst>
+                                      </p:cBhvr>
+                                      <p:to>
+                                        <p:strVal val="hidden"/>
+                                      </p:to>
+                                    </p:set>
+                                  </p:childTnLst>
+                                </p:cTn>
+                              </p:par>
+                            </p:childTnLst>
+                          </p:cTn>
+                        </p:par>
+                        <p:par>
+                          <p:cTn id="204" fill="hold">
+                            <p:stCondLst>
+                              <p:cond delay="50400"/>
+                            </p:stCondLst>
+                            <p:childTnLst>
+                              <p:par>
+                                <p:cTn id="205" presetID="0" presetClass="path" presetSubtype="0" accel="50000" decel="50000" fill="hold" nodeType="afterEffect">
                                   <p:stCondLst>
                                     <p:cond delay="0"/>
                                   </p:stCondLst>
                                   <p:childTnLst>
-                                    <p:animMotion origin="layout" path="M -0.00026 -0.03079 L -0.00026 -0.03079 C -0.01276 -0.00162 -0.04791 0.07894 -0.05273 0.09792 C -0.07278 0.17639 -0.06471 0.13773 -0.07773 0.21343 C -0.08008 0.24954 -0.07903 0.23866 -0.08711 0.29352 C -0.08932 0.30857 -0.09258 0.32292 -0.09466 0.33796 C -0.09609 0.34884 -0.09674 0.36019 -0.09765 0.3713 C -0.09713 0.39792 -0.09674 0.42454 -0.09583 0.45139 C -0.09544 0.46343 -0.08906 0.4963 -0.08841 0.49907 C -0.07916 0.53657 -0.07291 0.5537 -0.05716 0.58241 C -0.05299 0.58982 -0.04804 0.59607 -0.04336 0.60232 C -0.03867 0.60857 -0.03411 0.61528 -0.02903 0.62014 C -0.02304 0.62593 -0.0164 0.62963 -0.01028 0.63449 C -0.00325 0.64028 0.003 0.64884 0.01042 0.65232 C 0.0319 0.66273 0.05404 0.66852 0.07604 0.67569 C 0.12045 0.69005 0.11446 0.68657 0.15977 0.68912 C 0.17018 0.68866 0.18073 0.69028 0.19102 0.68796 C 0.19388 0.68727 0.1961 0.68287 0.19844 0.68009 C 0.20143 0.67685 0.20456 0.67407 0.20729 0.67014 C 0.21055 0.66528 0.21797 0.64722 0.21979 0.64236 C 0.22084 0.63935 0.22123 0.63565 0.22227 0.63241 C 0.22396 0.62708 0.2263 0.62245 0.22787 0.6169 C 0.22878 0.61366 0.22943 0.61019 0.23034 0.60671 C 0.23216 0.6 0.23425 0.59352 0.23594 0.58681 C 0.23737 0.58148 0.23841 0.57569 0.23972 0.57014 C 0.24128 0.56389 0.24323 0.55764 0.24479 0.55116 C 0.24623 0.54514 0.2474 0.5294 0.24792 0.52569 C 0.24831 0.52199 0.24935 0.51829 0.24974 0.51458 C 0.25183 0.49676 0.25156 0.49884 0.25156 0.48681 " pathEditMode="relative" ptsTypes="AAAAAAAAAAAAAAAAAAAAAAAAAAAAA">
+                                    <p:animMotion origin="layout" path="M -0.00039 -0.03079 L -0.00039 -0.03056 C -0.01276 -0.00162 -0.04792 0.07893 -0.05273 0.09791 C -0.07279 0.17639 -0.06471 0.13773 -0.07773 0.21342 C -0.08008 0.24954 -0.07904 0.23866 -0.08711 0.29352 C -0.08932 0.30856 -0.09258 0.32291 -0.09466 0.33796 C -0.09609 0.34884 -0.09674 0.36018 -0.09766 0.37129 C -0.09713 0.39791 -0.09674 0.42454 -0.09583 0.45139 C -0.09544 0.46342 -0.08906 0.49629 -0.08841 0.49907 C -0.07917 0.53657 -0.07292 0.5537 -0.05716 0.58241 C -0.05299 0.58981 -0.04818 0.59606 -0.04336 0.60231 C -0.03867 0.60856 -0.03411 0.61528 -0.02904 0.62014 C -0.02318 0.62592 -0.01641 0.62963 -0.01042 0.63449 C -0.00325 0.64028 0.003 0.64884 0.01029 0.65231 C 0.0319 0.66273 0.05404 0.66852 0.07604 0.67569 C 0.12031 0.69004 0.11432 0.68657 0.15977 0.68912 C 0.17018 0.68866 0.1806 0.69028 0.19102 0.68796 C 0.19388 0.68727 0.19609 0.68287 0.19844 0.68009 C 0.2013 0.67685 0.20456 0.67407 0.20729 0.67014 C 0.21042 0.66528 0.21797 0.64722 0.21979 0.64236 C 0.22083 0.63935 0.22123 0.63565 0.22227 0.63241 C 0.22396 0.62708 0.2263 0.62245 0.22774 0.6169 C 0.22878 0.61366 0.22943 0.61018 0.23034 0.60671 C 0.23216 0.6 0.23412 0.59352 0.23581 0.5868 C 0.23724 0.58148 0.23828 0.57569 0.23958 0.57014 C 0.24128 0.56389 0.24323 0.55764 0.24466 0.55116 C 0.24623 0.54514 0.2474 0.5294 0.24792 0.52569 C 0.24831 0.52199 0.24935 0.51829 0.24974 0.51458 C 0.25169 0.49676 0.25143 0.49884 0.25143 0.4868 " pathEditMode="relative" rAng="0" ptsTypes="AAAAAAAAAAAAAAAAAAAAAAAAAAAAA">
                                       <p:cBhvr>
-                                        <p:cTn id="134" dur="2000" fill="hold"/>
+                                        <p:cTn id="206" dur="2000" fill="hold"/>
                                         <p:tgtEl>
                                           <p:spTgt spid="86"/>
                                         </p:tgtEl>
@@ -9886,6 +11247,7 @@
                                           <p:attrName>ppt_y</p:attrName>
                                         </p:attrNameLst>
                                       </p:cBhvr>
+                                      <p:rCtr x="7721" y="35995"/>
                                     </p:animMotion>
                                   </p:childTnLst>
                                 </p:cTn>
@@ -9894,20 +11256,67 @@
                           </p:cTn>
                         </p:par>
                         <p:par>
-                          <p:cTn id="135" fill="hold">
+                          <p:cTn id="207" fill="hold">
                             <p:stCondLst>
-                              <p:cond delay="35000"/>
+                              <p:cond delay="52400"/>
                             </p:stCondLst>
                             <p:childTnLst>
                               <p:par>
-                                <p:cTn id="136" presetID="26" presetClass="emph" presetSubtype="0" fill="hold" grpId="6" nodeType="afterEffect">
+                                <p:cTn id="208" presetID="10" presetClass="entr" presetSubtype="0" fill="hold" grpId="0" nodeType="afterEffect">
+                                  <p:stCondLst>
+                                    <p:cond delay="0"/>
+                                  </p:stCondLst>
+                                  <p:iterate type="lt">
+                                    <p:tmPct val="10000"/>
+                                  </p:iterate>
+                                  <p:childTnLst>
+                                    <p:set>
+                                      <p:cBhvr>
+                                        <p:cTn id="209" dur="1" fill="hold">
+                                          <p:stCondLst>
+                                            <p:cond delay="0"/>
+                                          </p:stCondLst>
+                                        </p:cTn>
+                                        <p:tgtEl>
+                                          <p:spTgt spid="152"/>
+                                        </p:tgtEl>
+                                        <p:attrNameLst>
+                                          <p:attrName>style.visibility</p:attrName>
+                                        </p:attrNameLst>
+                                      </p:cBhvr>
+                                      <p:to>
+                                        <p:strVal val="visible"/>
+                                      </p:to>
+                                    </p:set>
+                                    <p:animEffect transition="in" filter="fade">
+                                      <p:cBhvr>
+                                        <p:cTn id="210" dur="500"/>
+                                        <p:tgtEl>
+                                          <p:spTgt spid="152"/>
+                                        </p:tgtEl>
+                                      </p:cBhvr>
+                                    </p:animEffect>
+                                  </p:childTnLst>
+                                </p:cTn>
+                              </p:par>
+                            </p:childTnLst>
+                          </p:cTn>
+                        </p:par>
+                        <p:par>
+                          <p:cTn id="211" fill="hold">
+                            <p:stCondLst>
+                              <p:cond delay="54050"/>
+                            </p:stCondLst>
+                            <p:childTnLst>
+                              <p:par>
+                                <p:cTn id="212" presetID="26" presetClass="emph" presetSubtype="0" fill="hold" grpId="6" nodeType="afterEffect">
                                   <p:stCondLst>
                                     <p:cond delay="0"/>
                                   </p:stCondLst>
                                   <p:childTnLst>
                                     <p:animEffect transition="out" filter="fade">
                                       <p:cBhvr>
-                                        <p:cTn id="137" dur="500" tmFilter="0, 0; .2, .5; .8, .5; 1, 0"/>
+                                        <p:cTn id="213" dur="500" tmFilter="0, 0; .2, .5; .8, .5; 1, 0"/>
                                         <p:tgtEl>
                                           <p:spTgt spid="4"/>
                                         </p:tgtEl>
@@ -9915,7 +11324,7 @@
                                     </p:animEffect>
                                     <p:animScale>
                                       <p:cBhvr>
-                                        <p:cTn id="138" dur="250" autoRev="1" fill="hold"/>
+                                        <p:cTn id="214" dur="250" autoRev="1" fill="hold"/>
                                         <p:tgtEl>
                                           <p:spTgt spid="4"/>
                                         </p:tgtEl>
@@ -9929,20 +11338,20 @@
                           </p:cTn>
                         </p:par>
                         <p:par>
-                          <p:cTn id="139" fill="hold">
+                          <p:cTn id="215" fill="hold">
                             <p:stCondLst>
-                              <p:cond delay="35500"/>
+                              <p:cond delay="54550"/>
                             </p:stCondLst>
                             <p:childTnLst>
                               <p:par>
-                                <p:cTn id="140" presetID="10" presetClass="exit" presetSubtype="0" fill="hold" nodeType="afterEffect">
+                                <p:cTn id="216" presetID="10" presetClass="exit" presetSubtype="0" fill="hold" nodeType="afterEffect">
                                   <p:stCondLst>
                                     <p:cond delay="0"/>
                                   </p:stCondLst>
                                   <p:childTnLst>
                                     <p:animEffect transition="out" filter="fade">
                                       <p:cBhvr>
-                                        <p:cTn id="141" dur="500"/>
+                                        <p:cTn id="217" dur="500"/>
                                         <p:tgtEl>
                                           <p:spTgt spid="127"/>
                                         </p:tgtEl>
@@ -9950,7 +11359,7 @@
                                     </p:animEffect>
                                     <p:set>
                                       <p:cBhvr>
-                                        <p:cTn id="142" dur="1" fill="hold">
+                                        <p:cTn id="218" dur="1" fill="hold">
                                           <p:stCondLst>
                                             <p:cond delay="499"/>
                                           </p:stCondLst>
@@ -9973,20 +11382,20 @@
                           </p:cTn>
                         </p:par>
                         <p:par>
-                          <p:cTn id="143" fill="hold">
+                          <p:cTn id="219" fill="hold">
                             <p:stCondLst>
-                              <p:cond delay="36000"/>
+                              <p:cond delay="55050"/>
                             </p:stCondLst>
                             <p:childTnLst>
                               <p:par>
-                                <p:cTn id="144" presetID="10" presetClass="entr" presetSubtype="0" fill="hold" nodeType="afterEffect">
+                                <p:cTn id="220" presetID="10" presetClass="entr" presetSubtype="0" fill="hold" nodeType="afterEffect">
                                   <p:stCondLst>
                                     <p:cond delay="0"/>
                                   </p:stCondLst>
                                   <p:childTnLst>
                                     <p:set>
                                       <p:cBhvr>
-                                        <p:cTn id="145" dur="1" fill="hold">
+                                        <p:cTn id="221" dur="1" fill="hold">
                                           <p:stCondLst>
                                             <p:cond delay="0"/>
                                           </p:stCondLst>
@@ -10004,7 +11413,7 @@
                                     </p:set>
                                     <p:animEffect transition="in" filter="fade">
                                       <p:cBhvr>
-                                        <p:cTn id="146" dur="500"/>
+                                        <p:cTn id="222" dur="500"/>
                                         <p:tgtEl>
                                           <p:spTgt spid="133"/>
                                         </p:tgtEl>
@@ -10013,15 +11422,24 @@
                                   </p:childTnLst>
                                 </p:cTn>
                               </p:par>
+                            </p:childTnLst>
+                          </p:cTn>
+                        </p:par>
+                        <p:par>
+                          <p:cTn id="223" fill="hold">
+                            <p:stCondLst>
+                              <p:cond delay="55550"/>
+                            </p:stCondLst>
+                            <p:childTnLst>
                               <p:par>
-                                <p:cTn id="147" presetID="0" presetClass="path" presetSubtype="0" accel="50000" decel="50000" fill="hold" nodeType="withEffect">
+                                <p:cTn id="224" presetID="0" presetClass="path" presetSubtype="0" accel="50000" decel="50000" fill="hold" nodeType="afterEffect">
                                   <p:stCondLst>
                                     <p:cond delay="0"/>
                                   </p:stCondLst>
                                   <p:childTnLst>
-                                    <p:animMotion origin="layout" path="M 0.00156 -0.05255 L 0.00156 -0.05232 C -0.00039 -0.06042 -0.00143 -0.06922 -0.00404 -0.07639 C -0.0099 -0.0926 -0.01823 -0.10139 -0.02695 -0.11158 C -0.02786 -0.11274 -0.02891 -0.11389 -0.03008 -0.11436 C -0.04167 -0.11852 -0.06484 -0.12547 -0.06484 -0.12524 L -0.09727 -0.12408 C -0.09883 -0.12408 -0.10039 -0.12315 -0.10195 -0.12269 C -0.11667 -0.11899 -0.11875 -0.11991 -0.1319 -0.11297 C -0.13307 -0.11227 -0.13411 -0.11111 -0.13516 -0.11019 C -0.15026 -0.09422 -0.14063 -0.1051 -0.15169 -0.08912 C -0.15638 -0.08241 -0.16081 -0.075 -0.16589 -0.06945 C -0.17292 -0.06181 -0.16719 -0.06875 -0.17227 -0.06111 C -0.17344 -0.05903 -0.175 -0.05764 -0.17617 -0.05533 C -0.17956 -0.04908 -0.1832 -0.04329 -0.18568 -0.03565 C -0.19518 -0.00649 -0.19076 -0.01713 -0.19753 -0.00209 C -0.19779 -0.00024 -0.19779 0.00185 -0.19831 0.00347 C -0.20026 0.01111 -0.20339 0.01805 -0.20456 0.02615 C -0.20638 0.03773 -0.20742 0.05 -0.21016 0.06111 C -0.21094 0.06435 -0.21185 0.06759 -0.2125 0.07106 C -0.21602 0.09004 -0.21484 0.08634 -0.21719 0.10185 C -0.21797 0.10648 -0.21875 0.11111 -0.21953 0.11597 C -0.21927 0.14814 -0.21927 0.18055 -0.21875 0.21273 C -0.21875 0.21412 -0.21758 0.22361 -0.21719 0.22546 C -0.21654 0.22963 -0.21484 0.23356 -0.21484 0.23796 L -0.21484 0.24236 " pathEditMode="relative" rAng="0" ptsTypes="AAAAAAAAAAAAAAAAAAAAAAAAAA">
+                                    <p:animMotion origin="layout" path="M 0.00156 -0.05254 L 0.00156 -0.05231 C -0.00039 -0.06041 -0.00143 -0.06921 -0.00404 -0.07638 C -0.0099 -0.09259 -0.01823 -0.10138 -0.02695 -0.11157 C -0.02787 -0.11273 -0.02891 -0.11388 -0.03008 -0.11435 C -0.04167 -0.11851 -0.06485 -0.12546 -0.06485 -0.12523 L -0.09727 -0.12407 C -0.09883 -0.12407 -0.10039 -0.12314 -0.10195 -0.12268 C -0.11667 -0.11898 -0.11875 -0.1199 -0.1319 -0.11296 C -0.13307 -0.11226 -0.13412 -0.11111 -0.13516 -0.11018 C -0.15026 -0.09421 -0.14063 -0.10509 -0.15169 -0.08912 C -0.15638 -0.0824 -0.16081 -0.075 -0.16589 -0.06944 C -0.17292 -0.0618 -0.16719 -0.06875 -0.17227 -0.06111 C -0.17344 -0.05902 -0.175 -0.05763 -0.17617 -0.05532 C -0.17956 -0.04907 -0.1832 -0.04328 -0.18568 -0.03564 C -0.19518 -0.00648 -0.19076 -0.01713 -0.19753 -0.00208 C -0.19779 -0.00023 -0.19779 0.00186 -0.19831 0.00348 C -0.20026 0.01112 -0.20339 0.01806 -0.20456 0.02616 C -0.20638 0.03774 -0.20742 0.05 -0.21016 0.06112 C -0.21094 0.06436 -0.21185 0.0676 -0.2125 0.07107 C -0.21602 0.09005 -0.21485 0.08635 -0.21719 0.10186 C -0.21797 0.10649 -0.21875 0.11112 -0.21953 0.11598 C -0.21927 0.14815 -0.21927 0.18056 -0.21875 0.21274 C -0.21875 0.21412 -0.21758 0.22362 -0.21719 0.22547 C -0.21654 0.22963 -0.21485 0.23357 -0.21485 0.23797 L -0.21485 0.24237 " pathEditMode="relative" rAng="0" ptsTypes="AAAAAAAAAAAAAAAAAAAAAAAAAA">
                                       <p:cBhvr>
-                                        <p:cTn id="148" dur="2000" fill="hold"/>
+                                        <p:cTn id="225" dur="2000" fill="hold"/>
                                         <p:tgtEl>
                                           <p:spTgt spid="133"/>
                                         </p:tgtEl>
@@ -10039,20 +11457,20 @@
                           </p:cTn>
                         </p:par>
                         <p:par>
-                          <p:cTn id="149" fill="hold">
+                          <p:cTn id="226" fill="hold">
                             <p:stCondLst>
-                              <p:cond delay="38000"/>
+                              <p:cond delay="57550"/>
                             </p:stCondLst>
                             <p:childTnLst>
                               <p:par>
-                                <p:cTn id="150" presetID="10" presetClass="exit" presetSubtype="0" fill="hold" nodeType="afterEffect">
+                                <p:cTn id="227" presetID="10" presetClass="exit" presetSubtype="0" fill="hold" nodeType="afterEffect">
                                   <p:stCondLst>
                                     <p:cond delay="0"/>
                                   </p:stCondLst>
                                   <p:childTnLst>
                                     <p:animEffect transition="out" filter="fade">
                                       <p:cBhvr>
-                                        <p:cTn id="151" dur="500"/>
+                                        <p:cTn id="228" dur="500"/>
                                         <p:tgtEl>
                                           <p:spTgt spid="86"/>
                                         </p:tgtEl>
@@ -10060,7 +11478,7 @@
                                     </p:animEffect>
                                     <p:set>
                                       <p:cBhvr>
-                                        <p:cTn id="152" dur="1" fill="hold">
+                                        <p:cTn id="229" dur="1" fill="hold">
                                           <p:stCondLst>
                                             <p:cond delay="499"/>
                                           </p:stCondLst>
@@ -10083,20 +11501,67 @@
                           </p:cTn>
                         </p:par>
                         <p:par>
-                          <p:cTn id="153" fill="hold">
+                          <p:cTn id="230" fill="hold">
                             <p:stCondLst>
-                              <p:cond delay="38500"/>
+                              <p:cond delay="58050"/>
                             </p:stCondLst>
                             <p:childTnLst>
                               <p:par>
-                                <p:cTn id="154" presetID="0" presetClass="path" presetSubtype="0" accel="50000" decel="50000" fill="hold" nodeType="afterEffect">
+                                <p:cTn id="231" presetID="10" presetClass="exit" presetSubtype="0" fill="hold" grpId="1" nodeType="afterEffect">
+                                  <p:stCondLst>
+                                    <p:cond delay="0"/>
+                                  </p:stCondLst>
+                                  <p:iterate type="lt">
+                                    <p:tmPct val="0"/>
+                                  </p:iterate>
+                                  <p:childTnLst>
+                                    <p:animEffect transition="out" filter="fade">
+                                      <p:cBhvr>
+                                        <p:cTn id="232" dur="500"/>
+                                        <p:tgtEl>
+                                          <p:spTgt spid="152"/>
+                                        </p:tgtEl>
+                                      </p:cBhvr>
+                                    </p:animEffect>
+                                    <p:set>
+                                      <p:cBhvr>
+                                        <p:cTn id="233" dur="1" fill="hold">
+                                          <p:stCondLst>
+                                            <p:cond delay="499"/>
+                                          </p:stCondLst>
+                                        </p:cTn>
+                                        <p:tgtEl>
+                                          <p:spTgt spid="152"/>
+                                        </p:tgtEl>
+                                        <p:attrNameLst>
+                                          <p:attrName>style.visibility</p:attrName>
+                                        </p:attrNameLst>
+                                      </p:cBhvr>
+                                      <p:to>
+                                        <p:strVal val="hidden"/>
+                                      </p:to>
+                                    </p:set>
+                                  </p:childTnLst>
+                                </p:cTn>
+                              </p:par>
+                            </p:childTnLst>
+                          </p:cTn>
+                        </p:par>
+                        <p:par>
+                          <p:cTn id="234" fill="hold">
+                            <p:stCondLst>
+                              <p:cond delay="58550"/>
+                            </p:stCondLst>
+                            <p:childTnLst>
+                              <p:par>
+                                <p:cTn id="235" presetID="0" presetClass="path" presetSubtype="0" accel="50000" decel="50000" fill="hold" nodeType="afterEffect">
                                   <p:stCondLst>
                                     <p:cond delay="0"/>
                                   </p:stCondLst>
                                   <p:childTnLst>
-                                    <p:animMotion origin="layout" path="M -0.00052 -0.0287 L -0.00052 -0.0287 C -0.01393 -0.00278 -0.00534 -0.02083 -0.02305 0.02778 C -0.02383 0.03009 -0.03463 0.05949 -0.03555 0.06343 C -0.03672 0.06944 -0.03776 0.07546 -0.03919 0.08125 C -0.04088 0.08727 -0.04336 0.09282 -0.04492 0.09907 C -0.05 0.11968 -0.06653 0.19444 -0.06992 0.21782 C -0.07148 0.22986 -0.07331 0.24144 -0.07487 0.25347 C -0.07786 0.27778 -0.07903 0.29491 -0.08112 0.32014 C -0.08138 0.33056 -0.08151 0.34097 -0.08177 0.35116 C -0.08268 0.38889 -0.08398 0.39931 -0.08242 0.43796 C -0.0819 0.44769 -0.08112 0.45741 -0.07982 0.4669 C -0.07643 0.49329 -0.07422 0.5206 -0.06862 0.54583 C -0.06732 0.55139 -0.06653 0.55718 -0.06484 0.5625 C -0.05729 0.58657 -0.0526 0.61505 -0.04114 0.63356 C -0.03073 0.65023 -0.02656 0.65926 -0.01367 0.67014 C -0.00807 0.675 -0.00208 0.67801 0.00391 0.68125 C 0.03112 0.6963 0.02305 0.69329 0.04766 0.69468 C 0.07995 0.69421 0.11367 0.70162 0.1457 0.68912 C 0.15039 0.68727 0.15508 0.68542 0.15951 0.68241 C 0.16172 0.68102 0.17513 0.66644 0.17578 0.66574 C 0.17852 0.6625 0.18112 0.65903 0.18386 0.65579 C 0.18594 0.65347 0.18815 0.65162 0.19011 0.64907 C 0.19193 0.64676 0.19336 0.64375 0.19518 0.64144 C 0.20169 0.63287 0.20847 0.625 0.21511 0.6169 C 0.21758 0.61389 0.22044 0.61181 0.22266 0.6081 C 0.22448 0.60463 0.22656 0.60162 0.22826 0.59792 C 0.2319 0.59051 0.23893 0.57454 0.23893 0.57454 C 0.24076 0.56528 0.24245 0.55602 0.24453 0.54676 C 0.2457 0.5412 0.24701 0.53588 0.24831 0.53009 C 0.24883 0.52731 0.25013 0.5213 0.25013 0.5213 C 0.25078 0.51412 0.24987 0.5162 0.2513 0.51343 " pathEditMode="relative" ptsTypes="AAAAAAAAAAAAAAAAAAAAAAAAAAAAAAAA">
+                                    <p:animMotion origin="layout" path="M -0.00052 -0.02871 L -0.00052 -0.02847 C -0.01406 -0.00278 -0.00534 -0.02084 -0.02305 0.02778 C -0.02383 0.03009 -0.03463 0.05949 -0.03555 0.06342 C -0.03672 0.06944 -0.03776 0.07546 -0.03919 0.08125 C -0.04088 0.08727 -0.04336 0.09282 -0.04492 0.09907 C -0.05 0.11967 -0.06654 0.19444 -0.06992 0.21782 C -0.07148 0.22986 -0.07331 0.24143 -0.07487 0.25347 C -0.07786 0.27778 -0.07904 0.29491 -0.08112 0.32014 C -0.08138 0.33055 -0.08151 0.34097 -0.08177 0.35116 C -0.08268 0.38889 -0.08398 0.3993 -0.08242 0.43796 C -0.0819 0.44768 -0.08112 0.45741 -0.07982 0.4669 C -0.07643 0.49328 -0.07422 0.5206 -0.06862 0.54583 C -0.06732 0.55139 -0.06654 0.55717 -0.06484 0.5625 C -0.05729 0.58657 -0.0526 0.61504 -0.04115 0.63356 C -0.03073 0.65023 -0.02656 0.65926 -0.01367 0.67014 C -0.0082 0.675 -0.00221 0.67801 0.00365 0.68125 C 0.03112 0.69629 0.02305 0.69328 0.04766 0.69467 C 0.07995 0.69421 0.11354 0.70162 0.14557 0.68912 C 0.15013 0.68727 0.15508 0.68541 0.15951 0.68241 C 0.16172 0.68102 0.17513 0.66643 0.17578 0.66574 C 0.17852 0.6625 0.18112 0.65903 0.18372 0.65578 C 0.18594 0.65347 0.18815 0.65162 0.1901 0.64907 C 0.19193 0.64676 0.19336 0.64375 0.19505 0.64143 C 0.20169 0.63287 0.20846 0.625 0.2151 0.6169 C 0.21758 0.61389 0.22044 0.6118 0.22253 0.6081 C 0.22448 0.60463 0.22656 0.60162 0.22826 0.59791 C 0.2319 0.59051 0.23893 0.57453 0.23893 0.57477 C 0.24076 0.56528 0.24245 0.55602 0.24453 0.54676 C 0.2457 0.5412 0.24701 0.53588 0.24831 0.53009 C 0.24883 0.52731 0.25013 0.52129 0.25013 0.52153 C 0.25078 0.51412 0.24987 0.5162 0.25117 0.51342 " pathEditMode="relative" rAng="0" ptsTypes="AAAAAAAAAAAAAAAAAAAAAAAAAAAAAAAA">
                                       <p:cBhvr>
-                                        <p:cTn id="155" dur="2000" fill="hold"/>
+                                        <p:cTn id="236" dur="2000" fill="hold"/>
                                         <p:tgtEl>
                                           <p:spTgt spid="87"/>
                                         </p:tgtEl>
@@ -10105,6 +11570,7 @@
                                           <p:attrName>ppt_y</p:attrName>
                                         </p:attrNameLst>
                                       </p:cBhvr>
+                                      <p:rCtr x="8451" y="36250"/>
                                     </p:animMotion>
                                   </p:childTnLst>
                                 </p:cTn>
@@ -10113,20 +11579,67 @@
                           </p:cTn>
                         </p:par>
                         <p:par>
-                          <p:cTn id="156" fill="hold">
+                          <p:cTn id="237" fill="hold">
                             <p:stCondLst>
-                              <p:cond delay="40500"/>
+                              <p:cond delay="60550"/>
                             </p:stCondLst>
                             <p:childTnLst>
                               <p:par>
-                                <p:cTn id="157" presetID="26" presetClass="emph" presetSubtype="0" fill="hold" grpId="7" nodeType="afterEffect">
+                                <p:cTn id="238" presetID="10" presetClass="entr" presetSubtype="0" fill="hold" grpId="0" nodeType="afterEffect">
+                                  <p:stCondLst>
+                                    <p:cond delay="0"/>
+                                  </p:stCondLst>
+                                  <p:iterate type="lt">
+                                    <p:tmPct val="10000"/>
+                                  </p:iterate>
+                                  <p:childTnLst>
+                                    <p:set>
+                                      <p:cBhvr>
+                                        <p:cTn id="239" dur="1" fill="hold">
+                                          <p:stCondLst>
+                                            <p:cond delay="0"/>
+                                          </p:stCondLst>
+                                        </p:cTn>
+                                        <p:tgtEl>
+                                          <p:spTgt spid="153"/>
+                                        </p:tgtEl>
+                                        <p:attrNameLst>
+                                          <p:attrName>style.visibility</p:attrName>
+                                        </p:attrNameLst>
+                                      </p:cBhvr>
+                                      <p:to>
+                                        <p:strVal val="visible"/>
+                                      </p:to>
+                                    </p:set>
+                                    <p:animEffect transition="in" filter="fade">
+                                      <p:cBhvr>
+                                        <p:cTn id="240" dur="500"/>
+                                        <p:tgtEl>
+                                          <p:spTgt spid="153"/>
+                                        </p:tgtEl>
+                                      </p:cBhvr>
+                                    </p:animEffect>
+                                  </p:childTnLst>
+                                </p:cTn>
+                              </p:par>
+                            </p:childTnLst>
+                          </p:cTn>
+                        </p:par>
+                        <p:par>
+                          <p:cTn id="241" fill="hold">
+                            <p:stCondLst>
+                              <p:cond delay="62200"/>
+                            </p:stCondLst>
+                            <p:childTnLst>
+                              <p:par>
+                                <p:cTn id="242" presetID="26" presetClass="emph" presetSubtype="0" fill="hold" grpId="7" nodeType="afterEffect">
                                   <p:stCondLst>
                                     <p:cond delay="0"/>
                                   </p:stCondLst>
                                   <p:childTnLst>
                                     <p:animEffect transition="out" filter="fade">
                                       <p:cBhvr>
-                                        <p:cTn id="158" dur="500" tmFilter="0, 0; .2, .5; .8, .5; 1, 0"/>
+                                        <p:cTn id="243" dur="500" tmFilter="0, 0; .2, .5; .8, .5; 1, 0"/>
                                         <p:tgtEl>
                                           <p:spTgt spid="4"/>
                                         </p:tgtEl>
@@ -10134,7 +11647,7 @@
                                     </p:animEffect>
                                     <p:animScale>
                                       <p:cBhvr>
-                                        <p:cTn id="159" dur="250" autoRev="1" fill="hold"/>
+                                        <p:cTn id="244" dur="250" autoRev="1" fill="hold"/>
                                         <p:tgtEl>
                                           <p:spTgt spid="4"/>
                                         </p:tgtEl>
@@ -10148,20 +11661,20 @@
                           </p:cTn>
                         </p:par>
                         <p:par>
-                          <p:cTn id="160" fill="hold">
+                          <p:cTn id="245" fill="hold">
                             <p:stCondLst>
-                              <p:cond delay="41000"/>
+                              <p:cond delay="62700"/>
                             </p:stCondLst>
                             <p:childTnLst>
                               <p:par>
-                                <p:cTn id="161" presetID="10" presetClass="entr" presetSubtype="0" fill="hold" nodeType="afterEffect">
+                                <p:cTn id="246" presetID="10" presetClass="entr" presetSubtype="0" fill="hold" nodeType="afterEffect">
                                   <p:stCondLst>
                                     <p:cond delay="0"/>
                                   </p:stCondLst>
                                   <p:childTnLst>
                                     <p:set>
                                       <p:cBhvr>
-                                        <p:cTn id="162" dur="1" fill="hold">
+                                        <p:cTn id="247" dur="1" fill="hold">
                                           <p:stCondLst>
                                             <p:cond delay="0"/>
                                           </p:stCondLst>
@@ -10179,7 +11692,7 @@
                                     </p:set>
                                     <p:animEffect transition="in" filter="fade">
                                       <p:cBhvr>
-                                        <p:cTn id="163" dur="500"/>
+                                        <p:cTn id="248" dur="500"/>
                                         <p:tgtEl>
                                           <p:spTgt spid="139"/>
                                         </p:tgtEl>
@@ -10192,20 +11705,20 @@
                           </p:cTn>
                         </p:par>
                         <p:par>
-                          <p:cTn id="164" fill="hold">
+                          <p:cTn id="249" fill="hold">
                             <p:stCondLst>
-                              <p:cond delay="41500"/>
+                              <p:cond delay="63200"/>
                             </p:stCondLst>
                             <p:childTnLst>
                               <p:par>
-                                <p:cTn id="165" presetID="26" presetClass="emph" presetSubtype="0" fill="hold" nodeType="afterEffect">
+                                <p:cTn id="250" presetID="26" presetClass="emph" presetSubtype="0" fill="hold" nodeType="afterEffect">
                                   <p:stCondLst>
                                     <p:cond delay="0"/>
                                   </p:stCondLst>
                                   <p:childTnLst>
                                     <p:animEffect transition="out" filter="fade">
                                       <p:cBhvr>
-                                        <p:cTn id="166" dur="500" tmFilter="0, 0; .2, .5; .8, .5; 1, 0"/>
+                                        <p:cTn id="251" dur="500" tmFilter="0, 0; .2, .5; .8, .5; 1, 0"/>
                                         <p:tgtEl>
                                           <p:spTgt spid="139"/>
                                         </p:tgtEl>
@@ -10213,7 +11726,7 @@
                                     </p:animEffect>
                                     <p:animScale>
                                       <p:cBhvr>
-                                        <p:cTn id="167" dur="250" autoRev="1" fill="hold"/>
+                                        <p:cTn id="252" dur="250" autoRev="1" fill="hold"/>
                                         <p:tgtEl>
                                           <p:spTgt spid="139"/>
                                         </p:tgtEl>
@@ -10259,7 +11772,2964 @@
       <p:bldP spid="4" grpId="5" animBg="1"/>
       <p:bldP spid="4" grpId="6" animBg="1"/>
       <p:bldP spid="4" grpId="7" animBg="1"/>
+      <p:bldP spid="50" grpId="0"/>
+      <p:bldP spid="50" grpId="1"/>
+      <p:bldP spid="147" grpId="0"/>
+      <p:bldP spid="147" grpId="1"/>
+      <p:bldP spid="148" grpId="0"/>
+      <p:bldP spid="148" grpId="1"/>
+      <p:bldP spid="149" grpId="0"/>
+      <p:bldP spid="149" grpId="1"/>
+      <p:bldP spid="150" grpId="0"/>
+      <p:bldP spid="150" grpId="1"/>
+      <p:bldP spid="151" grpId="0"/>
+      <p:bldP spid="151" grpId="1"/>
+      <p:bldP spid="152" grpId="0"/>
+      <p:bldP spid="152" grpId="1"/>
+      <p:bldP spid="153" grpId="0"/>
     </p:bldLst>
+  </p:timing>
+</p:sld>
+</file>
+
+<file path=ppt/slides/slide2.xml><?xml version="1.0" encoding="utf-8"?>
+<p:sld xmlns:a="http://schemas.openxmlformats.org/drawingml/2006/main" xmlns:r="http://schemas.openxmlformats.org/officeDocument/2006/relationships" xmlns:p="http://schemas.openxmlformats.org/presentationml/2006/main">
+  <p:cSld>
+    <p:spTree>
+      <p:nvGrpSpPr>
+        <p:cNvPr id="1" name=""/>
+        <p:cNvGrpSpPr/>
+        <p:nvPr/>
+      </p:nvGrpSpPr>
+      <p:grpSpPr>
+        <a:xfrm>
+          <a:off x="0" y="0"/>
+          <a:ext cx="0" cy="0"/>
+          <a:chOff x="0" y="0"/>
+          <a:chExt cx="0" cy="0"/>
+        </a:xfrm>
+      </p:grpSpPr>
+      <p:sp>
+        <p:nvSpPr>
+          <p:cNvPr id="4" name="Rectangle 3">
+            <a:extLst>
+              <a:ext uri="{FF2B5EF4-FFF2-40B4-BE49-F238E27FC236}">
+                <a16:creationId xmlns:a16="http://schemas.microsoft.com/office/drawing/2014/main" id="{489E8B76-57E3-42CD-BE8E-74BE83DEF45E}"/>
+              </a:ext>
+            </a:extLst>
+          </p:cNvPr>
+          <p:cNvSpPr/>
+          <p:nvPr/>
+        </p:nvSpPr>
+        <p:spPr>
+          <a:xfrm>
+            <a:off x="5839000" y="2034597"/>
+            <a:ext cx="2688772" cy="2525814"/>
+          </a:xfrm>
+          <a:prstGeom prst="rect">
+            <a:avLst/>
+          </a:prstGeom>
+          <a:solidFill>
+            <a:schemeClr val="accent2">
+              <a:lumMod val="60000"/>
+              <a:lumOff val="40000"/>
+            </a:schemeClr>
+          </a:solidFill>
+          <a:ln>
+            <a:noFill/>
+          </a:ln>
+        </p:spPr>
+        <p:style>
+          <a:lnRef idx="2">
+            <a:schemeClr val="accent1">
+              <a:shade val="50000"/>
+            </a:schemeClr>
+          </a:lnRef>
+          <a:fillRef idx="1">
+            <a:schemeClr val="accent1"/>
+          </a:fillRef>
+          <a:effectRef idx="0">
+            <a:schemeClr val="accent1"/>
+          </a:effectRef>
+          <a:fontRef idx="minor">
+            <a:schemeClr val="lt1"/>
+          </a:fontRef>
+        </p:style>
+        <p:txBody>
+          <a:bodyPr rtlCol="0" anchor="ctr"/>
+          <a:lstStyle/>
+          <a:p>
+            <a:pPr algn="ctr"/>
+            <a:r>
+              <a:rPr lang="en-US" dirty="0">
+                <a:solidFill>
+                  <a:schemeClr val="tx1"/>
+                </a:solidFill>
+              </a:rPr>
+              <a:t>Encoder RNN</a:t>
+            </a:r>
+            <a:endParaRPr lang="en-GB" dirty="0">
+              <a:solidFill>
+                <a:schemeClr val="tx1"/>
+              </a:solidFill>
+            </a:endParaRPr>
+          </a:p>
+        </p:txBody>
+      </p:sp>
+      <p:grpSp>
+        <p:nvGrpSpPr>
+          <p:cNvPr id="46" name="Group 45">
+            <a:extLst>
+              <a:ext uri="{FF2B5EF4-FFF2-40B4-BE49-F238E27FC236}">
+                <a16:creationId xmlns:a16="http://schemas.microsoft.com/office/drawing/2014/main" id="{7641BBF0-EA3F-424D-9578-7FFE7B514059}"/>
+              </a:ext>
+            </a:extLst>
+          </p:cNvPr>
+          <p:cNvGrpSpPr/>
+          <p:nvPr/>
+        </p:nvGrpSpPr>
+        <p:grpSpPr>
+          <a:xfrm>
+            <a:off x="1868779" y="517300"/>
+            <a:ext cx="1561011" cy="261610"/>
+            <a:chOff x="609600" y="1421728"/>
+            <a:chExt cx="1561011" cy="261610"/>
+          </a:xfrm>
+        </p:grpSpPr>
+        <p:grpSp>
+          <p:nvGrpSpPr>
+            <p:cNvPr id="35" name="Group 34">
+              <a:extLst>
+                <a:ext uri="{FF2B5EF4-FFF2-40B4-BE49-F238E27FC236}">
+                  <a16:creationId xmlns:a16="http://schemas.microsoft.com/office/drawing/2014/main" id="{08C110D0-C114-4E1C-A17E-FC52E4FDA90C}"/>
+                </a:ext>
+              </a:extLst>
+            </p:cNvPr>
+            <p:cNvGrpSpPr/>
+            <p:nvPr/>
+          </p:nvGrpSpPr>
+          <p:grpSpPr>
+            <a:xfrm>
+              <a:off x="609600" y="1464123"/>
+              <a:ext cx="783772" cy="185058"/>
+              <a:chOff x="609600" y="348342"/>
+              <a:chExt cx="783772" cy="185058"/>
+            </a:xfrm>
+          </p:grpSpPr>
+          <p:sp>
+            <p:nvSpPr>
+              <p:cNvPr id="36" name="Rectangle 35">
+                <a:extLst>
+                  <a:ext uri="{FF2B5EF4-FFF2-40B4-BE49-F238E27FC236}">
+                    <a16:creationId xmlns:a16="http://schemas.microsoft.com/office/drawing/2014/main" id="{4B56B3CC-E2B9-4D7A-A58F-22384683EEE0}"/>
+                  </a:ext>
+                </a:extLst>
+              </p:cNvPr>
+              <p:cNvSpPr/>
+              <p:nvPr/>
+            </p:nvSpPr>
+            <p:spPr>
+              <a:xfrm>
+                <a:off x="609600" y="348343"/>
+                <a:ext cx="195943" cy="185057"/>
+              </a:xfrm>
+              <a:prstGeom prst="rect">
+                <a:avLst/>
+              </a:prstGeom>
+              <a:solidFill>
+                <a:schemeClr val="accent6">
+                  <a:lumMod val="40000"/>
+                  <a:lumOff val="60000"/>
+                </a:schemeClr>
+              </a:solidFill>
+              <a:ln w="3175">
+                <a:solidFill>
+                  <a:schemeClr val="tx1"/>
+                </a:solidFill>
+              </a:ln>
+            </p:spPr>
+            <p:style>
+              <a:lnRef idx="2">
+                <a:schemeClr val="accent1">
+                  <a:shade val="50000"/>
+                </a:schemeClr>
+              </a:lnRef>
+              <a:fillRef idx="1">
+                <a:schemeClr val="accent1"/>
+              </a:fillRef>
+              <a:effectRef idx="0">
+                <a:schemeClr val="accent1"/>
+              </a:effectRef>
+              <a:fontRef idx="minor">
+                <a:schemeClr val="lt1"/>
+              </a:fontRef>
+            </p:style>
+            <p:txBody>
+              <a:bodyPr rtlCol="0" anchor="ctr"/>
+              <a:lstStyle/>
+              <a:p>
+                <a:pPr algn="ctr"/>
+                <a:endParaRPr lang="en-GB"/>
+              </a:p>
+            </p:txBody>
+          </p:sp>
+          <p:sp>
+            <p:nvSpPr>
+              <p:cNvPr id="37" name="Rectangle 36">
+                <a:extLst>
+                  <a:ext uri="{FF2B5EF4-FFF2-40B4-BE49-F238E27FC236}">
+                    <a16:creationId xmlns:a16="http://schemas.microsoft.com/office/drawing/2014/main" id="{04E9D443-FE66-4ACE-9196-B41333E89A81}"/>
+                  </a:ext>
+                </a:extLst>
+              </p:cNvPr>
+              <p:cNvSpPr/>
+              <p:nvPr/>
+            </p:nvSpPr>
+            <p:spPr>
+              <a:xfrm>
+                <a:off x="805543" y="348343"/>
+                <a:ext cx="195943" cy="185057"/>
+              </a:xfrm>
+              <a:prstGeom prst="rect">
+                <a:avLst/>
+              </a:prstGeom>
+              <a:solidFill>
+                <a:schemeClr val="accent6">
+                  <a:lumMod val="40000"/>
+                  <a:lumOff val="60000"/>
+                </a:schemeClr>
+              </a:solidFill>
+              <a:ln w="3175">
+                <a:solidFill>
+                  <a:schemeClr val="tx1"/>
+                </a:solidFill>
+              </a:ln>
+            </p:spPr>
+            <p:style>
+              <a:lnRef idx="2">
+                <a:schemeClr val="accent1">
+                  <a:shade val="50000"/>
+                </a:schemeClr>
+              </a:lnRef>
+              <a:fillRef idx="1">
+                <a:schemeClr val="accent1"/>
+              </a:fillRef>
+              <a:effectRef idx="0">
+                <a:schemeClr val="accent1"/>
+              </a:effectRef>
+              <a:fontRef idx="minor">
+                <a:schemeClr val="lt1"/>
+              </a:fontRef>
+            </p:style>
+            <p:txBody>
+              <a:bodyPr rtlCol="0" anchor="ctr"/>
+              <a:lstStyle/>
+              <a:p>
+                <a:pPr algn="ctr"/>
+                <a:endParaRPr lang="en-GB"/>
+              </a:p>
+            </p:txBody>
+          </p:sp>
+          <p:sp>
+            <p:nvSpPr>
+              <p:cNvPr id="38" name="Rectangle 37">
+                <a:extLst>
+                  <a:ext uri="{FF2B5EF4-FFF2-40B4-BE49-F238E27FC236}">
+                    <a16:creationId xmlns:a16="http://schemas.microsoft.com/office/drawing/2014/main" id="{96674FDC-0EA5-483D-8176-72F0EE9CE543}"/>
+                  </a:ext>
+                </a:extLst>
+              </p:cNvPr>
+              <p:cNvSpPr/>
+              <p:nvPr/>
+            </p:nvSpPr>
+            <p:spPr>
+              <a:xfrm>
+                <a:off x="1001486" y="348343"/>
+                <a:ext cx="195943" cy="185057"/>
+              </a:xfrm>
+              <a:prstGeom prst="rect">
+                <a:avLst/>
+              </a:prstGeom>
+              <a:solidFill>
+                <a:schemeClr val="accent6">
+                  <a:lumMod val="40000"/>
+                  <a:lumOff val="60000"/>
+                </a:schemeClr>
+              </a:solidFill>
+              <a:ln w="3175">
+                <a:solidFill>
+                  <a:schemeClr val="tx1"/>
+                </a:solidFill>
+              </a:ln>
+            </p:spPr>
+            <p:style>
+              <a:lnRef idx="2">
+                <a:schemeClr val="accent1">
+                  <a:shade val="50000"/>
+                </a:schemeClr>
+              </a:lnRef>
+              <a:fillRef idx="1">
+                <a:schemeClr val="accent1"/>
+              </a:fillRef>
+              <a:effectRef idx="0">
+                <a:schemeClr val="accent1"/>
+              </a:effectRef>
+              <a:fontRef idx="minor">
+                <a:schemeClr val="lt1"/>
+              </a:fontRef>
+            </p:style>
+            <p:txBody>
+              <a:bodyPr rtlCol="0" anchor="ctr"/>
+              <a:lstStyle/>
+              <a:p>
+                <a:pPr algn="ctr"/>
+                <a:endParaRPr lang="en-GB"/>
+              </a:p>
+            </p:txBody>
+          </p:sp>
+          <p:sp>
+            <p:nvSpPr>
+              <p:cNvPr id="39" name="Rectangle 38">
+                <a:extLst>
+                  <a:ext uri="{FF2B5EF4-FFF2-40B4-BE49-F238E27FC236}">
+                    <a16:creationId xmlns:a16="http://schemas.microsoft.com/office/drawing/2014/main" id="{E8D5AB6F-D966-4B24-87B6-AADB525DF965}"/>
+                  </a:ext>
+                </a:extLst>
+              </p:cNvPr>
+              <p:cNvSpPr/>
+              <p:nvPr/>
+            </p:nvSpPr>
+            <p:spPr>
+              <a:xfrm>
+                <a:off x="1197429" y="348342"/>
+                <a:ext cx="195943" cy="185057"/>
+              </a:xfrm>
+              <a:prstGeom prst="rect">
+                <a:avLst/>
+              </a:prstGeom>
+              <a:solidFill>
+                <a:schemeClr val="accent6">
+                  <a:lumMod val="40000"/>
+                  <a:lumOff val="60000"/>
+                </a:schemeClr>
+              </a:solidFill>
+              <a:ln w="3175">
+                <a:solidFill>
+                  <a:schemeClr val="tx1"/>
+                </a:solidFill>
+              </a:ln>
+            </p:spPr>
+            <p:style>
+              <a:lnRef idx="2">
+                <a:schemeClr val="accent1">
+                  <a:shade val="50000"/>
+                </a:schemeClr>
+              </a:lnRef>
+              <a:fillRef idx="1">
+                <a:schemeClr val="accent1"/>
+              </a:fillRef>
+              <a:effectRef idx="0">
+                <a:schemeClr val="accent1"/>
+              </a:effectRef>
+              <a:fontRef idx="minor">
+                <a:schemeClr val="lt1"/>
+              </a:fontRef>
+            </p:style>
+            <p:txBody>
+              <a:bodyPr rtlCol="0" anchor="ctr"/>
+              <a:lstStyle/>
+              <a:p>
+                <a:pPr algn="ctr"/>
+                <a:endParaRPr lang="en-GB"/>
+              </a:p>
+            </p:txBody>
+          </p:sp>
+        </p:grpSp>
+        <p:sp>
+          <p:nvSpPr>
+            <p:cNvPr id="2" name="TextBox 1">
+              <a:extLst>
+                <a:ext uri="{FF2B5EF4-FFF2-40B4-BE49-F238E27FC236}">
+                  <a16:creationId xmlns:a16="http://schemas.microsoft.com/office/drawing/2014/main" id="{624E1C30-99C1-4D61-88AA-526F689F8D71}"/>
+                </a:ext>
+              </a:extLst>
+            </p:cNvPr>
+            <p:cNvSpPr txBox="1"/>
+            <p:nvPr/>
+          </p:nvSpPr>
+          <p:spPr>
+            <a:xfrm>
+              <a:off x="1368334" y="1421728"/>
+              <a:ext cx="802277" cy="261610"/>
+            </a:xfrm>
+            <a:prstGeom prst="rect">
+              <a:avLst/>
+            </a:prstGeom>
+            <a:noFill/>
+          </p:spPr>
+          <p:txBody>
+            <a:bodyPr wrap="square" rtlCol="0">
+              <a:spAutoFit/>
+            </a:bodyPr>
+            <a:lstStyle/>
+            <a:p>
+              <a:r>
+                <a:rPr lang="en-US" sz="1100" b="1" dirty="0"/>
+                <a:t>Economic</a:t>
+              </a:r>
+              <a:endParaRPr lang="en-GB" sz="1100" b="1" dirty="0"/>
+            </a:p>
+          </p:txBody>
+        </p:sp>
+      </p:grpSp>
+      <p:grpSp>
+        <p:nvGrpSpPr>
+          <p:cNvPr id="54" name="Group 53">
+            <a:extLst>
+              <a:ext uri="{FF2B5EF4-FFF2-40B4-BE49-F238E27FC236}">
+                <a16:creationId xmlns:a16="http://schemas.microsoft.com/office/drawing/2014/main" id="{6B21B7BB-1682-4DE0-9A3C-06531879E653}"/>
+              </a:ext>
+            </a:extLst>
+          </p:cNvPr>
+          <p:cNvGrpSpPr/>
+          <p:nvPr/>
+        </p:nvGrpSpPr>
+        <p:grpSpPr>
+          <a:xfrm>
+            <a:off x="3805100" y="2776963"/>
+            <a:ext cx="1353640" cy="520541"/>
+            <a:chOff x="3138350" y="2225040"/>
+            <a:chExt cx="1353640" cy="520541"/>
+          </a:xfrm>
+        </p:grpSpPr>
+        <p:sp>
+          <p:nvSpPr>
+            <p:cNvPr id="3" name="Rectangle 2">
+              <a:extLst>
+                <a:ext uri="{FF2B5EF4-FFF2-40B4-BE49-F238E27FC236}">
+                  <a16:creationId xmlns:a16="http://schemas.microsoft.com/office/drawing/2014/main" id="{2ECF5032-BD94-463A-AE43-A2F5AB0E2E6E}"/>
+                </a:ext>
+              </a:extLst>
+            </p:cNvPr>
+            <p:cNvSpPr/>
+            <p:nvPr/>
+          </p:nvSpPr>
+          <p:spPr>
+            <a:xfrm>
+              <a:off x="3406140" y="2225040"/>
+              <a:ext cx="190500" cy="198120"/>
+            </a:xfrm>
+            <a:prstGeom prst="rect">
+              <a:avLst/>
+            </a:prstGeom>
+            <a:solidFill>
+              <a:schemeClr val="bg2"/>
+            </a:solidFill>
+            <a:ln w="3175">
+              <a:solidFill>
+                <a:schemeClr val="tx1"/>
+              </a:solidFill>
+            </a:ln>
+          </p:spPr>
+          <p:style>
+            <a:lnRef idx="2">
+              <a:schemeClr val="accent1">
+                <a:shade val="50000"/>
+              </a:schemeClr>
+            </a:lnRef>
+            <a:fillRef idx="1">
+              <a:schemeClr val="accent1"/>
+            </a:fillRef>
+            <a:effectRef idx="0">
+              <a:schemeClr val="accent1"/>
+            </a:effectRef>
+            <a:fontRef idx="minor">
+              <a:schemeClr val="lt1"/>
+            </a:fontRef>
+          </p:style>
+          <p:txBody>
+            <a:bodyPr rtlCol="0" anchor="ctr"/>
+            <a:lstStyle/>
+            <a:p>
+              <a:pPr algn="ctr"/>
+              <a:endParaRPr lang="en-GB"/>
+            </a:p>
+          </p:txBody>
+        </p:sp>
+        <p:sp>
+          <p:nvSpPr>
+            <p:cNvPr id="96" name="Rectangle 95">
+              <a:extLst>
+                <a:ext uri="{FF2B5EF4-FFF2-40B4-BE49-F238E27FC236}">
+                  <a16:creationId xmlns:a16="http://schemas.microsoft.com/office/drawing/2014/main" id="{0D9900F1-7663-43BC-927C-442796BBD1B5}"/>
+                </a:ext>
+              </a:extLst>
+            </p:cNvPr>
+            <p:cNvSpPr/>
+            <p:nvPr/>
+          </p:nvSpPr>
+          <p:spPr>
+            <a:xfrm>
+              <a:off x="3596640" y="2225040"/>
+              <a:ext cx="190500" cy="198120"/>
+            </a:xfrm>
+            <a:prstGeom prst="rect">
+              <a:avLst/>
+            </a:prstGeom>
+            <a:solidFill>
+              <a:schemeClr val="bg2"/>
+            </a:solidFill>
+            <a:ln w="3175">
+              <a:solidFill>
+                <a:schemeClr val="tx1"/>
+              </a:solidFill>
+            </a:ln>
+          </p:spPr>
+          <p:style>
+            <a:lnRef idx="2">
+              <a:schemeClr val="accent1">
+                <a:shade val="50000"/>
+              </a:schemeClr>
+            </a:lnRef>
+            <a:fillRef idx="1">
+              <a:schemeClr val="accent1"/>
+            </a:fillRef>
+            <a:effectRef idx="0">
+              <a:schemeClr val="accent1"/>
+            </a:effectRef>
+            <a:fontRef idx="minor">
+              <a:schemeClr val="lt1"/>
+            </a:fontRef>
+          </p:style>
+          <p:txBody>
+            <a:bodyPr rtlCol="0" anchor="ctr"/>
+            <a:lstStyle/>
+            <a:p>
+              <a:pPr algn="ctr"/>
+              <a:endParaRPr lang="en-GB"/>
+            </a:p>
+          </p:txBody>
+        </p:sp>
+        <p:sp>
+          <p:nvSpPr>
+            <p:cNvPr id="97" name="Rectangle 96">
+              <a:extLst>
+                <a:ext uri="{FF2B5EF4-FFF2-40B4-BE49-F238E27FC236}">
+                  <a16:creationId xmlns:a16="http://schemas.microsoft.com/office/drawing/2014/main" id="{391A2227-BF3A-4223-8BB3-081201BAC69C}"/>
+                </a:ext>
+              </a:extLst>
+            </p:cNvPr>
+            <p:cNvSpPr/>
+            <p:nvPr/>
+          </p:nvSpPr>
+          <p:spPr>
+            <a:xfrm>
+              <a:off x="3787140" y="2225040"/>
+              <a:ext cx="190500" cy="198120"/>
+            </a:xfrm>
+            <a:prstGeom prst="rect">
+              <a:avLst/>
+            </a:prstGeom>
+            <a:solidFill>
+              <a:schemeClr val="bg2"/>
+            </a:solidFill>
+            <a:ln w="3175">
+              <a:solidFill>
+                <a:schemeClr val="tx1"/>
+              </a:solidFill>
+            </a:ln>
+          </p:spPr>
+          <p:style>
+            <a:lnRef idx="2">
+              <a:schemeClr val="accent1">
+                <a:shade val="50000"/>
+              </a:schemeClr>
+            </a:lnRef>
+            <a:fillRef idx="1">
+              <a:schemeClr val="accent1"/>
+            </a:fillRef>
+            <a:effectRef idx="0">
+              <a:schemeClr val="accent1"/>
+            </a:effectRef>
+            <a:fontRef idx="minor">
+              <a:schemeClr val="lt1"/>
+            </a:fontRef>
+          </p:style>
+          <p:txBody>
+            <a:bodyPr rtlCol="0" anchor="ctr"/>
+            <a:lstStyle/>
+            <a:p>
+              <a:pPr algn="ctr"/>
+              <a:endParaRPr lang="en-GB"/>
+            </a:p>
+          </p:txBody>
+        </p:sp>
+        <p:sp>
+          <p:nvSpPr>
+            <p:cNvPr id="98" name="Rectangle 97">
+              <a:extLst>
+                <a:ext uri="{FF2B5EF4-FFF2-40B4-BE49-F238E27FC236}">
+                  <a16:creationId xmlns:a16="http://schemas.microsoft.com/office/drawing/2014/main" id="{E6EF1835-ABE3-4EB4-B245-E092F751E599}"/>
+                </a:ext>
+              </a:extLst>
+            </p:cNvPr>
+            <p:cNvSpPr/>
+            <p:nvPr/>
+          </p:nvSpPr>
+          <p:spPr>
+            <a:xfrm>
+              <a:off x="3977640" y="2225040"/>
+              <a:ext cx="190500" cy="198120"/>
+            </a:xfrm>
+            <a:prstGeom prst="rect">
+              <a:avLst/>
+            </a:prstGeom>
+            <a:solidFill>
+              <a:schemeClr val="bg2"/>
+            </a:solidFill>
+            <a:ln w="3175">
+              <a:solidFill>
+                <a:schemeClr val="tx1"/>
+              </a:solidFill>
+            </a:ln>
+          </p:spPr>
+          <p:style>
+            <a:lnRef idx="2">
+              <a:schemeClr val="accent1">
+                <a:shade val="50000"/>
+              </a:schemeClr>
+            </a:lnRef>
+            <a:fillRef idx="1">
+              <a:schemeClr val="accent1"/>
+            </a:fillRef>
+            <a:effectRef idx="0">
+              <a:schemeClr val="accent1"/>
+            </a:effectRef>
+            <a:fontRef idx="minor">
+              <a:schemeClr val="lt1"/>
+            </a:fontRef>
+          </p:style>
+          <p:txBody>
+            <a:bodyPr rtlCol="0" anchor="ctr"/>
+            <a:lstStyle/>
+            <a:p>
+              <a:pPr algn="ctr"/>
+              <a:endParaRPr lang="en-GB"/>
+            </a:p>
+          </p:txBody>
+        </p:sp>
+        <p:sp>
+          <p:nvSpPr>
+            <p:cNvPr id="47" name="TextBox 46">
+              <a:extLst>
+                <a:ext uri="{FF2B5EF4-FFF2-40B4-BE49-F238E27FC236}">
+                  <a16:creationId xmlns:a16="http://schemas.microsoft.com/office/drawing/2014/main" id="{0DF87895-A385-407A-84CD-3F36D3D8634F}"/>
+                </a:ext>
+              </a:extLst>
+            </p:cNvPr>
+            <p:cNvSpPr txBox="1"/>
+            <p:nvPr/>
+          </p:nvSpPr>
+          <p:spPr>
+            <a:xfrm>
+              <a:off x="3138350" y="2499360"/>
+              <a:ext cx="1353640" cy="246221"/>
+            </a:xfrm>
+            <a:prstGeom prst="rect">
+              <a:avLst/>
+            </a:prstGeom>
+            <a:noFill/>
+          </p:spPr>
+          <p:txBody>
+            <a:bodyPr wrap="square" rtlCol="0">
+              <a:spAutoFit/>
+            </a:bodyPr>
+            <a:lstStyle/>
+            <a:p>
+              <a:pPr algn="ctr"/>
+              <a:r>
+                <a:rPr lang="en-US" sz="1000" dirty="0"/>
+                <a:t>h0: Initial hidden state</a:t>
+              </a:r>
+              <a:endParaRPr lang="en-GB" sz="1000" dirty="0"/>
+            </a:p>
+          </p:txBody>
+        </p:sp>
+      </p:grpSp>
+      <p:grpSp>
+        <p:nvGrpSpPr>
+          <p:cNvPr id="146" name="Group 145">
+            <a:extLst>
+              <a:ext uri="{FF2B5EF4-FFF2-40B4-BE49-F238E27FC236}">
+                <a16:creationId xmlns:a16="http://schemas.microsoft.com/office/drawing/2014/main" id="{9D558A4B-DB2E-4821-9268-F80FE9EA2FA6}"/>
+              </a:ext>
+            </a:extLst>
+          </p:cNvPr>
+          <p:cNvGrpSpPr/>
+          <p:nvPr/>
+        </p:nvGrpSpPr>
+        <p:grpSpPr>
+          <a:xfrm>
+            <a:off x="1868779" y="690500"/>
+            <a:ext cx="1561011" cy="261610"/>
+            <a:chOff x="609600" y="1421728"/>
+            <a:chExt cx="1561011" cy="261610"/>
+          </a:xfrm>
+        </p:grpSpPr>
+        <p:grpSp>
+          <p:nvGrpSpPr>
+            <p:cNvPr id="147" name="Group 146">
+              <a:extLst>
+                <a:ext uri="{FF2B5EF4-FFF2-40B4-BE49-F238E27FC236}">
+                  <a16:creationId xmlns:a16="http://schemas.microsoft.com/office/drawing/2014/main" id="{5602C4AE-A54D-46DD-BE2B-F2531938FFBB}"/>
+                </a:ext>
+              </a:extLst>
+            </p:cNvPr>
+            <p:cNvGrpSpPr/>
+            <p:nvPr/>
+          </p:nvGrpSpPr>
+          <p:grpSpPr>
+            <a:xfrm>
+              <a:off x="609600" y="1464123"/>
+              <a:ext cx="783772" cy="185058"/>
+              <a:chOff x="609600" y="348342"/>
+              <a:chExt cx="783772" cy="185058"/>
+            </a:xfrm>
+          </p:grpSpPr>
+          <p:sp>
+            <p:nvSpPr>
+              <p:cNvPr id="149" name="Rectangle 148">
+                <a:extLst>
+                  <a:ext uri="{FF2B5EF4-FFF2-40B4-BE49-F238E27FC236}">
+                    <a16:creationId xmlns:a16="http://schemas.microsoft.com/office/drawing/2014/main" id="{9D45FFF0-19D0-4759-98DD-885FEF864964}"/>
+                  </a:ext>
+                </a:extLst>
+              </p:cNvPr>
+              <p:cNvSpPr/>
+              <p:nvPr/>
+            </p:nvSpPr>
+            <p:spPr>
+              <a:xfrm>
+                <a:off x="609600" y="348343"/>
+                <a:ext cx="195943" cy="185057"/>
+              </a:xfrm>
+              <a:prstGeom prst="rect">
+                <a:avLst/>
+              </a:prstGeom>
+              <a:solidFill>
+                <a:schemeClr val="accent6">
+                  <a:lumMod val="40000"/>
+                  <a:lumOff val="60000"/>
+                </a:schemeClr>
+              </a:solidFill>
+              <a:ln w="3175">
+                <a:solidFill>
+                  <a:schemeClr val="tx1"/>
+                </a:solidFill>
+              </a:ln>
+            </p:spPr>
+            <p:style>
+              <a:lnRef idx="2">
+                <a:schemeClr val="accent1">
+                  <a:shade val="50000"/>
+                </a:schemeClr>
+              </a:lnRef>
+              <a:fillRef idx="1">
+                <a:schemeClr val="accent1"/>
+              </a:fillRef>
+              <a:effectRef idx="0">
+                <a:schemeClr val="accent1"/>
+              </a:effectRef>
+              <a:fontRef idx="minor">
+                <a:schemeClr val="lt1"/>
+              </a:fontRef>
+            </p:style>
+            <p:txBody>
+              <a:bodyPr rtlCol="0" anchor="ctr"/>
+              <a:lstStyle/>
+              <a:p>
+                <a:pPr algn="ctr"/>
+                <a:endParaRPr lang="en-GB"/>
+              </a:p>
+            </p:txBody>
+          </p:sp>
+          <p:sp>
+            <p:nvSpPr>
+              <p:cNvPr id="150" name="Rectangle 149">
+                <a:extLst>
+                  <a:ext uri="{FF2B5EF4-FFF2-40B4-BE49-F238E27FC236}">
+                    <a16:creationId xmlns:a16="http://schemas.microsoft.com/office/drawing/2014/main" id="{F683E9D1-88F3-4C30-8401-61357808AA98}"/>
+                  </a:ext>
+                </a:extLst>
+              </p:cNvPr>
+              <p:cNvSpPr/>
+              <p:nvPr/>
+            </p:nvSpPr>
+            <p:spPr>
+              <a:xfrm>
+                <a:off x="805543" y="348343"/>
+                <a:ext cx="195943" cy="185057"/>
+              </a:xfrm>
+              <a:prstGeom prst="rect">
+                <a:avLst/>
+              </a:prstGeom>
+              <a:solidFill>
+                <a:schemeClr val="accent6">
+                  <a:lumMod val="40000"/>
+                  <a:lumOff val="60000"/>
+                </a:schemeClr>
+              </a:solidFill>
+              <a:ln w="3175">
+                <a:solidFill>
+                  <a:schemeClr val="tx1"/>
+                </a:solidFill>
+              </a:ln>
+            </p:spPr>
+            <p:style>
+              <a:lnRef idx="2">
+                <a:schemeClr val="accent1">
+                  <a:shade val="50000"/>
+                </a:schemeClr>
+              </a:lnRef>
+              <a:fillRef idx="1">
+                <a:schemeClr val="accent1"/>
+              </a:fillRef>
+              <a:effectRef idx="0">
+                <a:schemeClr val="accent1"/>
+              </a:effectRef>
+              <a:fontRef idx="minor">
+                <a:schemeClr val="lt1"/>
+              </a:fontRef>
+            </p:style>
+            <p:txBody>
+              <a:bodyPr rtlCol="0" anchor="ctr"/>
+              <a:lstStyle/>
+              <a:p>
+                <a:pPr algn="ctr"/>
+                <a:endParaRPr lang="en-GB"/>
+              </a:p>
+            </p:txBody>
+          </p:sp>
+          <p:sp>
+            <p:nvSpPr>
+              <p:cNvPr id="151" name="Rectangle 150">
+                <a:extLst>
+                  <a:ext uri="{FF2B5EF4-FFF2-40B4-BE49-F238E27FC236}">
+                    <a16:creationId xmlns:a16="http://schemas.microsoft.com/office/drawing/2014/main" id="{043A2A40-06F0-4DC5-B38F-8E6A2C30BF4B}"/>
+                  </a:ext>
+                </a:extLst>
+              </p:cNvPr>
+              <p:cNvSpPr/>
+              <p:nvPr/>
+            </p:nvSpPr>
+            <p:spPr>
+              <a:xfrm>
+                <a:off x="1001486" y="348343"/>
+                <a:ext cx="195943" cy="185057"/>
+              </a:xfrm>
+              <a:prstGeom prst="rect">
+                <a:avLst/>
+              </a:prstGeom>
+              <a:solidFill>
+                <a:schemeClr val="accent6">
+                  <a:lumMod val="40000"/>
+                  <a:lumOff val="60000"/>
+                </a:schemeClr>
+              </a:solidFill>
+              <a:ln w="3175">
+                <a:solidFill>
+                  <a:schemeClr val="tx1"/>
+                </a:solidFill>
+              </a:ln>
+            </p:spPr>
+            <p:style>
+              <a:lnRef idx="2">
+                <a:schemeClr val="accent1">
+                  <a:shade val="50000"/>
+                </a:schemeClr>
+              </a:lnRef>
+              <a:fillRef idx="1">
+                <a:schemeClr val="accent1"/>
+              </a:fillRef>
+              <a:effectRef idx="0">
+                <a:schemeClr val="accent1"/>
+              </a:effectRef>
+              <a:fontRef idx="minor">
+                <a:schemeClr val="lt1"/>
+              </a:fontRef>
+            </p:style>
+            <p:txBody>
+              <a:bodyPr rtlCol="0" anchor="ctr"/>
+              <a:lstStyle/>
+              <a:p>
+                <a:pPr algn="ctr"/>
+                <a:endParaRPr lang="en-GB"/>
+              </a:p>
+            </p:txBody>
+          </p:sp>
+          <p:sp>
+            <p:nvSpPr>
+              <p:cNvPr id="152" name="Rectangle 151">
+                <a:extLst>
+                  <a:ext uri="{FF2B5EF4-FFF2-40B4-BE49-F238E27FC236}">
+                    <a16:creationId xmlns:a16="http://schemas.microsoft.com/office/drawing/2014/main" id="{DADFFCDA-F212-4688-B589-D27988AAFEBD}"/>
+                  </a:ext>
+                </a:extLst>
+              </p:cNvPr>
+              <p:cNvSpPr/>
+              <p:nvPr/>
+            </p:nvSpPr>
+            <p:spPr>
+              <a:xfrm>
+                <a:off x="1197429" y="348342"/>
+                <a:ext cx="195943" cy="185057"/>
+              </a:xfrm>
+              <a:prstGeom prst="rect">
+                <a:avLst/>
+              </a:prstGeom>
+              <a:solidFill>
+                <a:schemeClr val="accent6">
+                  <a:lumMod val="40000"/>
+                  <a:lumOff val="60000"/>
+                </a:schemeClr>
+              </a:solidFill>
+              <a:ln w="3175">
+                <a:solidFill>
+                  <a:schemeClr val="tx1"/>
+                </a:solidFill>
+              </a:ln>
+            </p:spPr>
+            <p:style>
+              <a:lnRef idx="2">
+                <a:schemeClr val="accent1">
+                  <a:shade val="50000"/>
+                </a:schemeClr>
+              </a:lnRef>
+              <a:fillRef idx="1">
+                <a:schemeClr val="accent1"/>
+              </a:fillRef>
+              <a:effectRef idx="0">
+                <a:schemeClr val="accent1"/>
+              </a:effectRef>
+              <a:fontRef idx="minor">
+                <a:schemeClr val="lt1"/>
+              </a:fontRef>
+            </p:style>
+            <p:txBody>
+              <a:bodyPr rtlCol="0" anchor="ctr"/>
+              <a:lstStyle/>
+              <a:p>
+                <a:pPr algn="ctr"/>
+                <a:endParaRPr lang="en-GB"/>
+              </a:p>
+            </p:txBody>
+          </p:sp>
+        </p:grpSp>
+        <p:sp>
+          <p:nvSpPr>
+            <p:cNvPr id="148" name="TextBox 147">
+              <a:extLst>
+                <a:ext uri="{FF2B5EF4-FFF2-40B4-BE49-F238E27FC236}">
+                  <a16:creationId xmlns:a16="http://schemas.microsoft.com/office/drawing/2014/main" id="{8598B0A1-315C-476E-BC2F-A89DEB56A43E}"/>
+                </a:ext>
+              </a:extLst>
+            </p:cNvPr>
+            <p:cNvSpPr txBox="1"/>
+            <p:nvPr/>
+          </p:nvSpPr>
+          <p:spPr>
+            <a:xfrm>
+              <a:off x="1368334" y="1421728"/>
+              <a:ext cx="802277" cy="261610"/>
+            </a:xfrm>
+            <a:prstGeom prst="rect">
+              <a:avLst/>
+            </a:prstGeom>
+            <a:noFill/>
+          </p:spPr>
+          <p:txBody>
+            <a:bodyPr wrap="square" rtlCol="0">
+              <a:spAutoFit/>
+            </a:bodyPr>
+            <a:lstStyle/>
+            <a:p>
+              <a:r>
+                <a:rPr lang="en-US" sz="1100" b="1" dirty="0"/>
+                <a:t>growth</a:t>
+              </a:r>
+              <a:endParaRPr lang="en-GB" sz="1100" b="1" dirty="0"/>
+            </a:p>
+          </p:txBody>
+        </p:sp>
+      </p:grpSp>
+      <p:grpSp>
+        <p:nvGrpSpPr>
+          <p:cNvPr id="153" name="Group 152">
+            <a:extLst>
+              <a:ext uri="{FF2B5EF4-FFF2-40B4-BE49-F238E27FC236}">
+                <a16:creationId xmlns:a16="http://schemas.microsoft.com/office/drawing/2014/main" id="{1A12B93D-C5D6-4708-AF0C-0A4C6BB87170}"/>
+              </a:ext>
+            </a:extLst>
+          </p:cNvPr>
+          <p:cNvGrpSpPr/>
+          <p:nvPr/>
+        </p:nvGrpSpPr>
+        <p:grpSpPr>
+          <a:xfrm>
+            <a:off x="1868779" y="875557"/>
+            <a:ext cx="1561011" cy="261610"/>
+            <a:chOff x="609600" y="1421728"/>
+            <a:chExt cx="1561011" cy="261610"/>
+          </a:xfrm>
+        </p:grpSpPr>
+        <p:grpSp>
+          <p:nvGrpSpPr>
+            <p:cNvPr id="154" name="Group 153">
+              <a:extLst>
+                <a:ext uri="{FF2B5EF4-FFF2-40B4-BE49-F238E27FC236}">
+                  <a16:creationId xmlns:a16="http://schemas.microsoft.com/office/drawing/2014/main" id="{4C8F1139-8DF0-43D6-8FE4-C1A098B70692}"/>
+                </a:ext>
+              </a:extLst>
+            </p:cNvPr>
+            <p:cNvGrpSpPr/>
+            <p:nvPr/>
+          </p:nvGrpSpPr>
+          <p:grpSpPr>
+            <a:xfrm>
+              <a:off x="609600" y="1464123"/>
+              <a:ext cx="783772" cy="185058"/>
+              <a:chOff x="609600" y="348342"/>
+              <a:chExt cx="783772" cy="185058"/>
+            </a:xfrm>
+          </p:grpSpPr>
+          <p:sp>
+            <p:nvSpPr>
+              <p:cNvPr id="156" name="Rectangle 155">
+                <a:extLst>
+                  <a:ext uri="{FF2B5EF4-FFF2-40B4-BE49-F238E27FC236}">
+                    <a16:creationId xmlns:a16="http://schemas.microsoft.com/office/drawing/2014/main" id="{A7BD8FCC-31D3-4A7D-8F9A-9EB8F3198500}"/>
+                  </a:ext>
+                </a:extLst>
+              </p:cNvPr>
+              <p:cNvSpPr/>
+              <p:nvPr/>
+            </p:nvSpPr>
+            <p:spPr>
+              <a:xfrm>
+                <a:off x="609600" y="348343"/>
+                <a:ext cx="195943" cy="185057"/>
+              </a:xfrm>
+              <a:prstGeom prst="rect">
+                <a:avLst/>
+              </a:prstGeom>
+              <a:solidFill>
+                <a:schemeClr val="accent6">
+                  <a:lumMod val="40000"/>
+                  <a:lumOff val="60000"/>
+                </a:schemeClr>
+              </a:solidFill>
+              <a:ln w="3175">
+                <a:solidFill>
+                  <a:schemeClr val="tx1"/>
+                </a:solidFill>
+              </a:ln>
+            </p:spPr>
+            <p:style>
+              <a:lnRef idx="2">
+                <a:schemeClr val="accent1">
+                  <a:shade val="50000"/>
+                </a:schemeClr>
+              </a:lnRef>
+              <a:fillRef idx="1">
+                <a:schemeClr val="accent1"/>
+              </a:fillRef>
+              <a:effectRef idx="0">
+                <a:schemeClr val="accent1"/>
+              </a:effectRef>
+              <a:fontRef idx="minor">
+                <a:schemeClr val="lt1"/>
+              </a:fontRef>
+            </p:style>
+            <p:txBody>
+              <a:bodyPr rtlCol="0" anchor="ctr"/>
+              <a:lstStyle/>
+              <a:p>
+                <a:pPr algn="ctr"/>
+                <a:endParaRPr lang="en-GB"/>
+              </a:p>
+            </p:txBody>
+          </p:sp>
+          <p:sp>
+            <p:nvSpPr>
+              <p:cNvPr id="157" name="Rectangle 156">
+                <a:extLst>
+                  <a:ext uri="{FF2B5EF4-FFF2-40B4-BE49-F238E27FC236}">
+                    <a16:creationId xmlns:a16="http://schemas.microsoft.com/office/drawing/2014/main" id="{30E3537A-631B-4C3F-ACD0-B165FA1F6C4A}"/>
+                  </a:ext>
+                </a:extLst>
+              </p:cNvPr>
+              <p:cNvSpPr/>
+              <p:nvPr/>
+            </p:nvSpPr>
+            <p:spPr>
+              <a:xfrm>
+                <a:off x="805543" y="348343"/>
+                <a:ext cx="195943" cy="185057"/>
+              </a:xfrm>
+              <a:prstGeom prst="rect">
+                <a:avLst/>
+              </a:prstGeom>
+              <a:solidFill>
+                <a:schemeClr val="accent6">
+                  <a:lumMod val="40000"/>
+                  <a:lumOff val="60000"/>
+                </a:schemeClr>
+              </a:solidFill>
+              <a:ln w="3175">
+                <a:solidFill>
+                  <a:schemeClr val="tx1"/>
+                </a:solidFill>
+              </a:ln>
+            </p:spPr>
+            <p:style>
+              <a:lnRef idx="2">
+                <a:schemeClr val="accent1">
+                  <a:shade val="50000"/>
+                </a:schemeClr>
+              </a:lnRef>
+              <a:fillRef idx="1">
+                <a:schemeClr val="accent1"/>
+              </a:fillRef>
+              <a:effectRef idx="0">
+                <a:schemeClr val="accent1"/>
+              </a:effectRef>
+              <a:fontRef idx="minor">
+                <a:schemeClr val="lt1"/>
+              </a:fontRef>
+            </p:style>
+            <p:txBody>
+              <a:bodyPr rtlCol="0" anchor="ctr"/>
+              <a:lstStyle/>
+              <a:p>
+                <a:pPr algn="ctr"/>
+                <a:endParaRPr lang="en-GB"/>
+              </a:p>
+            </p:txBody>
+          </p:sp>
+          <p:sp>
+            <p:nvSpPr>
+              <p:cNvPr id="158" name="Rectangle 157">
+                <a:extLst>
+                  <a:ext uri="{FF2B5EF4-FFF2-40B4-BE49-F238E27FC236}">
+                    <a16:creationId xmlns:a16="http://schemas.microsoft.com/office/drawing/2014/main" id="{31B5EEE4-F370-4E1C-8761-A9712CB69920}"/>
+                  </a:ext>
+                </a:extLst>
+              </p:cNvPr>
+              <p:cNvSpPr/>
+              <p:nvPr/>
+            </p:nvSpPr>
+            <p:spPr>
+              <a:xfrm>
+                <a:off x="1001486" y="348343"/>
+                <a:ext cx="195943" cy="185057"/>
+              </a:xfrm>
+              <a:prstGeom prst="rect">
+                <a:avLst/>
+              </a:prstGeom>
+              <a:solidFill>
+                <a:schemeClr val="accent6">
+                  <a:lumMod val="40000"/>
+                  <a:lumOff val="60000"/>
+                </a:schemeClr>
+              </a:solidFill>
+              <a:ln w="3175">
+                <a:solidFill>
+                  <a:schemeClr val="tx1"/>
+                </a:solidFill>
+              </a:ln>
+            </p:spPr>
+            <p:style>
+              <a:lnRef idx="2">
+                <a:schemeClr val="accent1">
+                  <a:shade val="50000"/>
+                </a:schemeClr>
+              </a:lnRef>
+              <a:fillRef idx="1">
+                <a:schemeClr val="accent1"/>
+              </a:fillRef>
+              <a:effectRef idx="0">
+                <a:schemeClr val="accent1"/>
+              </a:effectRef>
+              <a:fontRef idx="minor">
+                <a:schemeClr val="lt1"/>
+              </a:fontRef>
+            </p:style>
+            <p:txBody>
+              <a:bodyPr rtlCol="0" anchor="ctr"/>
+              <a:lstStyle/>
+              <a:p>
+                <a:pPr algn="ctr"/>
+                <a:endParaRPr lang="en-GB"/>
+              </a:p>
+            </p:txBody>
+          </p:sp>
+          <p:sp>
+            <p:nvSpPr>
+              <p:cNvPr id="159" name="Rectangle 158">
+                <a:extLst>
+                  <a:ext uri="{FF2B5EF4-FFF2-40B4-BE49-F238E27FC236}">
+                    <a16:creationId xmlns:a16="http://schemas.microsoft.com/office/drawing/2014/main" id="{E9406D2C-1262-4D97-BA20-A8032B98885D}"/>
+                  </a:ext>
+                </a:extLst>
+              </p:cNvPr>
+              <p:cNvSpPr/>
+              <p:nvPr/>
+            </p:nvSpPr>
+            <p:spPr>
+              <a:xfrm>
+                <a:off x="1197429" y="348342"/>
+                <a:ext cx="195943" cy="185057"/>
+              </a:xfrm>
+              <a:prstGeom prst="rect">
+                <a:avLst/>
+              </a:prstGeom>
+              <a:solidFill>
+                <a:schemeClr val="accent6">
+                  <a:lumMod val="40000"/>
+                  <a:lumOff val="60000"/>
+                </a:schemeClr>
+              </a:solidFill>
+              <a:ln w="3175">
+                <a:solidFill>
+                  <a:schemeClr val="tx1"/>
+                </a:solidFill>
+              </a:ln>
+            </p:spPr>
+            <p:style>
+              <a:lnRef idx="2">
+                <a:schemeClr val="accent1">
+                  <a:shade val="50000"/>
+                </a:schemeClr>
+              </a:lnRef>
+              <a:fillRef idx="1">
+                <a:schemeClr val="accent1"/>
+              </a:fillRef>
+              <a:effectRef idx="0">
+                <a:schemeClr val="accent1"/>
+              </a:effectRef>
+              <a:fontRef idx="minor">
+                <a:schemeClr val="lt1"/>
+              </a:fontRef>
+            </p:style>
+            <p:txBody>
+              <a:bodyPr rtlCol="0" anchor="ctr"/>
+              <a:lstStyle/>
+              <a:p>
+                <a:pPr algn="ctr"/>
+                <a:endParaRPr lang="en-GB"/>
+              </a:p>
+            </p:txBody>
+          </p:sp>
+        </p:grpSp>
+        <p:sp>
+          <p:nvSpPr>
+            <p:cNvPr id="155" name="TextBox 154">
+              <a:extLst>
+                <a:ext uri="{FF2B5EF4-FFF2-40B4-BE49-F238E27FC236}">
+                  <a16:creationId xmlns:a16="http://schemas.microsoft.com/office/drawing/2014/main" id="{B45CFC0E-8279-413A-992A-056CFF0F3C8C}"/>
+                </a:ext>
+              </a:extLst>
+            </p:cNvPr>
+            <p:cNvSpPr txBox="1"/>
+            <p:nvPr/>
+          </p:nvSpPr>
+          <p:spPr>
+            <a:xfrm>
+              <a:off x="1368334" y="1421728"/>
+              <a:ext cx="802277" cy="261610"/>
+            </a:xfrm>
+            <a:prstGeom prst="rect">
+              <a:avLst/>
+            </a:prstGeom>
+            <a:noFill/>
+          </p:spPr>
+          <p:txBody>
+            <a:bodyPr wrap="square" rtlCol="0">
+              <a:spAutoFit/>
+            </a:bodyPr>
+            <a:lstStyle/>
+            <a:p>
+              <a:r>
+                <a:rPr lang="en-US" sz="1100" b="1" dirty="0"/>
+                <a:t>has</a:t>
+              </a:r>
+              <a:endParaRPr lang="en-GB" sz="1100" b="1" dirty="0"/>
+            </a:p>
+          </p:txBody>
+        </p:sp>
+      </p:grpSp>
+      <p:grpSp>
+        <p:nvGrpSpPr>
+          <p:cNvPr id="160" name="Group 159">
+            <a:extLst>
+              <a:ext uri="{FF2B5EF4-FFF2-40B4-BE49-F238E27FC236}">
+                <a16:creationId xmlns:a16="http://schemas.microsoft.com/office/drawing/2014/main" id="{07BF533D-5799-418A-92FC-A44573C505A0}"/>
+              </a:ext>
+            </a:extLst>
+          </p:cNvPr>
+          <p:cNvGrpSpPr/>
+          <p:nvPr/>
+        </p:nvGrpSpPr>
+        <p:grpSpPr>
+          <a:xfrm>
+            <a:off x="1868779" y="1057837"/>
+            <a:ext cx="1561011" cy="261610"/>
+            <a:chOff x="609600" y="1421728"/>
+            <a:chExt cx="1561011" cy="261610"/>
+          </a:xfrm>
+        </p:grpSpPr>
+        <p:grpSp>
+          <p:nvGrpSpPr>
+            <p:cNvPr id="161" name="Group 160">
+              <a:extLst>
+                <a:ext uri="{FF2B5EF4-FFF2-40B4-BE49-F238E27FC236}">
+                  <a16:creationId xmlns:a16="http://schemas.microsoft.com/office/drawing/2014/main" id="{8980187C-5661-4F7D-BD16-3CE8A2085FC9}"/>
+                </a:ext>
+              </a:extLst>
+            </p:cNvPr>
+            <p:cNvGrpSpPr/>
+            <p:nvPr/>
+          </p:nvGrpSpPr>
+          <p:grpSpPr>
+            <a:xfrm>
+              <a:off x="609600" y="1464123"/>
+              <a:ext cx="783772" cy="185058"/>
+              <a:chOff x="609600" y="348342"/>
+              <a:chExt cx="783772" cy="185058"/>
+            </a:xfrm>
+          </p:grpSpPr>
+          <p:sp>
+            <p:nvSpPr>
+              <p:cNvPr id="163" name="Rectangle 162">
+                <a:extLst>
+                  <a:ext uri="{FF2B5EF4-FFF2-40B4-BE49-F238E27FC236}">
+                    <a16:creationId xmlns:a16="http://schemas.microsoft.com/office/drawing/2014/main" id="{577B9F5B-D05B-4F68-A053-B431363A9402}"/>
+                  </a:ext>
+                </a:extLst>
+              </p:cNvPr>
+              <p:cNvSpPr/>
+              <p:nvPr/>
+            </p:nvSpPr>
+            <p:spPr>
+              <a:xfrm>
+                <a:off x="609600" y="348343"/>
+                <a:ext cx="195943" cy="185057"/>
+              </a:xfrm>
+              <a:prstGeom prst="rect">
+                <a:avLst/>
+              </a:prstGeom>
+              <a:solidFill>
+                <a:schemeClr val="accent6">
+                  <a:lumMod val="40000"/>
+                  <a:lumOff val="60000"/>
+                </a:schemeClr>
+              </a:solidFill>
+              <a:ln w="3175">
+                <a:solidFill>
+                  <a:schemeClr val="tx1"/>
+                </a:solidFill>
+              </a:ln>
+            </p:spPr>
+            <p:style>
+              <a:lnRef idx="2">
+                <a:schemeClr val="accent1">
+                  <a:shade val="50000"/>
+                </a:schemeClr>
+              </a:lnRef>
+              <a:fillRef idx="1">
+                <a:schemeClr val="accent1"/>
+              </a:fillRef>
+              <a:effectRef idx="0">
+                <a:schemeClr val="accent1"/>
+              </a:effectRef>
+              <a:fontRef idx="minor">
+                <a:schemeClr val="lt1"/>
+              </a:fontRef>
+            </p:style>
+            <p:txBody>
+              <a:bodyPr rtlCol="0" anchor="ctr"/>
+              <a:lstStyle/>
+              <a:p>
+                <a:pPr algn="ctr"/>
+                <a:endParaRPr lang="en-GB"/>
+              </a:p>
+            </p:txBody>
+          </p:sp>
+          <p:sp>
+            <p:nvSpPr>
+              <p:cNvPr id="164" name="Rectangle 163">
+                <a:extLst>
+                  <a:ext uri="{FF2B5EF4-FFF2-40B4-BE49-F238E27FC236}">
+                    <a16:creationId xmlns:a16="http://schemas.microsoft.com/office/drawing/2014/main" id="{8AD48BC4-B94C-4654-8C50-0EF055336BFC}"/>
+                  </a:ext>
+                </a:extLst>
+              </p:cNvPr>
+              <p:cNvSpPr/>
+              <p:nvPr/>
+            </p:nvSpPr>
+            <p:spPr>
+              <a:xfrm>
+                <a:off x="805543" y="348343"/>
+                <a:ext cx="195943" cy="185057"/>
+              </a:xfrm>
+              <a:prstGeom prst="rect">
+                <a:avLst/>
+              </a:prstGeom>
+              <a:solidFill>
+                <a:schemeClr val="accent6">
+                  <a:lumMod val="40000"/>
+                  <a:lumOff val="60000"/>
+                </a:schemeClr>
+              </a:solidFill>
+              <a:ln w="3175">
+                <a:solidFill>
+                  <a:schemeClr val="tx1"/>
+                </a:solidFill>
+              </a:ln>
+            </p:spPr>
+            <p:style>
+              <a:lnRef idx="2">
+                <a:schemeClr val="accent1">
+                  <a:shade val="50000"/>
+                </a:schemeClr>
+              </a:lnRef>
+              <a:fillRef idx="1">
+                <a:schemeClr val="accent1"/>
+              </a:fillRef>
+              <a:effectRef idx="0">
+                <a:schemeClr val="accent1"/>
+              </a:effectRef>
+              <a:fontRef idx="minor">
+                <a:schemeClr val="lt1"/>
+              </a:fontRef>
+            </p:style>
+            <p:txBody>
+              <a:bodyPr rtlCol="0" anchor="ctr"/>
+              <a:lstStyle/>
+              <a:p>
+                <a:pPr algn="ctr"/>
+                <a:endParaRPr lang="en-GB"/>
+              </a:p>
+            </p:txBody>
+          </p:sp>
+          <p:sp>
+            <p:nvSpPr>
+              <p:cNvPr id="165" name="Rectangle 164">
+                <a:extLst>
+                  <a:ext uri="{FF2B5EF4-FFF2-40B4-BE49-F238E27FC236}">
+                    <a16:creationId xmlns:a16="http://schemas.microsoft.com/office/drawing/2014/main" id="{E055BB9E-5A99-4439-9346-CCF9A11A31B5}"/>
+                  </a:ext>
+                </a:extLst>
+              </p:cNvPr>
+              <p:cNvSpPr/>
+              <p:nvPr/>
+            </p:nvSpPr>
+            <p:spPr>
+              <a:xfrm>
+                <a:off x="1001486" y="348343"/>
+                <a:ext cx="195943" cy="185057"/>
+              </a:xfrm>
+              <a:prstGeom prst="rect">
+                <a:avLst/>
+              </a:prstGeom>
+              <a:solidFill>
+                <a:schemeClr val="accent6">
+                  <a:lumMod val="40000"/>
+                  <a:lumOff val="60000"/>
+                </a:schemeClr>
+              </a:solidFill>
+              <a:ln w="3175">
+                <a:solidFill>
+                  <a:schemeClr val="tx1"/>
+                </a:solidFill>
+              </a:ln>
+            </p:spPr>
+            <p:style>
+              <a:lnRef idx="2">
+                <a:schemeClr val="accent1">
+                  <a:shade val="50000"/>
+                </a:schemeClr>
+              </a:lnRef>
+              <a:fillRef idx="1">
+                <a:schemeClr val="accent1"/>
+              </a:fillRef>
+              <a:effectRef idx="0">
+                <a:schemeClr val="accent1"/>
+              </a:effectRef>
+              <a:fontRef idx="minor">
+                <a:schemeClr val="lt1"/>
+              </a:fontRef>
+            </p:style>
+            <p:txBody>
+              <a:bodyPr rtlCol="0" anchor="ctr"/>
+              <a:lstStyle/>
+              <a:p>
+                <a:pPr algn="ctr"/>
+                <a:endParaRPr lang="en-GB"/>
+              </a:p>
+            </p:txBody>
+          </p:sp>
+          <p:sp>
+            <p:nvSpPr>
+              <p:cNvPr id="166" name="Rectangle 165">
+                <a:extLst>
+                  <a:ext uri="{FF2B5EF4-FFF2-40B4-BE49-F238E27FC236}">
+                    <a16:creationId xmlns:a16="http://schemas.microsoft.com/office/drawing/2014/main" id="{65D1D51B-30AC-4326-A8F6-F25621A11B54}"/>
+                  </a:ext>
+                </a:extLst>
+              </p:cNvPr>
+              <p:cNvSpPr/>
+              <p:nvPr/>
+            </p:nvSpPr>
+            <p:spPr>
+              <a:xfrm>
+                <a:off x="1197429" y="348342"/>
+                <a:ext cx="195943" cy="185057"/>
+              </a:xfrm>
+              <a:prstGeom prst="rect">
+                <a:avLst/>
+              </a:prstGeom>
+              <a:solidFill>
+                <a:schemeClr val="accent6">
+                  <a:lumMod val="40000"/>
+                  <a:lumOff val="60000"/>
+                </a:schemeClr>
+              </a:solidFill>
+              <a:ln w="3175">
+                <a:solidFill>
+                  <a:schemeClr val="tx1"/>
+                </a:solidFill>
+              </a:ln>
+            </p:spPr>
+            <p:style>
+              <a:lnRef idx="2">
+                <a:schemeClr val="accent1">
+                  <a:shade val="50000"/>
+                </a:schemeClr>
+              </a:lnRef>
+              <a:fillRef idx="1">
+                <a:schemeClr val="accent1"/>
+              </a:fillRef>
+              <a:effectRef idx="0">
+                <a:schemeClr val="accent1"/>
+              </a:effectRef>
+              <a:fontRef idx="minor">
+                <a:schemeClr val="lt1"/>
+              </a:fontRef>
+            </p:style>
+            <p:txBody>
+              <a:bodyPr rtlCol="0" anchor="ctr"/>
+              <a:lstStyle/>
+              <a:p>
+                <a:pPr algn="ctr"/>
+                <a:endParaRPr lang="en-GB"/>
+              </a:p>
+            </p:txBody>
+          </p:sp>
+        </p:grpSp>
+        <p:sp>
+          <p:nvSpPr>
+            <p:cNvPr id="162" name="TextBox 161">
+              <a:extLst>
+                <a:ext uri="{FF2B5EF4-FFF2-40B4-BE49-F238E27FC236}">
+                  <a16:creationId xmlns:a16="http://schemas.microsoft.com/office/drawing/2014/main" id="{7195A62B-F01A-40CE-9BBE-F85052C85A61}"/>
+                </a:ext>
+              </a:extLst>
+            </p:cNvPr>
+            <p:cNvSpPr txBox="1"/>
+            <p:nvPr/>
+          </p:nvSpPr>
+          <p:spPr>
+            <a:xfrm>
+              <a:off x="1368334" y="1421728"/>
+              <a:ext cx="802277" cy="261610"/>
+            </a:xfrm>
+            <a:prstGeom prst="rect">
+              <a:avLst/>
+            </a:prstGeom>
+            <a:noFill/>
+          </p:spPr>
+          <p:txBody>
+            <a:bodyPr wrap="square" rtlCol="0">
+              <a:spAutoFit/>
+            </a:bodyPr>
+            <a:lstStyle/>
+            <a:p>
+              <a:r>
+                <a:rPr lang="en-US" sz="1100" b="1" dirty="0"/>
+                <a:t>slowed</a:t>
+              </a:r>
+              <a:endParaRPr lang="en-GB" sz="1100" b="1" dirty="0"/>
+            </a:p>
+          </p:txBody>
+        </p:sp>
+      </p:grpSp>
+      <p:grpSp>
+        <p:nvGrpSpPr>
+          <p:cNvPr id="167" name="Group 166">
+            <a:extLst>
+              <a:ext uri="{FF2B5EF4-FFF2-40B4-BE49-F238E27FC236}">
+                <a16:creationId xmlns:a16="http://schemas.microsoft.com/office/drawing/2014/main" id="{4EF03C59-E95E-4C69-B8CC-2489C1417892}"/>
+              </a:ext>
+            </a:extLst>
+          </p:cNvPr>
+          <p:cNvGrpSpPr/>
+          <p:nvPr/>
+        </p:nvGrpSpPr>
+        <p:grpSpPr>
+          <a:xfrm>
+            <a:off x="1868779" y="1240348"/>
+            <a:ext cx="1561011" cy="261610"/>
+            <a:chOff x="609600" y="1421728"/>
+            <a:chExt cx="1561011" cy="261610"/>
+          </a:xfrm>
+        </p:grpSpPr>
+        <p:grpSp>
+          <p:nvGrpSpPr>
+            <p:cNvPr id="168" name="Group 167">
+              <a:extLst>
+                <a:ext uri="{FF2B5EF4-FFF2-40B4-BE49-F238E27FC236}">
+                  <a16:creationId xmlns:a16="http://schemas.microsoft.com/office/drawing/2014/main" id="{CDD6063C-C034-42AC-83F3-C2F5F98963E5}"/>
+                </a:ext>
+              </a:extLst>
+            </p:cNvPr>
+            <p:cNvGrpSpPr/>
+            <p:nvPr/>
+          </p:nvGrpSpPr>
+          <p:grpSpPr>
+            <a:xfrm>
+              <a:off x="609600" y="1464123"/>
+              <a:ext cx="783772" cy="185058"/>
+              <a:chOff x="609600" y="348342"/>
+              <a:chExt cx="783772" cy="185058"/>
+            </a:xfrm>
+          </p:grpSpPr>
+          <p:sp>
+            <p:nvSpPr>
+              <p:cNvPr id="170" name="Rectangle 169">
+                <a:extLst>
+                  <a:ext uri="{FF2B5EF4-FFF2-40B4-BE49-F238E27FC236}">
+                    <a16:creationId xmlns:a16="http://schemas.microsoft.com/office/drawing/2014/main" id="{BE520CDF-02EA-4D23-A83D-897F4566FD53}"/>
+                  </a:ext>
+                </a:extLst>
+              </p:cNvPr>
+              <p:cNvSpPr/>
+              <p:nvPr/>
+            </p:nvSpPr>
+            <p:spPr>
+              <a:xfrm>
+                <a:off x="609600" y="348343"/>
+                <a:ext cx="195943" cy="185057"/>
+              </a:xfrm>
+              <a:prstGeom prst="rect">
+                <a:avLst/>
+              </a:prstGeom>
+              <a:solidFill>
+                <a:schemeClr val="accent6">
+                  <a:lumMod val="40000"/>
+                  <a:lumOff val="60000"/>
+                </a:schemeClr>
+              </a:solidFill>
+              <a:ln w="3175">
+                <a:solidFill>
+                  <a:schemeClr val="tx1"/>
+                </a:solidFill>
+              </a:ln>
+            </p:spPr>
+            <p:style>
+              <a:lnRef idx="2">
+                <a:schemeClr val="accent1">
+                  <a:shade val="50000"/>
+                </a:schemeClr>
+              </a:lnRef>
+              <a:fillRef idx="1">
+                <a:schemeClr val="accent1"/>
+              </a:fillRef>
+              <a:effectRef idx="0">
+                <a:schemeClr val="accent1"/>
+              </a:effectRef>
+              <a:fontRef idx="minor">
+                <a:schemeClr val="lt1"/>
+              </a:fontRef>
+            </p:style>
+            <p:txBody>
+              <a:bodyPr rtlCol="0" anchor="ctr"/>
+              <a:lstStyle/>
+              <a:p>
+                <a:pPr algn="ctr"/>
+                <a:endParaRPr lang="en-GB"/>
+              </a:p>
+            </p:txBody>
+          </p:sp>
+          <p:sp>
+            <p:nvSpPr>
+              <p:cNvPr id="171" name="Rectangle 170">
+                <a:extLst>
+                  <a:ext uri="{FF2B5EF4-FFF2-40B4-BE49-F238E27FC236}">
+                    <a16:creationId xmlns:a16="http://schemas.microsoft.com/office/drawing/2014/main" id="{6FD547D2-6F16-4077-866D-46CDD4EC2CEC}"/>
+                  </a:ext>
+                </a:extLst>
+              </p:cNvPr>
+              <p:cNvSpPr/>
+              <p:nvPr/>
+            </p:nvSpPr>
+            <p:spPr>
+              <a:xfrm>
+                <a:off x="805543" y="348343"/>
+                <a:ext cx="195943" cy="185057"/>
+              </a:xfrm>
+              <a:prstGeom prst="rect">
+                <a:avLst/>
+              </a:prstGeom>
+              <a:solidFill>
+                <a:schemeClr val="accent6">
+                  <a:lumMod val="40000"/>
+                  <a:lumOff val="60000"/>
+                </a:schemeClr>
+              </a:solidFill>
+              <a:ln w="3175">
+                <a:solidFill>
+                  <a:schemeClr val="tx1"/>
+                </a:solidFill>
+              </a:ln>
+            </p:spPr>
+            <p:style>
+              <a:lnRef idx="2">
+                <a:schemeClr val="accent1">
+                  <a:shade val="50000"/>
+                </a:schemeClr>
+              </a:lnRef>
+              <a:fillRef idx="1">
+                <a:schemeClr val="accent1"/>
+              </a:fillRef>
+              <a:effectRef idx="0">
+                <a:schemeClr val="accent1"/>
+              </a:effectRef>
+              <a:fontRef idx="minor">
+                <a:schemeClr val="lt1"/>
+              </a:fontRef>
+            </p:style>
+            <p:txBody>
+              <a:bodyPr rtlCol="0" anchor="ctr"/>
+              <a:lstStyle/>
+              <a:p>
+                <a:pPr algn="ctr"/>
+                <a:endParaRPr lang="en-GB"/>
+              </a:p>
+            </p:txBody>
+          </p:sp>
+          <p:sp>
+            <p:nvSpPr>
+              <p:cNvPr id="172" name="Rectangle 171">
+                <a:extLst>
+                  <a:ext uri="{FF2B5EF4-FFF2-40B4-BE49-F238E27FC236}">
+                    <a16:creationId xmlns:a16="http://schemas.microsoft.com/office/drawing/2014/main" id="{455E131F-8705-425B-8B86-E0F5C4DF09F4}"/>
+                  </a:ext>
+                </a:extLst>
+              </p:cNvPr>
+              <p:cNvSpPr/>
+              <p:nvPr/>
+            </p:nvSpPr>
+            <p:spPr>
+              <a:xfrm>
+                <a:off x="1001486" y="348343"/>
+                <a:ext cx="195943" cy="185057"/>
+              </a:xfrm>
+              <a:prstGeom prst="rect">
+                <a:avLst/>
+              </a:prstGeom>
+              <a:solidFill>
+                <a:schemeClr val="accent6">
+                  <a:lumMod val="40000"/>
+                  <a:lumOff val="60000"/>
+                </a:schemeClr>
+              </a:solidFill>
+              <a:ln w="3175">
+                <a:solidFill>
+                  <a:schemeClr val="tx1"/>
+                </a:solidFill>
+              </a:ln>
+            </p:spPr>
+            <p:style>
+              <a:lnRef idx="2">
+                <a:schemeClr val="accent1">
+                  <a:shade val="50000"/>
+                </a:schemeClr>
+              </a:lnRef>
+              <a:fillRef idx="1">
+                <a:schemeClr val="accent1"/>
+              </a:fillRef>
+              <a:effectRef idx="0">
+                <a:schemeClr val="accent1"/>
+              </a:effectRef>
+              <a:fontRef idx="minor">
+                <a:schemeClr val="lt1"/>
+              </a:fontRef>
+            </p:style>
+            <p:txBody>
+              <a:bodyPr rtlCol="0" anchor="ctr"/>
+              <a:lstStyle/>
+              <a:p>
+                <a:pPr algn="ctr"/>
+                <a:endParaRPr lang="en-GB"/>
+              </a:p>
+            </p:txBody>
+          </p:sp>
+          <p:sp>
+            <p:nvSpPr>
+              <p:cNvPr id="173" name="Rectangle 172">
+                <a:extLst>
+                  <a:ext uri="{FF2B5EF4-FFF2-40B4-BE49-F238E27FC236}">
+                    <a16:creationId xmlns:a16="http://schemas.microsoft.com/office/drawing/2014/main" id="{6949FCCE-765D-4E46-826A-DDFF4FD24266}"/>
+                  </a:ext>
+                </a:extLst>
+              </p:cNvPr>
+              <p:cNvSpPr/>
+              <p:nvPr/>
+            </p:nvSpPr>
+            <p:spPr>
+              <a:xfrm>
+                <a:off x="1197429" y="348342"/>
+                <a:ext cx="195943" cy="185057"/>
+              </a:xfrm>
+              <a:prstGeom prst="rect">
+                <a:avLst/>
+              </a:prstGeom>
+              <a:solidFill>
+                <a:schemeClr val="accent6">
+                  <a:lumMod val="40000"/>
+                  <a:lumOff val="60000"/>
+                </a:schemeClr>
+              </a:solidFill>
+              <a:ln w="3175">
+                <a:solidFill>
+                  <a:schemeClr val="tx1"/>
+                </a:solidFill>
+              </a:ln>
+            </p:spPr>
+            <p:style>
+              <a:lnRef idx="2">
+                <a:schemeClr val="accent1">
+                  <a:shade val="50000"/>
+                </a:schemeClr>
+              </a:lnRef>
+              <a:fillRef idx="1">
+                <a:schemeClr val="accent1"/>
+              </a:fillRef>
+              <a:effectRef idx="0">
+                <a:schemeClr val="accent1"/>
+              </a:effectRef>
+              <a:fontRef idx="minor">
+                <a:schemeClr val="lt1"/>
+              </a:fontRef>
+            </p:style>
+            <p:txBody>
+              <a:bodyPr rtlCol="0" anchor="ctr"/>
+              <a:lstStyle/>
+              <a:p>
+                <a:pPr algn="ctr"/>
+                <a:endParaRPr lang="en-GB"/>
+              </a:p>
+            </p:txBody>
+          </p:sp>
+        </p:grpSp>
+        <p:sp>
+          <p:nvSpPr>
+            <p:cNvPr id="169" name="TextBox 168">
+              <a:extLst>
+                <a:ext uri="{FF2B5EF4-FFF2-40B4-BE49-F238E27FC236}">
+                  <a16:creationId xmlns:a16="http://schemas.microsoft.com/office/drawing/2014/main" id="{596288F6-F284-481C-89D1-A217023EA6C8}"/>
+                </a:ext>
+              </a:extLst>
+            </p:cNvPr>
+            <p:cNvSpPr txBox="1"/>
+            <p:nvPr/>
+          </p:nvSpPr>
+          <p:spPr>
+            <a:xfrm>
+              <a:off x="1368334" y="1421728"/>
+              <a:ext cx="802277" cy="261610"/>
+            </a:xfrm>
+            <a:prstGeom prst="rect">
+              <a:avLst/>
+            </a:prstGeom>
+            <a:noFill/>
+          </p:spPr>
+          <p:txBody>
+            <a:bodyPr wrap="square" rtlCol="0">
+              <a:spAutoFit/>
+            </a:bodyPr>
+            <a:lstStyle/>
+            <a:p>
+              <a:r>
+                <a:rPr lang="en-US" sz="1100" b="1" dirty="0"/>
+                <a:t>down</a:t>
+              </a:r>
+              <a:endParaRPr lang="en-GB" sz="1100" b="1" dirty="0"/>
+            </a:p>
+          </p:txBody>
+        </p:sp>
+      </p:grpSp>
+      <p:grpSp>
+        <p:nvGrpSpPr>
+          <p:cNvPr id="174" name="Group 173">
+            <a:extLst>
+              <a:ext uri="{FF2B5EF4-FFF2-40B4-BE49-F238E27FC236}">
+                <a16:creationId xmlns:a16="http://schemas.microsoft.com/office/drawing/2014/main" id="{CD14961A-3A2B-435E-BEE4-8643531D81A5}"/>
+              </a:ext>
+            </a:extLst>
+          </p:cNvPr>
+          <p:cNvGrpSpPr/>
+          <p:nvPr/>
+        </p:nvGrpSpPr>
+        <p:grpSpPr>
+          <a:xfrm>
+            <a:off x="1868779" y="1422628"/>
+            <a:ext cx="1561011" cy="261610"/>
+            <a:chOff x="609600" y="1421728"/>
+            <a:chExt cx="1561011" cy="261610"/>
+          </a:xfrm>
+        </p:grpSpPr>
+        <p:grpSp>
+          <p:nvGrpSpPr>
+            <p:cNvPr id="175" name="Group 174">
+              <a:extLst>
+                <a:ext uri="{FF2B5EF4-FFF2-40B4-BE49-F238E27FC236}">
+                  <a16:creationId xmlns:a16="http://schemas.microsoft.com/office/drawing/2014/main" id="{D157ED52-0CBF-420F-A1A9-D26AD0EFF99B}"/>
+                </a:ext>
+              </a:extLst>
+            </p:cNvPr>
+            <p:cNvGrpSpPr/>
+            <p:nvPr/>
+          </p:nvGrpSpPr>
+          <p:grpSpPr>
+            <a:xfrm>
+              <a:off x="609600" y="1464123"/>
+              <a:ext cx="783772" cy="185058"/>
+              <a:chOff x="609600" y="348342"/>
+              <a:chExt cx="783772" cy="185058"/>
+            </a:xfrm>
+          </p:grpSpPr>
+          <p:sp>
+            <p:nvSpPr>
+              <p:cNvPr id="177" name="Rectangle 176">
+                <a:extLst>
+                  <a:ext uri="{FF2B5EF4-FFF2-40B4-BE49-F238E27FC236}">
+                    <a16:creationId xmlns:a16="http://schemas.microsoft.com/office/drawing/2014/main" id="{70E9F9E4-000D-4A36-BCD4-0F42CD16794D}"/>
+                  </a:ext>
+                </a:extLst>
+              </p:cNvPr>
+              <p:cNvSpPr/>
+              <p:nvPr/>
+            </p:nvSpPr>
+            <p:spPr>
+              <a:xfrm>
+                <a:off x="609600" y="348343"/>
+                <a:ext cx="195943" cy="185057"/>
+              </a:xfrm>
+              <a:prstGeom prst="rect">
+                <a:avLst/>
+              </a:prstGeom>
+              <a:solidFill>
+                <a:schemeClr val="accent6">
+                  <a:lumMod val="40000"/>
+                  <a:lumOff val="60000"/>
+                </a:schemeClr>
+              </a:solidFill>
+              <a:ln w="3175">
+                <a:solidFill>
+                  <a:schemeClr val="tx1"/>
+                </a:solidFill>
+              </a:ln>
+            </p:spPr>
+            <p:style>
+              <a:lnRef idx="2">
+                <a:schemeClr val="accent1">
+                  <a:shade val="50000"/>
+                </a:schemeClr>
+              </a:lnRef>
+              <a:fillRef idx="1">
+                <a:schemeClr val="accent1"/>
+              </a:fillRef>
+              <a:effectRef idx="0">
+                <a:schemeClr val="accent1"/>
+              </a:effectRef>
+              <a:fontRef idx="minor">
+                <a:schemeClr val="lt1"/>
+              </a:fontRef>
+            </p:style>
+            <p:txBody>
+              <a:bodyPr rtlCol="0" anchor="ctr"/>
+              <a:lstStyle/>
+              <a:p>
+                <a:pPr algn="ctr"/>
+                <a:endParaRPr lang="en-GB"/>
+              </a:p>
+            </p:txBody>
+          </p:sp>
+          <p:sp>
+            <p:nvSpPr>
+              <p:cNvPr id="178" name="Rectangle 177">
+                <a:extLst>
+                  <a:ext uri="{FF2B5EF4-FFF2-40B4-BE49-F238E27FC236}">
+                    <a16:creationId xmlns:a16="http://schemas.microsoft.com/office/drawing/2014/main" id="{64A8033B-BF5D-477E-B3E9-72D0E8FAC8A2}"/>
+                  </a:ext>
+                </a:extLst>
+              </p:cNvPr>
+              <p:cNvSpPr/>
+              <p:nvPr/>
+            </p:nvSpPr>
+            <p:spPr>
+              <a:xfrm>
+                <a:off x="805543" y="348343"/>
+                <a:ext cx="195943" cy="185057"/>
+              </a:xfrm>
+              <a:prstGeom prst="rect">
+                <a:avLst/>
+              </a:prstGeom>
+              <a:solidFill>
+                <a:schemeClr val="accent6">
+                  <a:lumMod val="40000"/>
+                  <a:lumOff val="60000"/>
+                </a:schemeClr>
+              </a:solidFill>
+              <a:ln w="3175">
+                <a:solidFill>
+                  <a:schemeClr val="tx1"/>
+                </a:solidFill>
+              </a:ln>
+            </p:spPr>
+            <p:style>
+              <a:lnRef idx="2">
+                <a:schemeClr val="accent1">
+                  <a:shade val="50000"/>
+                </a:schemeClr>
+              </a:lnRef>
+              <a:fillRef idx="1">
+                <a:schemeClr val="accent1"/>
+              </a:fillRef>
+              <a:effectRef idx="0">
+                <a:schemeClr val="accent1"/>
+              </a:effectRef>
+              <a:fontRef idx="minor">
+                <a:schemeClr val="lt1"/>
+              </a:fontRef>
+            </p:style>
+            <p:txBody>
+              <a:bodyPr rtlCol="0" anchor="ctr"/>
+              <a:lstStyle/>
+              <a:p>
+                <a:pPr algn="ctr"/>
+                <a:endParaRPr lang="en-GB"/>
+              </a:p>
+            </p:txBody>
+          </p:sp>
+          <p:sp>
+            <p:nvSpPr>
+              <p:cNvPr id="179" name="Rectangle 178">
+                <a:extLst>
+                  <a:ext uri="{FF2B5EF4-FFF2-40B4-BE49-F238E27FC236}">
+                    <a16:creationId xmlns:a16="http://schemas.microsoft.com/office/drawing/2014/main" id="{B0F53CBC-34EE-47D2-8ED7-C6F9B6F08105}"/>
+                  </a:ext>
+                </a:extLst>
+              </p:cNvPr>
+              <p:cNvSpPr/>
+              <p:nvPr/>
+            </p:nvSpPr>
+            <p:spPr>
+              <a:xfrm>
+                <a:off x="1001486" y="348343"/>
+                <a:ext cx="195943" cy="185057"/>
+              </a:xfrm>
+              <a:prstGeom prst="rect">
+                <a:avLst/>
+              </a:prstGeom>
+              <a:solidFill>
+                <a:schemeClr val="accent6">
+                  <a:lumMod val="40000"/>
+                  <a:lumOff val="60000"/>
+                </a:schemeClr>
+              </a:solidFill>
+              <a:ln w="3175">
+                <a:solidFill>
+                  <a:schemeClr val="tx1"/>
+                </a:solidFill>
+              </a:ln>
+            </p:spPr>
+            <p:style>
+              <a:lnRef idx="2">
+                <a:schemeClr val="accent1">
+                  <a:shade val="50000"/>
+                </a:schemeClr>
+              </a:lnRef>
+              <a:fillRef idx="1">
+                <a:schemeClr val="accent1"/>
+              </a:fillRef>
+              <a:effectRef idx="0">
+                <a:schemeClr val="accent1"/>
+              </a:effectRef>
+              <a:fontRef idx="minor">
+                <a:schemeClr val="lt1"/>
+              </a:fontRef>
+            </p:style>
+            <p:txBody>
+              <a:bodyPr rtlCol="0" anchor="ctr"/>
+              <a:lstStyle/>
+              <a:p>
+                <a:pPr algn="ctr"/>
+                <a:endParaRPr lang="en-GB"/>
+              </a:p>
+            </p:txBody>
+          </p:sp>
+          <p:sp>
+            <p:nvSpPr>
+              <p:cNvPr id="180" name="Rectangle 179">
+                <a:extLst>
+                  <a:ext uri="{FF2B5EF4-FFF2-40B4-BE49-F238E27FC236}">
+                    <a16:creationId xmlns:a16="http://schemas.microsoft.com/office/drawing/2014/main" id="{8BFBC7DE-45F5-4724-B5BA-0BC1A203763D}"/>
+                  </a:ext>
+                </a:extLst>
+              </p:cNvPr>
+              <p:cNvSpPr/>
+              <p:nvPr/>
+            </p:nvSpPr>
+            <p:spPr>
+              <a:xfrm>
+                <a:off x="1197429" y="348342"/>
+                <a:ext cx="195943" cy="185057"/>
+              </a:xfrm>
+              <a:prstGeom prst="rect">
+                <a:avLst/>
+              </a:prstGeom>
+              <a:solidFill>
+                <a:schemeClr val="accent6">
+                  <a:lumMod val="40000"/>
+                  <a:lumOff val="60000"/>
+                </a:schemeClr>
+              </a:solidFill>
+              <a:ln w="3175">
+                <a:solidFill>
+                  <a:schemeClr val="tx1"/>
+                </a:solidFill>
+              </a:ln>
+            </p:spPr>
+            <p:style>
+              <a:lnRef idx="2">
+                <a:schemeClr val="accent1">
+                  <a:shade val="50000"/>
+                </a:schemeClr>
+              </a:lnRef>
+              <a:fillRef idx="1">
+                <a:schemeClr val="accent1"/>
+              </a:fillRef>
+              <a:effectRef idx="0">
+                <a:schemeClr val="accent1"/>
+              </a:effectRef>
+              <a:fontRef idx="minor">
+                <a:schemeClr val="lt1"/>
+              </a:fontRef>
+            </p:style>
+            <p:txBody>
+              <a:bodyPr rtlCol="0" anchor="ctr"/>
+              <a:lstStyle/>
+              <a:p>
+                <a:pPr algn="ctr"/>
+                <a:endParaRPr lang="en-GB"/>
+              </a:p>
+            </p:txBody>
+          </p:sp>
+        </p:grpSp>
+        <p:sp>
+          <p:nvSpPr>
+            <p:cNvPr id="176" name="TextBox 175">
+              <a:extLst>
+                <a:ext uri="{FF2B5EF4-FFF2-40B4-BE49-F238E27FC236}">
+                  <a16:creationId xmlns:a16="http://schemas.microsoft.com/office/drawing/2014/main" id="{EEF3810F-D063-42EE-BEF9-7B21C26EED62}"/>
+                </a:ext>
+              </a:extLst>
+            </p:cNvPr>
+            <p:cNvSpPr txBox="1"/>
+            <p:nvPr/>
+          </p:nvSpPr>
+          <p:spPr>
+            <a:xfrm>
+              <a:off x="1368334" y="1421728"/>
+              <a:ext cx="802277" cy="261610"/>
+            </a:xfrm>
+            <a:prstGeom prst="rect">
+              <a:avLst/>
+            </a:prstGeom>
+            <a:noFill/>
+          </p:spPr>
+          <p:txBody>
+            <a:bodyPr wrap="square" rtlCol="0">
+              <a:spAutoFit/>
+            </a:bodyPr>
+            <a:lstStyle/>
+            <a:p>
+              <a:r>
+                <a:rPr lang="en-US" sz="1100" b="1" dirty="0"/>
+                <a:t>in</a:t>
+              </a:r>
+              <a:endParaRPr lang="en-GB" sz="1100" b="1" dirty="0"/>
+            </a:p>
+          </p:txBody>
+        </p:sp>
+      </p:grpSp>
+      <p:grpSp>
+        <p:nvGrpSpPr>
+          <p:cNvPr id="181" name="Group 180">
+            <a:extLst>
+              <a:ext uri="{FF2B5EF4-FFF2-40B4-BE49-F238E27FC236}">
+                <a16:creationId xmlns:a16="http://schemas.microsoft.com/office/drawing/2014/main" id="{37C01F78-7390-4723-A99F-33C21C182C4D}"/>
+              </a:ext>
+            </a:extLst>
+          </p:cNvPr>
+          <p:cNvGrpSpPr/>
+          <p:nvPr/>
+        </p:nvGrpSpPr>
+        <p:grpSpPr>
+          <a:xfrm>
+            <a:off x="1868779" y="1603286"/>
+            <a:ext cx="1561011" cy="261610"/>
+            <a:chOff x="609600" y="1421728"/>
+            <a:chExt cx="1561011" cy="261610"/>
+          </a:xfrm>
+        </p:grpSpPr>
+        <p:grpSp>
+          <p:nvGrpSpPr>
+            <p:cNvPr id="182" name="Group 181">
+              <a:extLst>
+                <a:ext uri="{FF2B5EF4-FFF2-40B4-BE49-F238E27FC236}">
+                  <a16:creationId xmlns:a16="http://schemas.microsoft.com/office/drawing/2014/main" id="{59C7AFA5-D674-47F4-9EBD-581DC98DF429}"/>
+                </a:ext>
+              </a:extLst>
+            </p:cNvPr>
+            <p:cNvGrpSpPr/>
+            <p:nvPr/>
+          </p:nvGrpSpPr>
+          <p:grpSpPr>
+            <a:xfrm>
+              <a:off x="609600" y="1464123"/>
+              <a:ext cx="783772" cy="185058"/>
+              <a:chOff x="609600" y="348342"/>
+              <a:chExt cx="783772" cy="185058"/>
+            </a:xfrm>
+          </p:grpSpPr>
+          <p:sp>
+            <p:nvSpPr>
+              <p:cNvPr id="184" name="Rectangle 183">
+                <a:extLst>
+                  <a:ext uri="{FF2B5EF4-FFF2-40B4-BE49-F238E27FC236}">
+                    <a16:creationId xmlns:a16="http://schemas.microsoft.com/office/drawing/2014/main" id="{29E7E22F-CC21-4B16-AF57-4C6FCDBF923F}"/>
+                  </a:ext>
+                </a:extLst>
+              </p:cNvPr>
+              <p:cNvSpPr/>
+              <p:nvPr/>
+            </p:nvSpPr>
+            <p:spPr>
+              <a:xfrm>
+                <a:off x="609600" y="348343"/>
+                <a:ext cx="195943" cy="185057"/>
+              </a:xfrm>
+              <a:prstGeom prst="rect">
+                <a:avLst/>
+              </a:prstGeom>
+              <a:solidFill>
+                <a:schemeClr val="accent6">
+                  <a:lumMod val="40000"/>
+                  <a:lumOff val="60000"/>
+                </a:schemeClr>
+              </a:solidFill>
+              <a:ln w="3175">
+                <a:solidFill>
+                  <a:schemeClr val="tx1"/>
+                </a:solidFill>
+              </a:ln>
+            </p:spPr>
+            <p:style>
+              <a:lnRef idx="2">
+                <a:schemeClr val="accent1">
+                  <a:shade val="50000"/>
+                </a:schemeClr>
+              </a:lnRef>
+              <a:fillRef idx="1">
+                <a:schemeClr val="accent1"/>
+              </a:fillRef>
+              <a:effectRef idx="0">
+                <a:schemeClr val="accent1"/>
+              </a:effectRef>
+              <a:fontRef idx="minor">
+                <a:schemeClr val="lt1"/>
+              </a:fontRef>
+            </p:style>
+            <p:txBody>
+              <a:bodyPr rtlCol="0" anchor="ctr"/>
+              <a:lstStyle/>
+              <a:p>
+                <a:pPr algn="ctr"/>
+                <a:endParaRPr lang="en-GB"/>
+              </a:p>
+            </p:txBody>
+          </p:sp>
+          <p:sp>
+            <p:nvSpPr>
+              <p:cNvPr id="185" name="Rectangle 184">
+                <a:extLst>
+                  <a:ext uri="{FF2B5EF4-FFF2-40B4-BE49-F238E27FC236}">
+                    <a16:creationId xmlns:a16="http://schemas.microsoft.com/office/drawing/2014/main" id="{2A868196-5EA6-40E8-9C8A-DB389C8A48ED}"/>
+                  </a:ext>
+                </a:extLst>
+              </p:cNvPr>
+              <p:cNvSpPr/>
+              <p:nvPr/>
+            </p:nvSpPr>
+            <p:spPr>
+              <a:xfrm>
+                <a:off x="805543" y="348343"/>
+                <a:ext cx="195943" cy="185057"/>
+              </a:xfrm>
+              <a:prstGeom prst="rect">
+                <a:avLst/>
+              </a:prstGeom>
+              <a:solidFill>
+                <a:schemeClr val="accent6">
+                  <a:lumMod val="40000"/>
+                  <a:lumOff val="60000"/>
+                </a:schemeClr>
+              </a:solidFill>
+              <a:ln w="3175">
+                <a:solidFill>
+                  <a:schemeClr val="tx1"/>
+                </a:solidFill>
+              </a:ln>
+            </p:spPr>
+            <p:style>
+              <a:lnRef idx="2">
+                <a:schemeClr val="accent1">
+                  <a:shade val="50000"/>
+                </a:schemeClr>
+              </a:lnRef>
+              <a:fillRef idx="1">
+                <a:schemeClr val="accent1"/>
+              </a:fillRef>
+              <a:effectRef idx="0">
+                <a:schemeClr val="accent1"/>
+              </a:effectRef>
+              <a:fontRef idx="minor">
+                <a:schemeClr val="lt1"/>
+              </a:fontRef>
+            </p:style>
+            <p:txBody>
+              <a:bodyPr rtlCol="0" anchor="ctr"/>
+              <a:lstStyle/>
+              <a:p>
+                <a:pPr algn="ctr"/>
+                <a:endParaRPr lang="en-GB"/>
+              </a:p>
+            </p:txBody>
+          </p:sp>
+          <p:sp>
+            <p:nvSpPr>
+              <p:cNvPr id="186" name="Rectangle 185">
+                <a:extLst>
+                  <a:ext uri="{FF2B5EF4-FFF2-40B4-BE49-F238E27FC236}">
+                    <a16:creationId xmlns:a16="http://schemas.microsoft.com/office/drawing/2014/main" id="{611D005E-8F06-487D-A92B-617062287928}"/>
+                  </a:ext>
+                </a:extLst>
+              </p:cNvPr>
+              <p:cNvSpPr/>
+              <p:nvPr/>
+            </p:nvSpPr>
+            <p:spPr>
+              <a:xfrm>
+                <a:off x="1001486" y="348343"/>
+                <a:ext cx="195943" cy="185057"/>
+              </a:xfrm>
+              <a:prstGeom prst="rect">
+                <a:avLst/>
+              </a:prstGeom>
+              <a:solidFill>
+                <a:schemeClr val="accent6">
+                  <a:lumMod val="40000"/>
+                  <a:lumOff val="60000"/>
+                </a:schemeClr>
+              </a:solidFill>
+              <a:ln w="3175">
+                <a:solidFill>
+                  <a:schemeClr val="tx1"/>
+                </a:solidFill>
+              </a:ln>
+            </p:spPr>
+            <p:style>
+              <a:lnRef idx="2">
+                <a:schemeClr val="accent1">
+                  <a:shade val="50000"/>
+                </a:schemeClr>
+              </a:lnRef>
+              <a:fillRef idx="1">
+                <a:schemeClr val="accent1"/>
+              </a:fillRef>
+              <a:effectRef idx="0">
+                <a:schemeClr val="accent1"/>
+              </a:effectRef>
+              <a:fontRef idx="minor">
+                <a:schemeClr val="lt1"/>
+              </a:fontRef>
+            </p:style>
+            <p:txBody>
+              <a:bodyPr rtlCol="0" anchor="ctr"/>
+              <a:lstStyle/>
+              <a:p>
+                <a:pPr algn="ctr"/>
+                <a:endParaRPr lang="en-GB"/>
+              </a:p>
+            </p:txBody>
+          </p:sp>
+          <p:sp>
+            <p:nvSpPr>
+              <p:cNvPr id="187" name="Rectangle 186">
+                <a:extLst>
+                  <a:ext uri="{FF2B5EF4-FFF2-40B4-BE49-F238E27FC236}">
+                    <a16:creationId xmlns:a16="http://schemas.microsoft.com/office/drawing/2014/main" id="{78456339-BF32-47BF-9C01-D6047B306A78}"/>
+                  </a:ext>
+                </a:extLst>
+              </p:cNvPr>
+              <p:cNvSpPr/>
+              <p:nvPr/>
+            </p:nvSpPr>
+            <p:spPr>
+              <a:xfrm>
+                <a:off x="1197429" y="348342"/>
+                <a:ext cx="195943" cy="185057"/>
+              </a:xfrm>
+              <a:prstGeom prst="rect">
+                <a:avLst/>
+              </a:prstGeom>
+              <a:solidFill>
+                <a:schemeClr val="accent6">
+                  <a:lumMod val="40000"/>
+                  <a:lumOff val="60000"/>
+                </a:schemeClr>
+              </a:solidFill>
+              <a:ln w="3175">
+                <a:solidFill>
+                  <a:schemeClr val="tx1"/>
+                </a:solidFill>
+              </a:ln>
+            </p:spPr>
+            <p:style>
+              <a:lnRef idx="2">
+                <a:schemeClr val="accent1">
+                  <a:shade val="50000"/>
+                </a:schemeClr>
+              </a:lnRef>
+              <a:fillRef idx="1">
+                <a:schemeClr val="accent1"/>
+              </a:fillRef>
+              <a:effectRef idx="0">
+                <a:schemeClr val="accent1"/>
+              </a:effectRef>
+              <a:fontRef idx="minor">
+                <a:schemeClr val="lt1"/>
+              </a:fontRef>
+            </p:style>
+            <p:txBody>
+              <a:bodyPr rtlCol="0" anchor="ctr"/>
+              <a:lstStyle/>
+              <a:p>
+                <a:pPr algn="ctr"/>
+                <a:endParaRPr lang="en-GB"/>
+              </a:p>
+            </p:txBody>
+          </p:sp>
+        </p:grpSp>
+        <p:sp>
+          <p:nvSpPr>
+            <p:cNvPr id="183" name="TextBox 182">
+              <a:extLst>
+                <a:ext uri="{FF2B5EF4-FFF2-40B4-BE49-F238E27FC236}">
+                  <a16:creationId xmlns:a16="http://schemas.microsoft.com/office/drawing/2014/main" id="{2CB5D50F-AA5A-4869-903C-72409AFC3A17}"/>
+                </a:ext>
+              </a:extLst>
+            </p:cNvPr>
+            <p:cNvSpPr txBox="1"/>
+            <p:nvPr/>
+          </p:nvSpPr>
+          <p:spPr>
+            <a:xfrm>
+              <a:off x="1368334" y="1421728"/>
+              <a:ext cx="802277" cy="261610"/>
+            </a:xfrm>
+            <a:prstGeom prst="rect">
+              <a:avLst/>
+            </a:prstGeom>
+            <a:noFill/>
+          </p:spPr>
+          <p:txBody>
+            <a:bodyPr wrap="square" rtlCol="0">
+              <a:spAutoFit/>
+            </a:bodyPr>
+            <a:lstStyle/>
+            <a:p>
+              <a:r>
+                <a:rPr lang="en-US" sz="1100" b="1" dirty="0"/>
+                <a:t>recent</a:t>
+              </a:r>
+              <a:endParaRPr lang="en-GB" sz="1100" b="1" dirty="0"/>
+            </a:p>
+          </p:txBody>
+        </p:sp>
+      </p:grpSp>
+      <p:grpSp>
+        <p:nvGrpSpPr>
+          <p:cNvPr id="188" name="Group 187">
+            <a:extLst>
+              <a:ext uri="{FF2B5EF4-FFF2-40B4-BE49-F238E27FC236}">
+                <a16:creationId xmlns:a16="http://schemas.microsoft.com/office/drawing/2014/main" id="{A21B6F8B-0D40-4E37-9EA8-0B2C6D99073D}"/>
+              </a:ext>
+            </a:extLst>
+          </p:cNvPr>
+          <p:cNvGrpSpPr/>
+          <p:nvPr/>
+        </p:nvGrpSpPr>
+        <p:grpSpPr>
+          <a:xfrm>
+            <a:off x="1868779" y="1787353"/>
+            <a:ext cx="1561011" cy="261610"/>
+            <a:chOff x="609600" y="1421728"/>
+            <a:chExt cx="1561011" cy="261610"/>
+          </a:xfrm>
+        </p:grpSpPr>
+        <p:grpSp>
+          <p:nvGrpSpPr>
+            <p:cNvPr id="189" name="Group 188">
+              <a:extLst>
+                <a:ext uri="{FF2B5EF4-FFF2-40B4-BE49-F238E27FC236}">
+                  <a16:creationId xmlns:a16="http://schemas.microsoft.com/office/drawing/2014/main" id="{A7E27BF6-E11F-4347-AB2E-99803082FA84}"/>
+                </a:ext>
+              </a:extLst>
+            </p:cNvPr>
+            <p:cNvGrpSpPr/>
+            <p:nvPr/>
+          </p:nvGrpSpPr>
+          <p:grpSpPr>
+            <a:xfrm>
+              <a:off x="609600" y="1464123"/>
+              <a:ext cx="783772" cy="185058"/>
+              <a:chOff x="609600" y="348342"/>
+              <a:chExt cx="783772" cy="185058"/>
+            </a:xfrm>
+          </p:grpSpPr>
+          <p:sp>
+            <p:nvSpPr>
+              <p:cNvPr id="191" name="Rectangle 190">
+                <a:extLst>
+                  <a:ext uri="{FF2B5EF4-FFF2-40B4-BE49-F238E27FC236}">
+                    <a16:creationId xmlns:a16="http://schemas.microsoft.com/office/drawing/2014/main" id="{4E0B955C-24FA-47FE-96BA-094407665DC3}"/>
+                  </a:ext>
+                </a:extLst>
+              </p:cNvPr>
+              <p:cNvSpPr/>
+              <p:nvPr/>
+            </p:nvSpPr>
+            <p:spPr>
+              <a:xfrm>
+                <a:off x="609600" y="348343"/>
+                <a:ext cx="195943" cy="185057"/>
+              </a:xfrm>
+              <a:prstGeom prst="rect">
+                <a:avLst/>
+              </a:prstGeom>
+              <a:solidFill>
+                <a:schemeClr val="accent6">
+                  <a:lumMod val="40000"/>
+                  <a:lumOff val="60000"/>
+                </a:schemeClr>
+              </a:solidFill>
+              <a:ln w="3175">
+                <a:solidFill>
+                  <a:schemeClr val="tx1"/>
+                </a:solidFill>
+              </a:ln>
+            </p:spPr>
+            <p:style>
+              <a:lnRef idx="2">
+                <a:schemeClr val="accent1">
+                  <a:shade val="50000"/>
+                </a:schemeClr>
+              </a:lnRef>
+              <a:fillRef idx="1">
+                <a:schemeClr val="accent1"/>
+              </a:fillRef>
+              <a:effectRef idx="0">
+                <a:schemeClr val="accent1"/>
+              </a:effectRef>
+              <a:fontRef idx="minor">
+                <a:schemeClr val="lt1"/>
+              </a:fontRef>
+            </p:style>
+            <p:txBody>
+              <a:bodyPr rtlCol="0" anchor="ctr"/>
+              <a:lstStyle/>
+              <a:p>
+                <a:pPr algn="ctr"/>
+                <a:endParaRPr lang="en-GB"/>
+              </a:p>
+            </p:txBody>
+          </p:sp>
+          <p:sp>
+            <p:nvSpPr>
+              <p:cNvPr id="192" name="Rectangle 191">
+                <a:extLst>
+                  <a:ext uri="{FF2B5EF4-FFF2-40B4-BE49-F238E27FC236}">
+                    <a16:creationId xmlns:a16="http://schemas.microsoft.com/office/drawing/2014/main" id="{80695D2A-74A9-43F1-966F-D1751C2E88DB}"/>
+                  </a:ext>
+                </a:extLst>
+              </p:cNvPr>
+              <p:cNvSpPr/>
+              <p:nvPr/>
+            </p:nvSpPr>
+            <p:spPr>
+              <a:xfrm>
+                <a:off x="805543" y="348343"/>
+                <a:ext cx="195943" cy="185057"/>
+              </a:xfrm>
+              <a:prstGeom prst="rect">
+                <a:avLst/>
+              </a:prstGeom>
+              <a:solidFill>
+                <a:schemeClr val="accent6">
+                  <a:lumMod val="40000"/>
+                  <a:lumOff val="60000"/>
+                </a:schemeClr>
+              </a:solidFill>
+              <a:ln w="3175">
+                <a:solidFill>
+                  <a:schemeClr val="tx1"/>
+                </a:solidFill>
+              </a:ln>
+            </p:spPr>
+            <p:style>
+              <a:lnRef idx="2">
+                <a:schemeClr val="accent1">
+                  <a:shade val="50000"/>
+                </a:schemeClr>
+              </a:lnRef>
+              <a:fillRef idx="1">
+                <a:schemeClr val="accent1"/>
+              </a:fillRef>
+              <a:effectRef idx="0">
+                <a:schemeClr val="accent1"/>
+              </a:effectRef>
+              <a:fontRef idx="minor">
+                <a:schemeClr val="lt1"/>
+              </a:fontRef>
+            </p:style>
+            <p:txBody>
+              <a:bodyPr rtlCol="0" anchor="ctr"/>
+              <a:lstStyle/>
+              <a:p>
+                <a:pPr algn="ctr"/>
+                <a:endParaRPr lang="en-GB"/>
+              </a:p>
+            </p:txBody>
+          </p:sp>
+          <p:sp>
+            <p:nvSpPr>
+              <p:cNvPr id="193" name="Rectangle 192">
+                <a:extLst>
+                  <a:ext uri="{FF2B5EF4-FFF2-40B4-BE49-F238E27FC236}">
+                    <a16:creationId xmlns:a16="http://schemas.microsoft.com/office/drawing/2014/main" id="{7E3A1068-758C-4BAC-9928-CEA9CA980D8D}"/>
+                  </a:ext>
+                </a:extLst>
+              </p:cNvPr>
+              <p:cNvSpPr/>
+              <p:nvPr/>
+            </p:nvSpPr>
+            <p:spPr>
+              <a:xfrm>
+                <a:off x="1001486" y="348343"/>
+                <a:ext cx="195943" cy="185057"/>
+              </a:xfrm>
+              <a:prstGeom prst="rect">
+                <a:avLst/>
+              </a:prstGeom>
+              <a:solidFill>
+                <a:schemeClr val="accent6">
+                  <a:lumMod val="40000"/>
+                  <a:lumOff val="60000"/>
+                </a:schemeClr>
+              </a:solidFill>
+              <a:ln w="3175">
+                <a:solidFill>
+                  <a:schemeClr val="tx1"/>
+                </a:solidFill>
+              </a:ln>
+            </p:spPr>
+            <p:style>
+              <a:lnRef idx="2">
+                <a:schemeClr val="accent1">
+                  <a:shade val="50000"/>
+                </a:schemeClr>
+              </a:lnRef>
+              <a:fillRef idx="1">
+                <a:schemeClr val="accent1"/>
+              </a:fillRef>
+              <a:effectRef idx="0">
+                <a:schemeClr val="accent1"/>
+              </a:effectRef>
+              <a:fontRef idx="minor">
+                <a:schemeClr val="lt1"/>
+              </a:fontRef>
+            </p:style>
+            <p:txBody>
+              <a:bodyPr rtlCol="0" anchor="ctr"/>
+              <a:lstStyle/>
+              <a:p>
+                <a:pPr algn="ctr"/>
+                <a:endParaRPr lang="en-GB"/>
+              </a:p>
+            </p:txBody>
+          </p:sp>
+          <p:sp>
+            <p:nvSpPr>
+              <p:cNvPr id="194" name="Rectangle 193">
+                <a:extLst>
+                  <a:ext uri="{FF2B5EF4-FFF2-40B4-BE49-F238E27FC236}">
+                    <a16:creationId xmlns:a16="http://schemas.microsoft.com/office/drawing/2014/main" id="{AB1BDE9F-62FE-488A-A2AC-E833DB1E2F7C}"/>
+                  </a:ext>
+                </a:extLst>
+              </p:cNvPr>
+              <p:cNvSpPr/>
+              <p:nvPr/>
+            </p:nvSpPr>
+            <p:spPr>
+              <a:xfrm>
+                <a:off x="1197429" y="348342"/>
+                <a:ext cx="195943" cy="185057"/>
+              </a:xfrm>
+              <a:prstGeom prst="rect">
+                <a:avLst/>
+              </a:prstGeom>
+              <a:solidFill>
+                <a:schemeClr val="accent6">
+                  <a:lumMod val="40000"/>
+                  <a:lumOff val="60000"/>
+                </a:schemeClr>
+              </a:solidFill>
+              <a:ln w="3175">
+                <a:solidFill>
+                  <a:schemeClr val="tx1"/>
+                </a:solidFill>
+              </a:ln>
+            </p:spPr>
+            <p:style>
+              <a:lnRef idx="2">
+                <a:schemeClr val="accent1">
+                  <a:shade val="50000"/>
+                </a:schemeClr>
+              </a:lnRef>
+              <a:fillRef idx="1">
+                <a:schemeClr val="accent1"/>
+              </a:fillRef>
+              <a:effectRef idx="0">
+                <a:schemeClr val="accent1"/>
+              </a:effectRef>
+              <a:fontRef idx="minor">
+                <a:schemeClr val="lt1"/>
+              </a:fontRef>
+            </p:style>
+            <p:txBody>
+              <a:bodyPr rtlCol="0" anchor="ctr"/>
+              <a:lstStyle/>
+              <a:p>
+                <a:pPr algn="ctr"/>
+                <a:endParaRPr lang="en-GB"/>
+              </a:p>
+            </p:txBody>
+          </p:sp>
+        </p:grpSp>
+        <p:sp>
+          <p:nvSpPr>
+            <p:cNvPr id="190" name="TextBox 189">
+              <a:extLst>
+                <a:ext uri="{FF2B5EF4-FFF2-40B4-BE49-F238E27FC236}">
+                  <a16:creationId xmlns:a16="http://schemas.microsoft.com/office/drawing/2014/main" id="{8EEFB643-DCBE-4067-9027-DA1A3C240643}"/>
+                </a:ext>
+              </a:extLst>
+            </p:cNvPr>
+            <p:cNvSpPr txBox="1"/>
+            <p:nvPr/>
+          </p:nvSpPr>
+          <p:spPr>
+            <a:xfrm>
+              <a:off x="1368334" y="1421728"/>
+              <a:ext cx="802277" cy="261610"/>
+            </a:xfrm>
+            <a:prstGeom prst="rect">
+              <a:avLst/>
+            </a:prstGeom>
+            <a:noFill/>
+          </p:spPr>
+          <p:txBody>
+            <a:bodyPr wrap="square" rtlCol="0">
+              <a:spAutoFit/>
+            </a:bodyPr>
+            <a:lstStyle/>
+            <a:p>
+              <a:r>
+                <a:rPr lang="en-US" sz="1100" b="1" dirty="0"/>
+                <a:t>years</a:t>
+              </a:r>
+              <a:endParaRPr lang="en-GB" sz="1100" b="1" dirty="0"/>
+            </a:p>
+          </p:txBody>
+        </p:sp>
+      </p:grpSp>
+      <p:sp>
+        <p:nvSpPr>
+          <p:cNvPr id="40" name="Rectangle 39">
+            <a:extLst>
+              <a:ext uri="{FF2B5EF4-FFF2-40B4-BE49-F238E27FC236}">
+                <a16:creationId xmlns:a16="http://schemas.microsoft.com/office/drawing/2014/main" id="{58DF2124-771A-4FF3-883F-DBDEBCE69808}"/>
+              </a:ext>
+            </a:extLst>
+          </p:cNvPr>
+          <p:cNvSpPr/>
+          <p:nvPr/>
+        </p:nvSpPr>
+        <p:spPr>
+          <a:xfrm>
+            <a:off x="4358640" y="4006850"/>
+            <a:ext cx="175260" cy="165100"/>
+          </a:xfrm>
+          <a:prstGeom prst="rect">
+            <a:avLst/>
+          </a:prstGeom>
+        </p:spPr>
+        <p:style>
+          <a:lnRef idx="2">
+            <a:schemeClr val="accent1">
+              <a:shade val="50000"/>
+            </a:schemeClr>
+          </a:lnRef>
+          <a:fillRef idx="1">
+            <a:schemeClr val="accent1"/>
+          </a:fillRef>
+          <a:effectRef idx="0">
+            <a:schemeClr val="accent1"/>
+          </a:effectRef>
+          <a:fontRef idx="minor">
+            <a:schemeClr val="lt1"/>
+          </a:fontRef>
+        </p:style>
+        <p:txBody>
+          <a:bodyPr rtlCol="0" anchor="ctr"/>
+          <a:lstStyle/>
+          <a:p>
+            <a:pPr algn="ctr"/>
+            <a:endParaRPr lang="en-GB"/>
+          </a:p>
+        </p:txBody>
+      </p:sp>
+    </p:spTree>
+    <p:extLst>
+      <p:ext uri="{BB962C8B-B14F-4D97-AF65-F5344CB8AC3E}">
+        <p14:creationId xmlns:p14="http://schemas.microsoft.com/office/powerpoint/2010/main" val="3901017747"/>
+      </p:ext>
+    </p:extLst>
+  </p:cSld>
+  <p:clrMapOvr>
+    <a:masterClrMapping/>
+  </p:clrMapOvr>
+  <mc:AlternateContent xmlns:mc="http://schemas.openxmlformats.org/markup-compatibility/2006">
+    <mc:Choice xmlns:p14="http://schemas.microsoft.com/office/powerpoint/2010/main" Requires="p14">
+      <p:transition spd="slow" p14:dur="2000" advTm="47315"/>
+    </mc:Choice>
+    <mc:Fallback>
+      <p:transition spd="slow" advTm="47315"/>
+    </mc:Fallback>
+  </mc:AlternateContent>
+  <p:timing>
+    <p:tnLst>
+      <p:par>
+        <p:cTn id="1" dur="indefinite" restart="never" nodeType="tmRoot">
+          <p:childTnLst>
+            <p:seq concurrent="1" nextAc="seek">
+              <p:cTn id="2" dur="indefinite" nodeType="mainSeq">
+                <p:childTnLst>
+                  <p:par>
+                    <p:cTn id="3" fill="hold">
+                      <p:stCondLst>
+                        <p:cond delay="indefinite"/>
+                      </p:stCondLst>
+                      <p:childTnLst>
+                        <p:par>
+                          <p:cTn id="4" fill="hold">
+                            <p:stCondLst>
+                              <p:cond delay="0"/>
+                            </p:stCondLst>
+                            <p:childTnLst>
+                              <p:par>
+                                <p:cTn id="5" presetID="0" presetClass="path" presetSubtype="0" accel="50000" decel="50000" fill="hold" nodeType="clickEffect">
+                                  <p:stCondLst>
+                                    <p:cond delay="0"/>
+                                  </p:stCondLst>
+                                  <p:childTnLst>
+                                    <p:animMotion origin="layout" path="M -0.00052 -0.0287 L -0.00052 -0.0287 C -0.00117 -0.03078 -0.0056 -0.04629 -0.00729 -0.05023 C -0.00951 -0.05463 -0.01172 -0.05902 -0.01406 -0.06296 C -0.01745 -0.06828 -0.02149 -0.07083 -0.02552 -0.07314 C -0.03789 -0.08055 -0.03516 -0.0787 -0.04896 -0.08148 C -0.06328 -0.08078 -0.06641 -0.08194 -0.07865 -0.07777 C -0.0806 -0.07731 -0.08255 -0.07638 -0.08438 -0.075 C -0.08555 -0.07453 -0.08659 -0.07338 -0.0875 -0.07222 C -0.09076 -0.06898 -0.09427 -0.06481 -0.09688 -0.06018 C -0.1013 -0.05277 -0.10638 -0.04629 -0.10938 -0.03703 C -0.11237 -0.02824 -0.11537 -0.01921 -0.11823 -0.01018 C -0.1194 -0.00694 -0.12058 -0.0037 -0.12136 -4.44444E-6 C -0.13034 0.03959 -0.1267 0.0213 -0.13281 0.0544 C -0.1336 0.072 -0.13529 0.10695 -0.13542 0.12477 C -0.13555 0.13102 -0.13529 0.13727 -0.1349 0.14352 C -0.13321 0.1713 -0.1319 0.17848 -0.12917 0.20533 C -0.12826 0.21459 -0.12787 0.22408 -0.12656 0.23334 C -0.12526 0.24306 -0.12331 0.25255 -0.12136 0.26181 C -0.11589 0.28982 -0.11328 0.30024 -0.10365 0.32662 C -0.09961 0.3382 -0.08985 0.36042 -0.08334 0.37014 C -0.07709 0.37987 -0.07058 0.38912 -0.06354 0.397 C -0.04831 0.41505 -0.0181 0.43056 -0.00521 0.43704 C 0.00156 0.44028 0.0082 0.44445 0.0151 0.447 C 0.01966 0.44885 0.02448 0.44862 0.02916 0.45 C 0.03229 0.4507 0.03528 0.45255 0.03854 0.45348 C 0.0431 0.45533 0.04778 0.45695 0.0526 0.45811 C 0.05742 0.45973 0.06224 0.46042 0.06719 0.46181 C 0.07383 0.46389 0.08528 0.46713 0.09323 0.47107 C 0.10143 0.47547 0.09427 0.47246 0.10312 0.47778 C 0.10807 0.48056 0.10833 0.48033 0.11302 0.48149 C 0.11419 0.48264 0.11536 0.48403 0.11666 0.48496 C 0.11862 0.48681 0.11979 0.48681 0.12187 0.48774 C 0.12357 0.48866 0.12526 0.48959 0.12708 0.49075 C 0.1276 0.49098 0.12799 0.49144 0.12864 0.49144 C 0.1306 0.49213 0.13281 0.49213 0.13489 0.49237 C 0.13567 0.49283 0.13659 0.49329 0.1375 0.49352 C 0.14049 0.49422 0.14375 0.49399 0.14687 0.49537 C 0.14739 0.49561 0.14752 0.49723 0.14791 0.49815 C 0.14804 0.49838 0.14817 0.49862 0.14844 0.49885 " pathEditMode="relative" ptsTypes="AAAAAAAAAAAAAAAAAAAAAAAAAAAAAAAAAAAAAAAA">
+                                      <p:cBhvr>
+                                        <p:cTn id="6" dur="2000" fill="hold"/>
+                                        <p:tgtEl>
+                                          <p:spTgt spid="46"/>
+                                        </p:tgtEl>
+                                        <p:attrNameLst>
+                                          <p:attrName>ppt_x</p:attrName>
+                                          <p:attrName>ppt_y</p:attrName>
+                                        </p:attrNameLst>
+                                      </p:cBhvr>
+                                    </p:animMotion>
+                                  </p:childTnLst>
+                                </p:cTn>
+                              </p:par>
+                            </p:childTnLst>
+                          </p:cTn>
+                        </p:par>
+                      </p:childTnLst>
+                    </p:cTn>
+                  </p:par>
+                </p:childTnLst>
+              </p:cTn>
+              <p:prevCondLst>
+                <p:cond evt="onPrev" delay="0">
+                  <p:tgtEl>
+                    <p:sldTgt/>
+                  </p:tgtEl>
+                </p:cond>
+              </p:prevCondLst>
+              <p:nextCondLst>
+                <p:cond evt="onNext" delay="0">
+                  <p:tgtEl>
+                    <p:sldTgt/>
+                  </p:tgtEl>
+                </p:cond>
+              </p:nextCondLst>
+            </p:seq>
+          </p:childTnLst>
+        </p:cTn>
+      </p:par>
+    </p:tnLst>
   </p:timing>
 </p:sld>
 </file>

--- a/Animations/Simple animations using powerpoint/Attention.pptx
+++ b/Animations/Simple animations using powerpoint/Attention.pptx
@@ -197,35 +197,35 @@
               <a:buNone/>
               <a:defRPr sz="2400"/>
             </a:lvl1pPr>
-            <a:lvl2pPr marL="457200" indent="0" algn="ctr">
+            <a:lvl2pPr marL="457189" indent="0" algn="ctr">
               <a:buNone/>
               <a:defRPr sz="2000"/>
             </a:lvl2pPr>
-            <a:lvl3pPr marL="914400" indent="0" algn="ctr">
+            <a:lvl3pPr marL="914377" indent="0" algn="ctr">
               <a:buNone/>
               <a:defRPr sz="1800"/>
             </a:lvl3pPr>
-            <a:lvl4pPr marL="1371600" indent="0" algn="ctr">
+            <a:lvl4pPr marL="1371566" indent="0" algn="ctr">
               <a:buNone/>
               <a:defRPr sz="1600"/>
             </a:lvl4pPr>
-            <a:lvl5pPr marL="1828800" indent="0" algn="ctr">
+            <a:lvl5pPr marL="1828754" indent="0" algn="ctr">
               <a:buNone/>
               <a:defRPr sz="1600"/>
             </a:lvl5pPr>
-            <a:lvl6pPr marL="2286000" indent="0" algn="ctr">
+            <a:lvl6pPr marL="2285943" indent="0" algn="ctr">
               <a:buNone/>
               <a:defRPr sz="1600"/>
             </a:lvl6pPr>
-            <a:lvl7pPr marL="2743200" indent="0" algn="ctr">
+            <a:lvl7pPr marL="2743131" indent="0" algn="ctr">
               <a:buNone/>
               <a:defRPr sz="1600"/>
             </a:lvl7pPr>
-            <a:lvl8pPr marL="3200400" indent="0" algn="ctr">
+            <a:lvl8pPr marL="3200320" indent="0" algn="ctr">
               <a:buNone/>
               <a:defRPr sz="1600"/>
             </a:lvl8pPr>
-            <a:lvl9pPr marL="3657600" indent="0" algn="ctr">
+            <a:lvl9pPr marL="3657509" indent="0" algn="ctr">
               <a:buNone/>
               <a:defRPr sz="1600"/>
             </a:lvl9pPr>
@@ -262,7 +262,7 @@
           <a:p>
             <a:fld id="{FB92FDD8-7731-4E46-9433-FCBAA3DC8EDF}" type="datetimeFigureOut">
               <a:rPr lang="en-GB" smtClean="0"/>
-              <a:t>17/08/2021</a:t>
+              <a:t>18/08/2021</a:t>
             </a:fld>
             <a:endParaRPr lang="en-GB"/>
           </a:p>
@@ -462,7 +462,7 @@
           <a:p>
             <a:fld id="{FB92FDD8-7731-4E46-9433-FCBAA3DC8EDF}" type="datetimeFigureOut">
               <a:rPr lang="en-GB" smtClean="0"/>
-              <a:t>17/08/2021</a:t>
+              <a:t>18/08/2021</a:t>
             </a:fld>
             <a:endParaRPr lang="en-GB"/>
           </a:p>
@@ -570,7 +570,7 @@
         </p:nvSpPr>
         <p:spPr>
           <a:xfrm>
-            <a:off x="8724900" y="365125"/>
+            <a:off x="8724901" y="365125"/>
             <a:ext cx="2628900" cy="5811838"/>
           </a:xfrm>
         </p:spPr>
@@ -604,7 +604,7 @@
         </p:nvSpPr>
         <p:spPr>
           <a:xfrm>
-            <a:off x="838200" y="365125"/>
+            <a:off x="838201" y="365125"/>
             <a:ext cx="7734300" cy="5811838"/>
           </a:xfrm>
         </p:spPr>
@@ -672,7 +672,7 @@
           <a:p>
             <a:fld id="{FB92FDD8-7731-4E46-9433-FCBAA3DC8EDF}" type="datetimeFigureOut">
               <a:rPr lang="en-GB" smtClean="0"/>
-              <a:t>17/08/2021</a:t>
+              <a:t>18/08/2021</a:t>
             </a:fld>
             <a:endParaRPr lang="en-GB"/>
           </a:p>
@@ -872,7 +872,7 @@
           <a:p>
             <a:fld id="{FB92FDD8-7731-4E46-9433-FCBAA3DC8EDF}" type="datetimeFigureOut">
               <a:rPr lang="en-GB" smtClean="0"/>
-              <a:t>17/08/2021</a:t>
+              <a:t>18/08/2021</a:t>
             </a:fld>
             <a:endParaRPr lang="en-GB"/>
           </a:p>
@@ -980,7 +980,7 @@
         </p:nvSpPr>
         <p:spPr>
           <a:xfrm>
-            <a:off x="831850" y="1709738"/>
+            <a:off x="831851" y="1709740"/>
             <a:ext cx="10515600" cy="2852737"/>
           </a:xfrm>
         </p:spPr>
@@ -1018,7 +1018,7 @@
         </p:nvSpPr>
         <p:spPr>
           <a:xfrm>
-            <a:off x="831850" y="4589463"/>
+            <a:off x="831851" y="4589465"/>
             <a:ext cx="10515600" cy="1500187"/>
           </a:xfrm>
         </p:spPr>
@@ -1035,7 +1035,7 @@
                 </a:solidFill>
               </a:defRPr>
             </a:lvl1pPr>
-            <a:lvl2pPr marL="457200" indent="0">
+            <a:lvl2pPr marL="457189" indent="0">
               <a:buNone/>
               <a:defRPr sz="2000">
                 <a:solidFill>
@@ -1045,7 +1045,7 @@
                 </a:solidFill>
               </a:defRPr>
             </a:lvl2pPr>
-            <a:lvl3pPr marL="914400" indent="0">
+            <a:lvl3pPr marL="914377" indent="0">
               <a:buNone/>
               <a:defRPr sz="1800">
                 <a:solidFill>
@@ -1055,7 +1055,7 @@
                 </a:solidFill>
               </a:defRPr>
             </a:lvl3pPr>
-            <a:lvl4pPr marL="1371600" indent="0">
+            <a:lvl4pPr marL="1371566" indent="0">
               <a:buNone/>
               <a:defRPr sz="1600">
                 <a:solidFill>
@@ -1065,7 +1065,7 @@
                 </a:solidFill>
               </a:defRPr>
             </a:lvl4pPr>
-            <a:lvl5pPr marL="1828800" indent="0">
+            <a:lvl5pPr marL="1828754" indent="0">
               <a:buNone/>
               <a:defRPr sz="1600">
                 <a:solidFill>
@@ -1075,7 +1075,7 @@
                 </a:solidFill>
               </a:defRPr>
             </a:lvl5pPr>
-            <a:lvl6pPr marL="2286000" indent="0">
+            <a:lvl6pPr marL="2285943" indent="0">
               <a:buNone/>
               <a:defRPr sz="1600">
                 <a:solidFill>
@@ -1085,7 +1085,7 @@
                 </a:solidFill>
               </a:defRPr>
             </a:lvl6pPr>
-            <a:lvl7pPr marL="2743200" indent="0">
+            <a:lvl7pPr marL="2743131" indent="0">
               <a:buNone/>
               <a:defRPr sz="1600">
                 <a:solidFill>
@@ -1095,7 +1095,7 @@
                 </a:solidFill>
               </a:defRPr>
             </a:lvl7pPr>
-            <a:lvl8pPr marL="3200400" indent="0">
+            <a:lvl8pPr marL="3200320" indent="0">
               <a:buNone/>
               <a:defRPr sz="1600">
                 <a:solidFill>
@@ -1105,7 +1105,7 @@
                 </a:solidFill>
               </a:defRPr>
             </a:lvl8pPr>
-            <a:lvl9pPr marL="3657600" indent="0">
+            <a:lvl9pPr marL="3657509" indent="0">
               <a:buNone/>
               <a:defRPr sz="1600">
                 <a:solidFill>
@@ -1148,7 +1148,7 @@
           <a:p>
             <a:fld id="{FB92FDD8-7731-4E46-9433-FCBAA3DC8EDF}" type="datetimeFigureOut">
               <a:rPr lang="en-GB" smtClean="0"/>
-              <a:t>17/08/2021</a:t>
+              <a:t>18/08/2021</a:t>
             </a:fld>
             <a:endParaRPr lang="en-GB"/>
           </a:p>
@@ -1416,7 +1416,7 @@
           <a:p>
             <a:fld id="{FB92FDD8-7731-4E46-9433-FCBAA3DC8EDF}" type="datetimeFigureOut">
               <a:rPr lang="en-GB" smtClean="0"/>
-              <a:t>17/08/2021</a:t>
+              <a:t>18/08/2021</a:t>
             </a:fld>
             <a:endParaRPr lang="en-GB"/>
           </a:p>
@@ -1524,7 +1524,7 @@
         </p:nvSpPr>
         <p:spPr>
           <a:xfrm>
-            <a:off x="839788" y="365125"/>
+            <a:off x="839788" y="365127"/>
             <a:ext cx="10515600" cy="1325563"/>
           </a:xfrm>
         </p:spPr>
@@ -1558,7 +1558,7 @@
         </p:nvSpPr>
         <p:spPr>
           <a:xfrm>
-            <a:off x="839788" y="1681163"/>
+            <a:off x="839789" y="1681163"/>
             <a:ext cx="5157787" cy="823912"/>
           </a:xfrm>
         </p:spPr>
@@ -1569,35 +1569,35 @@
               <a:buNone/>
               <a:defRPr sz="2400" b="1"/>
             </a:lvl1pPr>
-            <a:lvl2pPr marL="457200" indent="0">
+            <a:lvl2pPr marL="457189" indent="0">
               <a:buNone/>
               <a:defRPr sz="2000" b="1"/>
             </a:lvl2pPr>
-            <a:lvl3pPr marL="914400" indent="0">
+            <a:lvl3pPr marL="914377" indent="0">
               <a:buNone/>
               <a:defRPr sz="1800" b="1"/>
             </a:lvl3pPr>
-            <a:lvl4pPr marL="1371600" indent="0">
+            <a:lvl4pPr marL="1371566" indent="0">
               <a:buNone/>
               <a:defRPr sz="1600" b="1"/>
             </a:lvl4pPr>
-            <a:lvl5pPr marL="1828800" indent="0">
+            <a:lvl5pPr marL="1828754" indent="0">
               <a:buNone/>
               <a:defRPr sz="1600" b="1"/>
             </a:lvl5pPr>
-            <a:lvl6pPr marL="2286000" indent="0">
+            <a:lvl6pPr marL="2285943" indent="0">
               <a:buNone/>
               <a:defRPr sz="1600" b="1"/>
             </a:lvl6pPr>
-            <a:lvl7pPr marL="2743200" indent="0">
+            <a:lvl7pPr marL="2743131" indent="0">
               <a:buNone/>
               <a:defRPr sz="1600" b="1"/>
             </a:lvl7pPr>
-            <a:lvl8pPr marL="3200400" indent="0">
+            <a:lvl8pPr marL="3200320" indent="0">
               <a:buNone/>
               <a:defRPr sz="1600" b="1"/>
             </a:lvl8pPr>
-            <a:lvl9pPr marL="3657600" indent="0">
+            <a:lvl9pPr marL="3657509" indent="0">
               <a:buNone/>
               <a:defRPr sz="1600" b="1"/>
             </a:lvl9pPr>
@@ -1629,7 +1629,7 @@
         </p:nvSpPr>
         <p:spPr>
           <a:xfrm>
-            <a:off x="839788" y="2505075"/>
+            <a:off x="839789" y="2505075"/>
             <a:ext cx="5157787" cy="3684588"/>
           </a:xfrm>
         </p:spPr>
@@ -1692,7 +1692,7 @@
         </p:nvSpPr>
         <p:spPr>
           <a:xfrm>
-            <a:off x="6172200" y="1681163"/>
+            <a:off x="6172201" y="1681163"/>
             <a:ext cx="5183188" cy="823912"/>
           </a:xfrm>
         </p:spPr>
@@ -1703,35 +1703,35 @@
               <a:buNone/>
               <a:defRPr sz="2400" b="1"/>
             </a:lvl1pPr>
-            <a:lvl2pPr marL="457200" indent="0">
+            <a:lvl2pPr marL="457189" indent="0">
               <a:buNone/>
               <a:defRPr sz="2000" b="1"/>
             </a:lvl2pPr>
-            <a:lvl3pPr marL="914400" indent="0">
+            <a:lvl3pPr marL="914377" indent="0">
               <a:buNone/>
               <a:defRPr sz="1800" b="1"/>
             </a:lvl3pPr>
-            <a:lvl4pPr marL="1371600" indent="0">
+            <a:lvl4pPr marL="1371566" indent="0">
               <a:buNone/>
               <a:defRPr sz="1600" b="1"/>
             </a:lvl4pPr>
-            <a:lvl5pPr marL="1828800" indent="0">
+            <a:lvl5pPr marL="1828754" indent="0">
               <a:buNone/>
               <a:defRPr sz="1600" b="1"/>
             </a:lvl5pPr>
-            <a:lvl6pPr marL="2286000" indent="0">
+            <a:lvl6pPr marL="2285943" indent="0">
               <a:buNone/>
               <a:defRPr sz="1600" b="1"/>
             </a:lvl6pPr>
-            <a:lvl7pPr marL="2743200" indent="0">
+            <a:lvl7pPr marL="2743131" indent="0">
               <a:buNone/>
               <a:defRPr sz="1600" b="1"/>
             </a:lvl7pPr>
-            <a:lvl8pPr marL="3200400" indent="0">
+            <a:lvl8pPr marL="3200320" indent="0">
               <a:buNone/>
               <a:defRPr sz="1600" b="1"/>
             </a:lvl8pPr>
-            <a:lvl9pPr marL="3657600" indent="0">
+            <a:lvl9pPr marL="3657509" indent="0">
               <a:buNone/>
               <a:defRPr sz="1600" b="1"/>
             </a:lvl9pPr>
@@ -1763,7 +1763,7 @@
         </p:nvSpPr>
         <p:spPr>
           <a:xfrm>
-            <a:off x="6172200" y="2505075"/>
+            <a:off x="6172201" y="2505075"/>
             <a:ext cx="5183188" cy="3684588"/>
           </a:xfrm>
         </p:spPr>
@@ -1831,7 +1831,7 @@
           <a:p>
             <a:fld id="{FB92FDD8-7731-4E46-9433-FCBAA3DC8EDF}" type="datetimeFigureOut">
               <a:rPr lang="en-GB" smtClean="0"/>
-              <a:t>17/08/2021</a:t>
+              <a:t>18/08/2021</a:t>
             </a:fld>
             <a:endParaRPr lang="en-GB"/>
           </a:p>
@@ -1973,7 +1973,7 @@
           <a:p>
             <a:fld id="{FB92FDD8-7731-4E46-9433-FCBAA3DC8EDF}" type="datetimeFigureOut">
               <a:rPr lang="en-GB" smtClean="0"/>
-              <a:t>17/08/2021</a:t>
+              <a:t>18/08/2021</a:t>
             </a:fld>
             <a:endParaRPr lang="en-GB"/>
           </a:p>
@@ -2086,7 +2086,7 @@
           <a:p>
             <a:fld id="{FB92FDD8-7731-4E46-9433-FCBAA3DC8EDF}" type="datetimeFigureOut">
               <a:rPr lang="en-GB" smtClean="0"/>
-              <a:t>17/08/2021</a:t>
+              <a:t>18/08/2021</a:t>
             </a:fld>
             <a:endParaRPr lang="en-GB"/>
           </a:p>
@@ -2232,7 +2232,7 @@
         </p:nvSpPr>
         <p:spPr>
           <a:xfrm>
-            <a:off x="5183188" y="987425"/>
+            <a:off x="5183188" y="987427"/>
             <a:ext cx="6172200" cy="4873625"/>
           </a:xfrm>
         </p:spPr>
@@ -2334,35 +2334,35 @@
               <a:buNone/>
               <a:defRPr sz="1600"/>
             </a:lvl1pPr>
-            <a:lvl2pPr marL="457200" indent="0">
+            <a:lvl2pPr marL="457189" indent="0">
               <a:buNone/>
               <a:defRPr sz="1400"/>
             </a:lvl2pPr>
-            <a:lvl3pPr marL="914400" indent="0">
+            <a:lvl3pPr marL="914377" indent="0">
               <a:buNone/>
               <a:defRPr sz="1200"/>
             </a:lvl3pPr>
-            <a:lvl4pPr marL="1371600" indent="0">
+            <a:lvl4pPr marL="1371566" indent="0">
               <a:buNone/>
               <a:defRPr sz="1000"/>
             </a:lvl4pPr>
-            <a:lvl5pPr marL="1828800" indent="0">
+            <a:lvl5pPr marL="1828754" indent="0">
               <a:buNone/>
               <a:defRPr sz="1000"/>
             </a:lvl5pPr>
-            <a:lvl6pPr marL="2286000" indent="0">
+            <a:lvl6pPr marL="2285943" indent="0">
               <a:buNone/>
               <a:defRPr sz="1000"/>
             </a:lvl6pPr>
-            <a:lvl7pPr marL="2743200" indent="0">
+            <a:lvl7pPr marL="2743131" indent="0">
               <a:buNone/>
               <a:defRPr sz="1000"/>
             </a:lvl7pPr>
-            <a:lvl8pPr marL="3200400" indent="0">
+            <a:lvl8pPr marL="3200320" indent="0">
               <a:buNone/>
               <a:defRPr sz="1000"/>
             </a:lvl8pPr>
-            <a:lvl9pPr marL="3657600" indent="0">
+            <a:lvl9pPr marL="3657509" indent="0">
               <a:buNone/>
               <a:defRPr sz="1000"/>
             </a:lvl9pPr>
@@ -2399,7 +2399,7 @@
           <a:p>
             <a:fld id="{FB92FDD8-7731-4E46-9433-FCBAA3DC8EDF}" type="datetimeFigureOut">
               <a:rPr lang="en-GB" smtClean="0"/>
-              <a:t>17/08/2021</a:t>
+              <a:t>18/08/2021</a:t>
             </a:fld>
             <a:endParaRPr lang="en-GB"/>
           </a:p>
@@ -2545,7 +2545,7 @@
         </p:nvSpPr>
         <p:spPr>
           <a:xfrm>
-            <a:off x="5183188" y="987425"/>
+            <a:off x="5183188" y="987427"/>
             <a:ext cx="6172200" cy="4873625"/>
           </a:xfrm>
         </p:spPr>
@@ -2556,35 +2556,35 @@
               <a:buNone/>
               <a:defRPr sz="3200"/>
             </a:lvl1pPr>
-            <a:lvl2pPr marL="457200" indent="0">
+            <a:lvl2pPr marL="457189" indent="0">
               <a:buNone/>
               <a:defRPr sz="2800"/>
             </a:lvl2pPr>
-            <a:lvl3pPr marL="914400" indent="0">
+            <a:lvl3pPr marL="914377" indent="0">
               <a:buNone/>
               <a:defRPr sz="2400"/>
             </a:lvl3pPr>
-            <a:lvl4pPr marL="1371600" indent="0">
+            <a:lvl4pPr marL="1371566" indent="0">
               <a:buNone/>
               <a:defRPr sz="2000"/>
             </a:lvl4pPr>
-            <a:lvl5pPr marL="1828800" indent="0">
+            <a:lvl5pPr marL="1828754" indent="0">
               <a:buNone/>
               <a:defRPr sz="2000"/>
             </a:lvl5pPr>
-            <a:lvl6pPr marL="2286000" indent="0">
+            <a:lvl6pPr marL="2285943" indent="0">
               <a:buNone/>
               <a:defRPr sz="2000"/>
             </a:lvl6pPr>
-            <a:lvl7pPr marL="2743200" indent="0">
+            <a:lvl7pPr marL="2743131" indent="0">
               <a:buNone/>
               <a:defRPr sz="2000"/>
             </a:lvl7pPr>
-            <a:lvl8pPr marL="3200400" indent="0">
+            <a:lvl8pPr marL="3200320" indent="0">
               <a:buNone/>
               <a:defRPr sz="2000"/>
             </a:lvl8pPr>
-            <a:lvl9pPr marL="3657600" indent="0">
+            <a:lvl9pPr marL="3657509" indent="0">
               <a:buNone/>
               <a:defRPr sz="2000"/>
             </a:lvl9pPr>
@@ -2623,35 +2623,35 @@
               <a:buNone/>
               <a:defRPr sz="1600"/>
             </a:lvl1pPr>
-            <a:lvl2pPr marL="457200" indent="0">
+            <a:lvl2pPr marL="457189" indent="0">
               <a:buNone/>
               <a:defRPr sz="1400"/>
             </a:lvl2pPr>
-            <a:lvl3pPr marL="914400" indent="0">
+            <a:lvl3pPr marL="914377" indent="0">
               <a:buNone/>
               <a:defRPr sz="1200"/>
             </a:lvl3pPr>
-            <a:lvl4pPr marL="1371600" indent="0">
+            <a:lvl4pPr marL="1371566" indent="0">
               <a:buNone/>
               <a:defRPr sz="1000"/>
             </a:lvl4pPr>
-            <a:lvl5pPr marL="1828800" indent="0">
+            <a:lvl5pPr marL="1828754" indent="0">
               <a:buNone/>
               <a:defRPr sz="1000"/>
             </a:lvl5pPr>
-            <a:lvl6pPr marL="2286000" indent="0">
+            <a:lvl6pPr marL="2285943" indent="0">
               <a:buNone/>
               <a:defRPr sz="1000"/>
             </a:lvl6pPr>
-            <a:lvl7pPr marL="2743200" indent="0">
+            <a:lvl7pPr marL="2743131" indent="0">
               <a:buNone/>
               <a:defRPr sz="1000"/>
             </a:lvl7pPr>
-            <a:lvl8pPr marL="3200400" indent="0">
+            <a:lvl8pPr marL="3200320" indent="0">
               <a:buNone/>
               <a:defRPr sz="1000"/>
             </a:lvl8pPr>
-            <a:lvl9pPr marL="3657600" indent="0">
+            <a:lvl9pPr marL="3657509" indent="0">
               <a:buNone/>
               <a:defRPr sz="1000"/>
             </a:lvl9pPr>
@@ -2688,7 +2688,7 @@
           <a:p>
             <a:fld id="{FB92FDD8-7731-4E46-9433-FCBAA3DC8EDF}" type="datetimeFigureOut">
               <a:rPr lang="en-GB" smtClean="0"/>
-              <a:t>17/08/2021</a:t>
+              <a:t>18/08/2021</a:t>
             </a:fld>
             <a:endParaRPr lang="en-GB"/>
           </a:p>
@@ -2801,7 +2801,7 @@
         </p:nvSpPr>
         <p:spPr>
           <a:xfrm>
-            <a:off x="838200" y="365125"/>
+            <a:off x="838200" y="365127"/>
             <a:ext cx="10515600" cy="1325563"/>
           </a:xfrm>
           <a:prstGeom prst="rect">
@@ -2908,7 +2908,7 @@
         </p:nvSpPr>
         <p:spPr>
           <a:xfrm>
-            <a:off x="838200" y="6356350"/>
+            <a:off x="838200" y="6356352"/>
             <a:ext cx="2743200" cy="365125"/>
           </a:xfrm>
           <a:prstGeom prst="rect">
@@ -2931,7 +2931,7 @@
           <a:p>
             <a:fld id="{FB92FDD8-7731-4E46-9433-FCBAA3DC8EDF}" type="datetimeFigureOut">
               <a:rPr lang="en-GB" smtClean="0"/>
-              <a:t>17/08/2021</a:t>
+              <a:t>18/08/2021</a:t>
             </a:fld>
             <a:endParaRPr lang="en-GB"/>
           </a:p>
@@ -2955,7 +2955,7 @@
         </p:nvSpPr>
         <p:spPr>
           <a:xfrm>
-            <a:off x="4038600" y="6356350"/>
+            <a:off x="4038600" y="6356352"/>
             <a:ext cx="4114800" cy="365125"/>
           </a:xfrm>
           <a:prstGeom prst="rect">
@@ -2998,7 +2998,7 @@
         </p:nvSpPr>
         <p:spPr>
           <a:xfrm>
-            <a:off x="8610600" y="6356350"/>
+            <a:off x="8610600" y="6356352"/>
             <a:ext cx="2743200" cy="365125"/>
           </a:xfrm>
           <a:prstGeom prst="rect">
@@ -3050,7 +3050,7 @@
   </p:sldLayoutIdLst>
   <p:txStyles>
     <p:titleStyle>
-      <a:lvl1pPr algn="l" defTabSz="914400" rtl="0" eaLnBrk="1" latinLnBrk="0" hangingPunct="1">
+      <a:lvl1pPr algn="l" defTabSz="914377" rtl="0" eaLnBrk="1" latinLnBrk="0" hangingPunct="1">
         <a:lnSpc>
           <a:spcPct val="90000"/>
         </a:lnSpc>
@@ -3069,7 +3069,7 @@
       </a:lvl1pPr>
     </p:titleStyle>
     <p:bodyStyle>
-      <a:lvl1pPr marL="228600" indent="-228600" algn="l" defTabSz="914400" rtl="0" eaLnBrk="1" latinLnBrk="0" hangingPunct="1">
+      <a:lvl1pPr marL="228594" indent="-228594" algn="l" defTabSz="914377" rtl="0" eaLnBrk="1" latinLnBrk="0" hangingPunct="1">
         <a:lnSpc>
           <a:spcPct val="90000"/>
         </a:lnSpc>
@@ -3087,7 +3087,7 @@
           <a:cs typeface="+mn-cs"/>
         </a:defRPr>
       </a:lvl1pPr>
-      <a:lvl2pPr marL="685800" indent="-228600" algn="l" defTabSz="914400" rtl="0" eaLnBrk="1" latinLnBrk="0" hangingPunct="1">
+      <a:lvl2pPr marL="685783" indent="-228594" algn="l" defTabSz="914377" rtl="0" eaLnBrk="1" latinLnBrk="0" hangingPunct="1">
         <a:lnSpc>
           <a:spcPct val="90000"/>
         </a:lnSpc>
@@ -3105,7 +3105,7 @@
           <a:cs typeface="+mn-cs"/>
         </a:defRPr>
       </a:lvl2pPr>
-      <a:lvl3pPr marL="1143000" indent="-228600" algn="l" defTabSz="914400" rtl="0" eaLnBrk="1" latinLnBrk="0" hangingPunct="1">
+      <a:lvl3pPr marL="1142971" indent="-228594" algn="l" defTabSz="914377" rtl="0" eaLnBrk="1" latinLnBrk="0" hangingPunct="1">
         <a:lnSpc>
           <a:spcPct val="90000"/>
         </a:lnSpc>
@@ -3123,7 +3123,7 @@
           <a:cs typeface="+mn-cs"/>
         </a:defRPr>
       </a:lvl3pPr>
-      <a:lvl4pPr marL="1600200" indent="-228600" algn="l" defTabSz="914400" rtl="0" eaLnBrk="1" latinLnBrk="0" hangingPunct="1">
+      <a:lvl4pPr marL="1600160" indent="-228594" algn="l" defTabSz="914377" rtl="0" eaLnBrk="1" latinLnBrk="0" hangingPunct="1">
         <a:lnSpc>
           <a:spcPct val="90000"/>
         </a:lnSpc>
@@ -3141,7 +3141,7 @@
           <a:cs typeface="+mn-cs"/>
         </a:defRPr>
       </a:lvl4pPr>
-      <a:lvl5pPr marL="2057400" indent="-228600" algn="l" defTabSz="914400" rtl="0" eaLnBrk="1" latinLnBrk="0" hangingPunct="1">
+      <a:lvl5pPr marL="2057349" indent="-228594" algn="l" defTabSz="914377" rtl="0" eaLnBrk="1" latinLnBrk="0" hangingPunct="1">
         <a:lnSpc>
           <a:spcPct val="90000"/>
         </a:lnSpc>
@@ -3159,7 +3159,7 @@
           <a:cs typeface="+mn-cs"/>
         </a:defRPr>
       </a:lvl5pPr>
-      <a:lvl6pPr marL="2514600" indent="-228600" algn="l" defTabSz="914400" rtl="0" eaLnBrk="1" latinLnBrk="0" hangingPunct="1">
+      <a:lvl6pPr marL="2514537" indent="-228594" algn="l" defTabSz="914377" rtl="0" eaLnBrk="1" latinLnBrk="0" hangingPunct="1">
         <a:lnSpc>
           <a:spcPct val="90000"/>
         </a:lnSpc>
@@ -3177,7 +3177,7 @@
           <a:cs typeface="+mn-cs"/>
         </a:defRPr>
       </a:lvl6pPr>
-      <a:lvl7pPr marL="2971800" indent="-228600" algn="l" defTabSz="914400" rtl="0" eaLnBrk="1" latinLnBrk="0" hangingPunct="1">
+      <a:lvl7pPr marL="2971726" indent="-228594" algn="l" defTabSz="914377" rtl="0" eaLnBrk="1" latinLnBrk="0" hangingPunct="1">
         <a:lnSpc>
           <a:spcPct val="90000"/>
         </a:lnSpc>
@@ -3195,7 +3195,7 @@
           <a:cs typeface="+mn-cs"/>
         </a:defRPr>
       </a:lvl7pPr>
-      <a:lvl8pPr marL="3429000" indent="-228600" algn="l" defTabSz="914400" rtl="0" eaLnBrk="1" latinLnBrk="0" hangingPunct="1">
+      <a:lvl8pPr marL="3428914" indent="-228594" algn="l" defTabSz="914377" rtl="0" eaLnBrk="1" latinLnBrk="0" hangingPunct="1">
         <a:lnSpc>
           <a:spcPct val="90000"/>
         </a:lnSpc>
@@ -3213,7 +3213,7 @@
           <a:cs typeface="+mn-cs"/>
         </a:defRPr>
       </a:lvl8pPr>
-      <a:lvl9pPr marL="3886200" indent="-228600" algn="l" defTabSz="914400" rtl="0" eaLnBrk="1" latinLnBrk="0" hangingPunct="1">
+      <a:lvl9pPr marL="3886103" indent="-228594" algn="l" defTabSz="914377" rtl="0" eaLnBrk="1" latinLnBrk="0" hangingPunct="1">
         <a:lnSpc>
           <a:spcPct val="90000"/>
         </a:lnSpc>
@@ -3236,7 +3236,7 @@
       <a:defPPr>
         <a:defRPr lang="en-US"/>
       </a:defPPr>
-      <a:lvl1pPr marL="0" algn="l" defTabSz="914400" rtl="0" eaLnBrk="1" latinLnBrk="0" hangingPunct="1">
+      <a:lvl1pPr marL="0" algn="l" defTabSz="914377" rtl="0" eaLnBrk="1" latinLnBrk="0" hangingPunct="1">
         <a:defRPr sz="1800" kern="1200">
           <a:solidFill>
             <a:schemeClr val="tx1"/>
@@ -3246,7 +3246,7 @@
           <a:cs typeface="+mn-cs"/>
         </a:defRPr>
       </a:lvl1pPr>
-      <a:lvl2pPr marL="457200" algn="l" defTabSz="914400" rtl="0" eaLnBrk="1" latinLnBrk="0" hangingPunct="1">
+      <a:lvl2pPr marL="457189" algn="l" defTabSz="914377" rtl="0" eaLnBrk="1" latinLnBrk="0" hangingPunct="1">
         <a:defRPr sz="1800" kern="1200">
           <a:solidFill>
             <a:schemeClr val="tx1"/>
@@ -3256,7 +3256,7 @@
           <a:cs typeface="+mn-cs"/>
         </a:defRPr>
       </a:lvl2pPr>
-      <a:lvl3pPr marL="914400" algn="l" defTabSz="914400" rtl="0" eaLnBrk="1" latinLnBrk="0" hangingPunct="1">
+      <a:lvl3pPr marL="914377" algn="l" defTabSz="914377" rtl="0" eaLnBrk="1" latinLnBrk="0" hangingPunct="1">
         <a:defRPr sz="1800" kern="1200">
           <a:solidFill>
             <a:schemeClr val="tx1"/>
@@ -3266,7 +3266,7 @@
           <a:cs typeface="+mn-cs"/>
         </a:defRPr>
       </a:lvl3pPr>
-      <a:lvl4pPr marL="1371600" algn="l" defTabSz="914400" rtl="0" eaLnBrk="1" latinLnBrk="0" hangingPunct="1">
+      <a:lvl4pPr marL="1371566" algn="l" defTabSz="914377" rtl="0" eaLnBrk="1" latinLnBrk="0" hangingPunct="1">
         <a:defRPr sz="1800" kern="1200">
           <a:solidFill>
             <a:schemeClr val="tx1"/>
@@ -3276,7 +3276,7 @@
           <a:cs typeface="+mn-cs"/>
         </a:defRPr>
       </a:lvl4pPr>
-      <a:lvl5pPr marL="1828800" algn="l" defTabSz="914400" rtl="0" eaLnBrk="1" latinLnBrk="0" hangingPunct="1">
+      <a:lvl5pPr marL="1828754" algn="l" defTabSz="914377" rtl="0" eaLnBrk="1" latinLnBrk="0" hangingPunct="1">
         <a:defRPr sz="1800" kern="1200">
           <a:solidFill>
             <a:schemeClr val="tx1"/>
@@ -3286,7 +3286,7 @@
           <a:cs typeface="+mn-cs"/>
         </a:defRPr>
       </a:lvl5pPr>
-      <a:lvl6pPr marL="2286000" algn="l" defTabSz="914400" rtl="0" eaLnBrk="1" latinLnBrk="0" hangingPunct="1">
+      <a:lvl6pPr marL="2285943" algn="l" defTabSz="914377" rtl="0" eaLnBrk="1" latinLnBrk="0" hangingPunct="1">
         <a:defRPr sz="1800" kern="1200">
           <a:solidFill>
             <a:schemeClr val="tx1"/>
@@ -3296,7 +3296,7 @@
           <a:cs typeface="+mn-cs"/>
         </a:defRPr>
       </a:lvl6pPr>
-      <a:lvl7pPr marL="2743200" algn="l" defTabSz="914400" rtl="0" eaLnBrk="1" latinLnBrk="0" hangingPunct="1">
+      <a:lvl7pPr marL="2743131" algn="l" defTabSz="914377" rtl="0" eaLnBrk="1" latinLnBrk="0" hangingPunct="1">
         <a:defRPr sz="1800" kern="1200">
           <a:solidFill>
             <a:schemeClr val="tx1"/>
@@ -3306,7 +3306,7 @@
           <a:cs typeface="+mn-cs"/>
         </a:defRPr>
       </a:lvl7pPr>
-      <a:lvl8pPr marL="3200400" algn="l" defTabSz="914400" rtl="0" eaLnBrk="1" latinLnBrk="0" hangingPunct="1">
+      <a:lvl8pPr marL="3200320" algn="l" defTabSz="914377" rtl="0" eaLnBrk="1" latinLnBrk="0" hangingPunct="1">
         <a:defRPr sz="1800" kern="1200">
           <a:solidFill>
             <a:schemeClr val="tx1"/>
@@ -3316,7 +3316,7 @@
           <a:cs typeface="+mn-cs"/>
         </a:defRPr>
       </a:lvl8pPr>
-      <a:lvl9pPr marL="3657600" algn="l" defTabSz="914400" rtl="0" eaLnBrk="1" latinLnBrk="0" hangingPunct="1">
+      <a:lvl9pPr marL="3657509" algn="l" defTabSz="914377" rtl="0" eaLnBrk="1" latinLnBrk="0" hangingPunct="1">
         <a:defRPr sz="1800" kern="1200">
           <a:solidFill>
             <a:schemeClr val="tx1"/>
@@ -3362,8 +3362,8 @@
         </p:nvSpPr>
         <p:spPr>
           <a:xfrm>
-            <a:off x="6972475" y="2148897"/>
-            <a:ext cx="2688772" cy="2525814"/>
+            <a:off x="6972475" y="2148898"/>
+            <a:ext cx="2688772" cy="2525815"/>
           </a:xfrm>
           <a:prstGeom prst="rect">
             <a:avLst/>
@@ -3429,7 +3429,7 @@
         </p:nvGrpSpPr>
         <p:grpSpPr>
           <a:xfrm>
-            <a:off x="1743075" y="1526503"/>
+            <a:off x="1743076" y="1526502"/>
             <a:ext cx="1561011" cy="261610"/>
             <a:chOff x="609600" y="1421728"/>
             <a:chExt cx="1561011" cy="261610"/>
@@ -3698,8 +3698,8 @@
           </p:nvSpPr>
           <p:spPr>
             <a:xfrm>
-              <a:off x="1368334" y="1421728"/>
-              <a:ext cx="802277" cy="261610"/>
+              <a:off x="1368333" y="1421728"/>
+              <a:ext cx="802278" cy="261610"/>
             </a:xfrm>
             <a:prstGeom prst="rect">
               <a:avLst/>
@@ -3735,7 +3735,7 @@
         </p:nvGrpSpPr>
         <p:grpSpPr>
           <a:xfrm>
-            <a:off x="1743075" y="1345565"/>
+            <a:off x="1743076" y="1345567"/>
             <a:ext cx="1561011" cy="261610"/>
             <a:chOff x="609600" y="1240790"/>
             <a:chExt cx="1561011" cy="261610"/>
@@ -4004,8 +4004,8 @@
           </p:nvSpPr>
           <p:spPr>
             <a:xfrm>
-              <a:off x="1368334" y="1240790"/>
-              <a:ext cx="802277" cy="261610"/>
+              <a:off x="1368333" y="1240790"/>
+              <a:ext cx="802278" cy="261610"/>
             </a:xfrm>
             <a:prstGeom prst="rect">
               <a:avLst/>
@@ -4041,8 +4041,8 @@
         </p:nvGrpSpPr>
         <p:grpSpPr>
           <a:xfrm>
-            <a:off x="1743075" y="1172178"/>
-            <a:ext cx="1561010" cy="261610"/>
+            <a:off x="1743075" y="1172182"/>
+            <a:ext cx="1561011" cy="261610"/>
             <a:chOff x="609600" y="1069784"/>
             <a:chExt cx="1561010" cy="261610"/>
           </a:xfrm>
@@ -4348,7 +4348,7 @@
         <p:grpSpPr>
           <a:xfrm>
             <a:off x="1743075" y="972400"/>
-            <a:ext cx="1561010" cy="261610"/>
+            <a:ext cx="1561011" cy="261610"/>
             <a:chOff x="609600" y="867625"/>
             <a:chExt cx="1561010" cy="261610"/>
           </a:xfrm>
@@ -4653,7 +4653,7 @@
         </p:nvGrpSpPr>
         <p:grpSpPr>
           <a:xfrm>
-            <a:off x="1743075" y="781788"/>
+            <a:off x="1743076" y="781787"/>
             <a:ext cx="1550125" cy="261610"/>
             <a:chOff x="609600" y="677013"/>
             <a:chExt cx="1550125" cy="261610"/>
@@ -4960,9 +4960,9 @@
         <p:grpSpPr>
           <a:xfrm>
             <a:off x="1743075" y="598506"/>
-            <a:ext cx="1561010" cy="261610"/>
+            <a:ext cx="1561011" cy="261610"/>
             <a:chOff x="609600" y="493731"/>
-            <a:chExt cx="1561010" cy="261610"/>
+            <a:chExt cx="1561010" cy="261609"/>
           </a:xfrm>
         </p:grpSpPr>
         <p:grpSp>
@@ -5229,7 +5229,7 @@
           <p:spPr>
             <a:xfrm>
               <a:off x="1368333" y="493731"/>
-              <a:ext cx="802277" cy="261610"/>
+              <a:ext cx="802277" cy="261609"/>
             </a:xfrm>
             <a:prstGeom prst="rect">
               <a:avLst/>
@@ -5265,10 +5265,10 @@
         </p:nvGrpSpPr>
         <p:grpSpPr>
           <a:xfrm>
-            <a:off x="1743075" y="414841"/>
-            <a:ext cx="1561010" cy="261610"/>
+            <a:off x="1743075" y="414842"/>
+            <a:ext cx="1561011" cy="261610"/>
             <a:chOff x="609600" y="310066"/>
-            <a:chExt cx="1561010" cy="261610"/>
+            <a:chExt cx="1561010" cy="261609"/>
           </a:xfrm>
         </p:grpSpPr>
         <p:grpSp>
@@ -5535,7 +5535,7 @@
           <p:spPr>
             <a:xfrm>
               <a:off x="1368333" y="310066"/>
-              <a:ext cx="802277" cy="261610"/>
+              <a:ext cx="802277" cy="261609"/>
             </a:xfrm>
             <a:prstGeom prst="rect">
               <a:avLst/>
@@ -5877,8 +5877,8 @@
         </p:nvGrpSpPr>
         <p:grpSpPr>
           <a:xfrm>
-            <a:off x="4938575" y="2881738"/>
-            <a:ext cx="1353640" cy="520541"/>
+            <a:off x="4938575" y="2881741"/>
+            <a:ext cx="1353640" cy="520542"/>
             <a:chOff x="3138350" y="2225040"/>
             <a:chExt cx="1353640" cy="520541"/>
           </a:xfrm>
@@ -6151,8 +6151,8 @@
         </p:nvGrpSpPr>
         <p:grpSpPr>
           <a:xfrm>
-            <a:off x="7575095" y="1233414"/>
-            <a:ext cx="1287780" cy="520541"/>
+            <a:off x="7575095" y="1233418"/>
+            <a:ext cx="1287780" cy="520542"/>
             <a:chOff x="3138350" y="2225040"/>
             <a:chExt cx="1287780" cy="520541"/>
           </a:xfrm>
@@ -6425,8 +6425,8 @@
         </p:nvGrpSpPr>
         <p:grpSpPr>
           <a:xfrm>
-            <a:off x="7575095" y="1233414"/>
-            <a:ext cx="1287780" cy="520541"/>
+            <a:off x="7575095" y="1233418"/>
+            <a:ext cx="1287780" cy="520542"/>
             <a:chOff x="3138350" y="2225040"/>
             <a:chExt cx="1287780" cy="520541"/>
           </a:xfrm>
@@ -6698,8 +6698,8 @@
         </p:nvGrpSpPr>
         <p:grpSpPr>
           <a:xfrm>
-            <a:off x="7575095" y="1233414"/>
-            <a:ext cx="1287780" cy="520541"/>
+            <a:off x="7575095" y="1233418"/>
+            <a:ext cx="1287780" cy="520542"/>
             <a:chOff x="3138350" y="2225040"/>
             <a:chExt cx="1287780" cy="520541"/>
           </a:xfrm>
@@ -6971,8 +6971,8 @@
         </p:nvGrpSpPr>
         <p:grpSpPr>
           <a:xfrm>
-            <a:off x="7575095" y="1233414"/>
-            <a:ext cx="1287780" cy="520541"/>
+            <a:off x="7575095" y="1233418"/>
+            <a:ext cx="1287780" cy="520542"/>
             <a:chOff x="3138350" y="2225040"/>
             <a:chExt cx="1287780" cy="520541"/>
           </a:xfrm>
@@ -7244,8 +7244,8 @@
         </p:nvGrpSpPr>
         <p:grpSpPr>
           <a:xfrm>
-            <a:off x="7575095" y="1233414"/>
-            <a:ext cx="1287780" cy="520541"/>
+            <a:off x="7575095" y="1233418"/>
+            <a:ext cx="1287780" cy="520542"/>
             <a:chOff x="3138350" y="2225040"/>
             <a:chExt cx="1287780" cy="520541"/>
           </a:xfrm>
@@ -7517,8 +7517,8 @@
         </p:nvGrpSpPr>
         <p:grpSpPr>
           <a:xfrm>
-            <a:off x="7575094" y="1233414"/>
-            <a:ext cx="1287780" cy="520541"/>
+            <a:off x="7575095" y="1233418"/>
+            <a:ext cx="1287780" cy="520542"/>
             <a:chOff x="3138350" y="2225040"/>
             <a:chExt cx="1287780" cy="520541"/>
           </a:xfrm>
@@ -7790,8 +7790,8 @@
         </p:nvGrpSpPr>
         <p:grpSpPr>
           <a:xfrm>
-            <a:off x="7575094" y="1233414"/>
-            <a:ext cx="1287780" cy="520541"/>
+            <a:off x="7575095" y="1233418"/>
+            <a:ext cx="1287780" cy="520542"/>
             <a:chOff x="3138350" y="2225040"/>
             <a:chExt cx="1287780" cy="520541"/>
           </a:xfrm>
@@ -8063,8 +8063,8 @@
         </p:nvGrpSpPr>
         <p:grpSpPr>
           <a:xfrm>
-            <a:off x="7575093" y="1233414"/>
-            <a:ext cx="1381228" cy="520541"/>
+            <a:off x="7575094" y="1233418"/>
+            <a:ext cx="1381228" cy="520542"/>
             <a:chOff x="3138350" y="2225040"/>
             <a:chExt cx="1381228" cy="520541"/>
           </a:xfrm>
@@ -8471,7 +8471,7 @@
         <p:spPr>
           <a:xfrm>
             <a:off x="7229475" y="4963207"/>
-            <a:ext cx="3257550" cy="523220"/>
+            <a:ext cx="3257551" cy="523220"/>
           </a:xfrm>
           <a:prstGeom prst="rect">
             <a:avLst/>
@@ -8531,7 +8531,7 @@
         <p:spPr>
           <a:xfrm>
             <a:off x="7229475" y="4964367"/>
-            <a:ext cx="3257550" cy="523220"/>
+            <a:ext cx="3257551" cy="523220"/>
           </a:xfrm>
           <a:prstGeom prst="rect">
             <a:avLst/>
@@ -8591,7 +8591,7 @@
         <p:spPr>
           <a:xfrm>
             <a:off x="7229475" y="4963207"/>
-            <a:ext cx="3257550" cy="523220"/>
+            <a:ext cx="3257551" cy="523220"/>
           </a:xfrm>
           <a:prstGeom prst="rect">
             <a:avLst/>
@@ -8651,7 +8651,7 @@
         <p:spPr>
           <a:xfrm>
             <a:off x="7229475" y="4962047"/>
-            <a:ext cx="3257550" cy="523220"/>
+            <a:ext cx="3257551" cy="523220"/>
           </a:xfrm>
           <a:prstGeom prst="rect">
             <a:avLst/>
@@ -8711,7 +8711,7 @@
         <p:spPr>
           <a:xfrm>
             <a:off x="7229475" y="4962047"/>
-            <a:ext cx="3257550" cy="523220"/>
+            <a:ext cx="3257551" cy="523220"/>
           </a:xfrm>
           <a:prstGeom prst="rect">
             <a:avLst/>
@@ -8771,7 +8771,7 @@
         <p:spPr>
           <a:xfrm>
             <a:off x="7229475" y="4962047"/>
-            <a:ext cx="3257550" cy="523220"/>
+            <a:ext cx="3257551" cy="523220"/>
           </a:xfrm>
           <a:prstGeom prst="rect">
             <a:avLst/>
@@ -8831,7 +8831,7 @@
         <p:spPr>
           <a:xfrm>
             <a:off x="7229475" y="4960887"/>
-            <a:ext cx="3257550" cy="523220"/>
+            <a:ext cx="3257551" cy="523220"/>
           </a:xfrm>
           <a:prstGeom prst="rect">
             <a:avLst/>
@@ -8891,7 +8891,7 @@
         <p:spPr>
           <a:xfrm>
             <a:off x="7229475" y="4959727"/>
-            <a:ext cx="3257550" cy="523220"/>
+            <a:ext cx="3257551" cy="523220"/>
           </a:xfrm>
           <a:prstGeom prst="rect">
             <a:avLst/>
@@ -11823,8 +11823,8 @@
         </p:nvSpPr>
         <p:spPr>
           <a:xfrm>
-            <a:off x="5839000" y="2034597"/>
-            <a:ext cx="2688772" cy="2525814"/>
+            <a:off x="5839001" y="2034598"/>
+            <a:ext cx="2688772" cy="2525815"/>
           </a:xfrm>
           <a:prstGeom prst="rect">
             <a:avLst/>
@@ -11890,7 +11890,7 @@
         </p:nvGrpSpPr>
         <p:grpSpPr>
           <a:xfrm>
-            <a:off x="1868779" y="517300"/>
+            <a:off x="1868780" y="517298"/>
             <a:ext cx="1561011" cy="261610"/>
             <a:chOff x="609600" y="1421728"/>
             <a:chExt cx="1561011" cy="261610"/>
@@ -12159,8 +12159,8 @@
           </p:nvSpPr>
           <p:spPr>
             <a:xfrm>
-              <a:off x="1368334" y="1421728"/>
-              <a:ext cx="802277" cy="261610"/>
+              <a:off x="1368333" y="1421728"/>
+              <a:ext cx="802278" cy="261610"/>
             </a:xfrm>
             <a:prstGeom prst="rect">
               <a:avLst/>
@@ -12196,8 +12196,8 @@
         </p:nvGrpSpPr>
         <p:grpSpPr>
           <a:xfrm>
-            <a:off x="3805100" y="2776963"/>
-            <a:ext cx="1353640" cy="520541"/>
+            <a:off x="3805100" y="2776966"/>
+            <a:ext cx="1353640" cy="520542"/>
             <a:chOff x="3138350" y="2225040"/>
             <a:chExt cx="1353640" cy="520541"/>
           </a:xfrm>
@@ -12470,7 +12470,7 @@
         </p:nvGrpSpPr>
         <p:grpSpPr>
           <a:xfrm>
-            <a:off x="1868779" y="690500"/>
+            <a:off x="1868780" y="690498"/>
             <a:ext cx="1561011" cy="261610"/>
             <a:chOff x="609600" y="1421728"/>
             <a:chExt cx="1561011" cy="261610"/>
@@ -12739,8 +12739,8 @@
           </p:nvSpPr>
           <p:spPr>
             <a:xfrm>
-              <a:off x="1368334" y="1421728"/>
-              <a:ext cx="802277" cy="261610"/>
+              <a:off x="1368333" y="1421728"/>
+              <a:ext cx="802278" cy="261610"/>
             </a:xfrm>
             <a:prstGeom prst="rect">
               <a:avLst/>
@@ -12776,7 +12776,7 @@
         </p:nvGrpSpPr>
         <p:grpSpPr>
           <a:xfrm>
-            <a:off x="1868779" y="875557"/>
+            <a:off x="1868780" y="875556"/>
             <a:ext cx="1561011" cy="261610"/>
             <a:chOff x="609600" y="1421728"/>
             <a:chExt cx="1561011" cy="261610"/>
@@ -13045,8 +13045,8 @@
           </p:nvSpPr>
           <p:spPr>
             <a:xfrm>
-              <a:off x="1368334" y="1421728"/>
-              <a:ext cx="802277" cy="261610"/>
+              <a:off x="1368333" y="1421728"/>
+              <a:ext cx="802278" cy="261610"/>
             </a:xfrm>
             <a:prstGeom prst="rect">
               <a:avLst/>
@@ -13082,7 +13082,7 @@
         </p:nvGrpSpPr>
         <p:grpSpPr>
           <a:xfrm>
-            <a:off x="1868779" y="1057837"/>
+            <a:off x="1868780" y="1057836"/>
             <a:ext cx="1561011" cy="261610"/>
             <a:chOff x="609600" y="1421728"/>
             <a:chExt cx="1561011" cy="261610"/>
@@ -13351,8 +13351,8 @@
           </p:nvSpPr>
           <p:spPr>
             <a:xfrm>
-              <a:off x="1368334" y="1421728"/>
-              <a:ext cx="802277" cy="261610"/>
+              <a:off x="1368333" y="1421728"/>
+              <a:ext cx="802278" cy="261610"/>
             </a:xfrm>
             <a:prstGeom prst="rect">
               <a:avLst/>
@@ -13388,7 +13388,7 @@
         </p:nvGrpSpPr>
         <p:grpSpPr>
           <a:xfrm>
-            <a:off x="1868779" y="1240348"/>
+            <a:off x="1868780" y="1240347"/>
             <a:ext cx="1561011" cy="261610"/>
             <a:chOff x="609600" y="1421728"/>
             <a:chExt cx="1561011" cy="261610"/>
@@ -13657,8 +13657,8 @@
           </p:nvSpPr>
           <p:spPr>
             <a:xfrm>
-              <a:off x="1368334" y="1421728"/>
-              <a:ext cx="802277" cy="261610"/>
+              <a:off x="1368333" y="1421728"/>
+              <a:ext cx="802278" cy="261610"/>
             </a:xfrm>
             <a:prstGeom prst="rect">
               <a:avLst/>
@@ -13694,7 +13694,7 @@
         </p:nvGrpSpPr>
         <p:grpSpPr>
           <a:xfrm>
-            <a:off x="1868779" y="1422628"/>
+            <a:off x="1868780" y="1422627"/>
             <a:ext cx="1561011" cy="261610"/>
             <a:chOff x="609600" y="1421728"/>
             <a:chExt cx="1561011" cy="261610"/>
@@ -13963,8 +13963,8 @@
           </p:nvSpPr>
           <p:spPr>
             <a:xfrm>
-              <a:off x="1368334" y="1421728"/>
-              <a:ext cx="802277" cy="261610"/>
+              <a:off x="1368333" y="1421728"/>
+              <a:ext cx="802278" cy="261610"/>
             </a:xfrm>
             <a:prstGeom prst="rect">
               <a:avLst/>
@@ -14000,7 +14000,7 @@
         </p:nvGrpSpPr>
         <p:grpSpPr>
           <a:xfrm>
-            <a:off x="1868779" y="1603286"/>
+            <a:off x="1868780" y="1603286"/>
             <a:ext cx="1561011" cy="261610"/>
             <a:chOff x="609600" y="1421728"/>
             <a:chExt cx="1561011" cy="261610"/>
@@ -14269,8 +14269,8 @@
           </p:nvSpPr>
           <p:spPr>
             <a:xfrm>
-              <a:off x="1368334" y="1421728"/>
-              <a:ext cx="802277" cy="261610"/>
+              <a:off x="1368333" y="1421728"/>
+              <a:ext cx="802278" cy="261610"/>
             </a:xfrm>
             <a:prstGeom prst="rect">
               <a:avLst/>
@@ -14306,7 +14306,7 @@
         </p:nvGrpSpPr>
         <p:grpSpPr>
           <a:xfrm>
-            <a:off x="1868779" y="1787353"/>
+            <a:off x="1868780" y="1787352"/>
             <a:ext cx="1561011" cy="261610"/>
             <a:chOff x="609600" y="1421728"/>
             <a:chExt cx="1561011" cy="261610"/>
@@ -14575,8 +14575,8 @@
           </p:nvSpPr>
           <p:spPr>
             <a:xfrm>
-              <a:off x="1368334" y="1421728"/>
-              <a:ext cx="802277" cy="261610"/>
+              <a:off x="1368333" y="1421728"/>
+              <a:ext cx="802278" cy="261610"/>
             </a:xfrm>
             <a:prstGeom prst="rect">
               <a:avLst/>
@@ -14612,7 +14612,7 @@
         </p:nvSpPr>
         <p:spPr>
           <a:xfrm>
-            <a:off x="4358640" y="4006850"/>
+            <a:off x="4358641" y="4006851"/>
             <a:ext cx="175260" cy="165100"/>
           </a:xfrm>
           <a:prstGeom prst="rect">
@@ -14654,11 +14654,11 @@
   <p:clrMapOvr>
     <a:masterClrMapping/>
   </p:clrMapOvr>
-  <mc:AlternateContent xmlns:mc="http://schemas.openxmlformats.org/markup-compatibility/2006">
-    <mc:Choice xmlns:p14="http://schemas.microsoft.com/office/powerpoint/2010/main" Requires="p14">
+  <mc:AlternateContent xmlns:mc="http://schemas.openxmlformats.org/markup-compatibility/2006" xmlns:p14="http://schemas.microsoft.com/office/powerpoint/2010/main">
+    <mc:Choice Requires="p14">
       <p:transition spd="slow" p14:dur="2000" advTm="47315"/>
     </mc:Choice>
-    <mc:Fallback>
+    <mc:Fallback xmlns="">
       <p:transition spd="slow" advTm="47315"/>
     </mc:Fallback>
   </mc:AlternateContent>
